--- a/Thesis/Just In Time Arabic Handwriting Recognition.pptx
+++ b/Thesis/Just In Time Arabic Handwriting Recognition.pptx
@@ -23,7 +23,8 @@
     <p:sldId id="263" r:id="rId17"/>
     <p:sldId id="262" r:id="rId18"/>
     <p:sldId id="261" r:id="rId19"/>
-    <p:sldId id="259" r:id="rId20"/>
+    <p:sldId id="275" r:id="rId20"/>
+    <p:sldId id="259" r:id="rId21"/>
   </p:sldIdLst>
   <p:sldSz cx="9144000" cy="6858000" type="screen4x3"/>
   <p:notesSz cx="6858000" cy="9144000"/>
@@ -306,7 +307,7 @@
           <a:p>
             <a:fld id="{7350849D-FC76-4A94-A18B-DD56B5248FC8}" type="datetimeFigureOut">
               <a:rPr lang="en-GB" smtClean="0"/>
-              <a:t>11/09/2012</a:t>
+              <a:t>02/10/2012</a:t>
             </a:fld>
             <a:endParaRPr lang="en-GB"/>
           </a:p>
@@ -476,7 +477,7 @@
           <a:p>
             <a:fld id="{7350849D-FC76-4A94-A18B-DD56B5248FC8}" type="datetimeFigureOut">
               <a:rPr lang="en-GB" smtClean="0"/>
-              <a:t>11/09/2012</a:t>
+              <a:t>02/10/2012</a:t>
             </a:fld>
             <a:endParaRPr lang="en-GB"/>
           </a:p>
@@ -656,7 +657,7 @@
           <a:p>
             <a:fld id="{7350849D-FC76-4A94-A18B-DD56B5248FC8}" type="datetimeFigureOut">
               <a:rPr lang="en-GB" smtClean="0"/>
-              <a:t>11/09/2012</a:t>
+              <a:t>02/10/2012</a:t>
             </a:fld>
             <a:endParaRPr lang="en-GB"/>
           </a:p>
@@ -826,7 +827,7 @@
           <a:p>
             <a:fld id="{7350849D-FC76-4A94-A18B-DD56B5248FC8}" type="datetimeFigureOut">
               <a:rPr lang="en-GB" smtClean="0"/>
-              <a:t>11/09/2012</a:t>
+              <a:t>02/10/2012</a:t>
             </a:fld>
             <a:endParaRPr lang="en-GB"/>
           </a:p>
@@ -1072,7 +1073,7 @@
           <a:p>
             <a:fld id="{7350849D-FC76-4A94-A18B-DD56B5248FC8}" type="datetimeFigureOut">
               <a:rPr lang="en-GB" smtClean="0"/>
-              <a:t>11/09/2012</a:t>
+              <a:t>02/10/2012</a:t>
             </a:fld>
             <a:endParaRPr lang="en-GB"/>
           </a:p>
@@ -1360,7 +1361,7 @@
           <a:p>
             <a:fld id="{7350849D-FC76-4A94-A18B-DD56B5248FC8}" type="datetimeFigureOut">
               <a:rPr lang="en-GB" smtClean="0"/>
-              <a:t>11/09/2012</a:t>
+              <a:t>02/10/2012</a:t>
             </a:fld>
             <a:endParaRPr lang="en-GB"/>
           </a:p>
@@ -1782,7 +1783,7 @@
           <a:p>
             <a:fld id="{7350849D-FC76-4A94-A18B-DD56B5248FC8}" type="datetimeFigureOut">
               <a:rPr lang="en-GB" smtClean="0"/>
-              <a:t>11/09/2012</a:t>
+              <a:t>02/10/2012</a:t>
             </a:fld>
             <a:endParaRPr lang="en-GB"/>
           </a:p>
@@ -1900,7 +1901,7 @@
           <a:p>
             <a:fld id="{7350849D-FC76-4A94-A18B-DD56B5248FC8}" type="datetimeFigureOut">
               <a:rPr lang="en-GB" smtClean="0"/>
-              <a:t>11/09/2012</a:t>
+              <a:t>02/10/2012</a:t>
             </a:fld>
             <a:endParaRPr lang="en-GB"/>
           </a:p>
@@ -1995,7 +1996,7 @@
           <a:p>
             <a:fld id="{7350849D-FC76-4A94-A18B-DD56B5248FC8}" type="datetimeFigureOut">
               <a:rPr lang="en-GB" smtClean="0"/>
-              <a:t>11/09/2012</a:t>
+              <a:t>02/10/2012</a:t>
             </a:fld>
             <a:endParaRPr lang="en-GB"/>
           </a:p>
@@ -2272,7 +2273,7 @@
           <a:p>
             <a:fld id="{7350849D-FC76-4A94-A18B-DD56B5248FC8}" type="datetimeFigureOut">
               <a:rPr lang="en-GB" smtClean="0"/>
-              <a:t>11/09/2012</a:t>
+              <a:t>02/10/2012</a:t>
             </a:fld>
             <a:endParaRPr lang="en-GB"/>
           </a:p>
@@ -2525,7 +2526,7 @@
           <a:p>
             <a:fld id="{7350849D-FC76-4A94-A18B-DD56B5248FC8}" type="datetimeFigureOut">
               <a:rPr lang="en-GB" smtClean="0"/>
-              <a:t>11/09/2012</a:t>
+              <a:t>02/10/2012</a:t>
             </a:fld>
             <a:endParaRPr lang="en-GB"/>
           </a:p>
@@ -2738,7 +2739,7 @@
           <a:p>
             <a:fld id="{7350849D-FC76-4A94-A18B-DD56B5248FC8}" type="datetimeFigureOut">
               <a:rPr lang="en-GB" smtClean="0"/>
-              <a:t>11/09/2012</a:t>
+              <a:t>02/10/2012</a:t>
             </a:fld>
             <a:endParaRPr lang="en-GB"/>
           </a:p>
@@ -3357,7 +3358,7 @@
           <a:graphicData uri="http://schemas.openxmlformats.org/presentationml/2006/ole">
             <mc:AlternateContent xmlns:mc="http://schemas.openxmlformats.org/markup-compatibility/2006">
               <mc:Choice xmlns:v="urn:schemas-microsoft-com:vml" Requires="v">
-                <p:oleObj spid="_x0000_s2066" name="Equation" r:id="rId3" imgW="1765080" imgH="482400" progId="Equation.DSMT4">
+                <p:oleObj spid="_x0000_s2074" name="Equation" r:id="rId3" imgW="1765080" imgH="482400" progId="Equation.DSMT4">
                   <p:embed/>
                 </p:oleObj>
               </mc:Choice>
@@ -3450,7 +3451,7 @@
           <a:graphicData uri="http://schemas.openxmlformats.org/presentationml/2006/ole">
             <mc:AlternateContent xmlns:mc="http://schemas.openxmlformats.org/markup-compatibility/2006">
               <mc:Choice xmlns:v="urn:schemas-microsoft-com:vml" Requires="v">
-                <p:oleObj spid="_x0000_s2067" name="Equation" r:id="rId5" imgW="1028520" imgH="253800" progId="Equation.DSMT4">
+                <p:oleObj spid="_x0000_s2075" name="Equation" r:id="rId5" imgW="1028520" imgH="253800" progId="Equation.DSMT4">
                   <p:embed/>
                 </p:oleObj>
               </mc:Choice>
@@ -3543,7 +3544,7 @@
           <a:graphicData uri="http://schemas.openxmlformats.org/presentationml/2006/ole">
             <mc:AlternateContent xmlns:mc="http://schemas.openxmlformats.org/markup-compatibility/2006">
               <mc:Choice xmlns:v="urn:schemas-microsoft-com:vml" Requires="v">
-                <p:oleObj spid="_x0000_s2068" name="Equation" r:id="rId7" imgW="1396800" imgH="253800" progId="Equation.DSMT4">
+                <p:oleObj spid="_x0000_s2076" name="Equation" r:id="rId7" imgW="1396800" imgH="253800" progId="Equation.DSMT4">
                   <p:embed/>
                 </p:oleObj>
               </mc:Choice>
@@ -3636,7 +3637,7 @@
           <a:graphicData uri="http://schemas.openxmlformats.org/presentationml/2006/ole">
             <mc:AlternateContent xmlns:mc="http://schemas.openxmlformats.org/markup-compatibility/2006">
               <mc:Choice xmlns:v="urn:schemas-microsoft-com:vml" Requires="v">
-                <p:oleObj spid="_x0000_s2069" name="Equation" r:id="rId9" imgW="1828800" imgH="253800" progId="Equation.DSMT4">
+                <p:oleObj spid="_x0000_s2077" name="Equation" r:id="rId9" imgW="1828800" imgH="253800" progId="Equation.DSMT4">
                   <p:embed/>
                 </p:oleObj>
               </mc:Choice>
@@ -4914,6 +4915,13 @@
   <p:clrMapOvr>
     <a:masterClrMapping/>
   </p:clrMapOvr>
+  <p:timing>
+    <p:tnLst>
+      <p:par>
+        <p:cTn id="1" dur="indefinite" restart="never" nodeType="tmRoot"/>
+      </p:par>
+    </p:tnLst>
+  </p:timing>
 </p:sld>
 </file>
 
@@ -5169,6 +5177,13 @@
   <p:clrMapOvr>
     <a:masterClrMapping/>
   </p:clrMapOvr>
+  <p:timing>
+    <p:tnLst>
+      <p:par>
+        <p:cTn id="1" dur="indefinite" restart="never" nodeType="tmRoot"/>
+      </p:par>
+    </p:tnLst>
+  </p:timing>
 </p:sld>
 </file>
 
@@ -5265,6 +5280,13 @@
   <p:clrMapOvr>
     <a:masterClrMapping/>
   </p:clrMapOvr>
+  <p:timing>
+    <p:tnLst>
+      <p:par>
+        <p:cTn id="1" dur="indefinite" restart="never" nodeType="tmRoot"/>
+      </p:par>
+    </p:tnLst>
+  </p:timing>
 </p:sld>
 </file>
 
@@ -5358,6 +5380,13 @@
   <p:clrMapOvr>
     <a:masterClrMapping/>
   </p:clrMapOvr>
+  <p:timing>
+    <p:tnLst>
+      <p:par>
+        <p:cTn id="1" dur="indefinite" restart="never" nodeType="tmRoot"/>
+      </p:par>
+    </p:tnLst>
+  </p:timing>
 </p:sld>
 </file>
 
@@ -5547,6 +5576,13 @@
   <p:clrMapOvr>
     <a:masterClrMapping/>
   </p:clrMapOvr>
+  <p:timing>
+    <p:tnLst>
+      <p:par>
+        <p:cTn id="1" dur="indefinite" restart="never" nodeType="tmRoot"/>
+      </p:par>
+    </p:tnLst>
+  </p:timing>
 </p:sld>
 </file>
 
@@ -5579,14 +5615,12 @@
         </p:nvSpPr>
         <p:spPr/>
         <p:txBody>
-          <a:bodyPr>
-            <a:normAutofit fontScale="90000"/>
-          </a:bodyPr>
+          <a:bodyPr/>
           <a:lstStyle/>
           <a:p>
             <a:r>
               <a:rPr lang="en-US" dirty="0" smtClean="0"/>
-              <a:t>Online Progressive Letters Recognition</a:t>
+              <a:t>Learning Process Overview</a:t>
             </a:r>
             <a:endParaRPr lang="en-GB" dirty="0"/>
           </a:p>
@@ -5594,66 +5628,48 @@
       </p:sp>
       <p:sp>
         <p:nvSpPr>
-          <p:cNvPr id="3" name="Content Placeholder 2"/>
-          <p:cNvSpPr>
-            <a:spLocks noGrp="1"/>
-          </p:cNvSpPr>
-          <p:nvPr>
-            <p:ph idx="1"/>
-          </p:nvPr>
+          <p:cNvPr id="4" name="Flowchart: Process 3"/>
+          <p:cNvSpPr/>
+          <p:nvPr/>
         </p:nvSpPr>
-        <p:spPr/>
+        <p:spPr>
+          <a:xfrm>
+            <a:off x="3131840" y="1628800"/>
+            <a:ext cx="1944216" cy="1152128"/>
+          </a:xfrm>
+          <a:prstGeom prst="flowChartProcess">
+            <a:avLst/>
+          </a:prstGeom>
+        </p:spPr>
+        <p:style>
+          <a:lnRef idx="2">
+            <a:schemeClr val="accent1">
+              <a:shade val="50000"/>
+            </a:schemeClr>
+          </a:lnRef>
+          <a:fillRef idx="1">
+            <a:schemeClr val="accent1"/>
+          </a:fillRef>
+          <a:effectRef idx="0">
+            <a:schemeClr val="accent1"/>
+          </a:effectRef>
+          <a:fontRef idx="minor">
+            <a:schemeClr val="lt1"/>
+          </a:fontRef>
+        </p:style>
         <p:txBody>
-          <a:bodyPr>
-            <a:normAutofit/>
-          </a:bodyPr>
+          <a:bodyPr rtlCol="0" anchor="ctr"/>
           <a:lstStyle/>
           <a:p>
+            <a:pPr algn="ctr"/>
             <a:r>
               <a:rPr lang="en-US" dirty="0" smtClean="0"/>
-              <a:t>Recognition</a:t>
-            </a:r>
-          </a:p>
-          <a:p>
-            <a:pPr lvl="1"/>
-            <a:r>
-              <a:rPr lang="en-US" dirty="0" smtClean="0"/>
-              <a:t>Segmentation algorithm</a:t>
-            </a:r>
-          </a:p>
-          <a:p>
-            <a:pPr lvl="2"/>
-            <a:r>
-              <a:rPr lang="en-US" dirty="0" smtClean="0"/>
-              <a:t>Candidate Point</a:t>
-            </a:r>
-          </a:p>
-          <a:p>
-            <a:pPr lvl="2"/>
-            <a:r>
-              <a:rPr lang="en-US" dirty="0" smtClean="0"/>
-              <a:t>Better Point </a:t>
-            </a:r>
-            <a:r>
-              <a:rPr lang="en-US" smtClean="0"/>
-              <a:t>Segmentation Selection</a:t>
-            </a:r>
-            <a:endParaRPr lang="en-US" dirty="0" smtClean="0"/>
-          </a:p>
-          <a:p>
-            <a:pPr lvl="1"/>
-            <a:endParaRPr lang="en-US" dirty="0" smtClean="0"/>
-          </a:p>
-          <a:p>
-            <a:pPr lvl="1"/>
-            <a:endParaRPr lang="en-US" dirty="0" smtClean="0"/>
-          </a:p>
-          <a:p>
-            <a:pPr lvl="1"/>
-            <a:endParaRPr lang="en-US" dirty="0" smtClean="0"/>
-          </a:p>
-          <a:p>
-            <a:pPr lvl="1"/>
+              <a:t>Letters </a:t>
+            </a:r>
+            <a:r>
+              <a:rPr lang="en-US" dirty="0" err="1" smtClean="0"/>
+              <a:t>Colle</a:t>
+            </a:r>
             <a:endParaRPr lang="en-GB" dirty="0"/>
           </a:p>
         </p:txBody>
@@ -5661,13 +5677,20 @@
     </p:spTree>
     <p:extLst>
       <p:ext uri="{BB962C8B-B14F-4D97-AF65-F5344CB8AC3E}">
-        <p14:creationId xmlns:p14="http://schemas.microsoft.com/office/powerpoint/2010/main" val="2106614807"/>
+        <p14:creationId xmlns:p14="http://schemas.microsoft.com/office/powerpoint/2010/main" val="887313169"/>
       </p:ext>
     </p:extLst>
   </p:cSld>
   <p:clrMapOvr>
     <a:masterClrMapping/>
   </p:clrMapOvr>
+  <p:timing>
+    <p:tnLst>
+      <p:par>
+        <p:cTn id="1" dur="indefinite" restart="never" nodeType="tmRoot"/>
+      </p:par>
+    </p:tnLst>
+  </p:timing>
 </p:sld>
 </file>
 
@@ -5742,11 +5765,7 @@
             </a:r>
             <a:r>
               <a:rPr lang="en-US" dirty="0" smtClean="0"/>
-              <a:t>rabic </a:t>
-            </a:r>
-            <a:r>
-              <a:rPr lang="en-US" dirty="0" smtClean="0"/>
-              <a:t>letters is </a:t>
+              <a:t>rabic letters is </a:t>
             </a:r>
             <a:r>
               <a:rPr lang="en-US" dirty="0" err="1" smtClean="0"/>
@@ -5756,7 +5775,6 @@
               <a:rPr lang="en-US" dirty="0" smtClean="0"/>
               <a:t> ...</a:t>
             </a:r>
-            <a:endParaRPr lang="en-US" dirty="0" smtClean="0"/>
           </a:p>
           <a:p>
             <a:r>
@@ -5797,6 +5815,127 @@
     <p:extLst>
       <p:ext uri="{BB962C8B-B14F-4D97-AF65-F5344CB8AC3E}">
         <p14:creationId xmlns:p14="http://schemas.microsoft.com/office/powerpoint/2010/main" val="2134239900"/>
+      </p:ext>
+    </p:extLst>
+  </p:cSld>
+  <p:clrMapOvr>
+    <a:masterClrMapping/>
+  </p:clrMapOvr>
+</p:sld>
+</file>
+
+<file path=ppt/slides/slide20.xml><?xml version="1.0" encoding="utf-8"?>
+<p:sld xmlns:a="http://schemas.openxmlformats.org/drawingml/2006/main" xmlns:r="http://schemas.openxmlformats.org/officeDocument/2006/relationships" xmlns:p="http://schemas.openxmlformats.org/presentationml/2006/main">
+  <p:cSld>
+    <p:spTree>
+      <p:nvGrpSpPr>
+        <p:cNvPr id="1" name=""/>
+        <p:cNvGrpSpPr/>
+        <p:nvPr/>
+      </p:nvGrpSpPr>
+      <p:grpSpPr>
+        <a:xfrm>
+          <a:off x="0" y="0"/>
+          <a:ext cx="0" cy="0"/>
+          <a:chOff x="0" y="0"/>
+          <a:chExt cx="0" cy="0"/>
+        </a:xfrm>
+      </p:grpSpPr>
+      <p:sp>
+        <p:nvSpPr>
+          <p:cNvPr id="2" name="Title 1"/>
+          <p:cNvSpPr>
+            <a:spLocks noGrp="1"/>
+          </p:cNvSpPr>
+          <p:nvPr>
+            <p:ph type="title"/>
+          </p:nvPr>
+        </p:nvSpPr>
+        <p:spPr/>
+        <p:txBody>
+          <a:bodyPr>
+            <a:normAutofit fontScale="90000"/>
+          </a:bodyPr>
+          <a:lstStyle/>
+          <a:p>
+            <a:r>
+              <a:rPr lang="en-US" dirty="0" smtClean="0"/>
+              <a:t>Online Progressive Letters Recognition</a:t>
+            </a:r>
+            <a:endParaRPr lang="en-GB" dirty="0"/>
+          </a:p>
+        </p:txBody>
+      </p:sp>
+      <p:sp>
+        <p:nvSpPr>
+          <p:cNvPr id="3" name="Content Placeholder 2"/>
+          <p:cNvSpPr>
+            <a:spLocks noGrp="1"/>
+          </p:cNvSpPr>
+          <p:nvPr>
+            <p:ph idx="1"/>
+          </p:nvPr>
+        </p:nvSpPr>
+        <p:spPr/>
+        <p:txBody>
+          <a:bodyPr>
+            <a:normAutofit/>
+          </a:bodyPr>
+          <a:lstStyle/>
+          <a:p>
+            <a:r>
+              <a:rPr lang="en-US" dirty="0" smtClean="0"/>
+              <a:t>Recognition</a:t>
+            </a:r>
+          </a:p>
+          <a:p>
+            <a:pPr lvl="1"/>
+            <a:r>
+              <a:rPr lang="en-US" dirty="0" smtClean="0"/>
+              <a:t>Segmentation algorithm</a:t>
+            </a:r>
+          </a:p>
+          <a:p>
+            <a:pPr lvl="2"/>
+            <a:r>
+              <a:rPr lang="en-US" dirty="0" smtClean="0"/>
+              <a:t>Candidate Point</a:t>
+            </a:r>
+          </a:p>
+          <a:p>
+            <a:pPr lvl="2"/>
+            <a:r>
+              <a:rPr lang="en-US" dirty="0" smtClean="0"/>
+              <a:t>Better Point </a:t>
+            </a:r>
+            <a:r>
+              <a:rPr lang="en-US" smtClean="0"/>
+              <a:t>Segmentation Selection</a:t>
+            </a:r>
+            <a:endParaRPr lang="en-US" dirty="0" smtClean="0"/>
+          </a:p>
+          <a:p>
+            <a:pPr lvl="1"/>
+            <a:endParaRPr lang="en-US" dirty="0" smtClean="0"/>
+          </a:p>
+          <a:p>
+            <a:pPr lvl="1"/>
+            <a:endParaRPr lang="en-US" dirty="0" smtClean="0"/>
+          </a:p>
+          <a:p>
+            <a:pPr lvl="1"/>
+            <a:endParaRPr lang="en-US" dirty="0" smtClean="0"/>
+          </a:p>
+          <a:p>
+            <a:pPr lvl="1"/>
+            <a:endParaRPr lang="en-GB" dirty="0"/>
+          </a:p>
+        </p:txBody>
+      </p:sp>
+    </p:spTree>
+    <p:extLst>
+      <p:ext uri="{BB962C8B-B14F-4D97-AF65-F5344CB8AC3E}">
+        <p14:creationId xmlns:p14="http://schemas.microsoft.com/office/powerpoint/2010/main" val="2106614807"/>
       </p:ext>
     </p:extLst>
   </p:cSld>
@@ -7849,7 +7988,7 @@
           <a:graphicData uri="http://schemas.openxmlformats.org/presentationml/2006/ole">
             <mc:AlternateContent xmlns:mc="http://schemas.openxmlformats.org/markup-compatibility/2006">
               <mc:Choice xmlns:v="urn:schemas-microsoft-com:vml" Requires="v">
-                <p:oleObj spid="_x0000_s3078" name="Equation" r:id="rId3" imgW="2197080" imgH="317160" progId="Equation.DSMT4">
+                <p:oleObj spid="_x0000_s3082" name="Equation" r:id="rId3" imgW="2197080" imgH="317160" progId="Equation.DSMT4">
                   <p:embed/>
                 </p:oleObj>
               </mc:Choice>
@@ -7906,7 +8045,7 @@
           <a:graphicData uri="http://schemas.openxmlformats.org/presentationml/2006/ole">
             <mc:AlternateContent xmlns:mc="http://schemas.openxmlformats.org/markup-compatibility/2006">
               <mc:Choice xmlns:v="urn:schemas-microsoft-com:vml" Requires="v">
-                <p:oleObj spid="_x0000_s3079" name="Equation" r:id="rId5" imgW="736560" imgH="177480" progId="Equation.DSMT4">
+                <p:oleObj spid="_x0000_s3083" name="Equation" r:id="rId5" imgW="736560" imgH="177480" progId="Equation.DSMT4">
                   <p:embed/>
                 </p:oleObj>
               </mc:Choice>
@@ -8069,8 +8208,8 @@
           </a:p>
         </p:txBody>
       </p:sp>
-      <mc:AlternateContent xmlns:mc="http://schemas.openxmlformats.org/markup-compatibility/2006">
-        <mc:Choice xmlns:a14="http://schemas.microsoft.com/office/drawing/2010/main" Requires="a14">
+      <mc:AlternateContent xmlns:mc="http://schemas.openxmlformats.org/markup-compatibility/2006" xmlns:a14="http://schemas.microsoft.com/office/drawing/2010/main">
+        <mc:Choice Requires="a14">
           <p:sp>
             <p:nvSpPr>
               <p:cNvPr id="5" name="Content Placeholder 4"/>
@@ -8265,7 +8404,6 @@
                   <a:rPr lang="en-US" altLang="zh-CN" dirty="0" smtClean="0"/>
                   <a:t> </a:t>
                 </a:r>
-                <a:endParaRPr lang="en-US" altLang="zh-CN" dirty="0" smtClean="0"/>
               </a:p>
               <a:p>
                 <a:pPr>
@@ -8281,7 +8419,7 @@
             </p:txBody>
           </p:sp>
         </mc:Choice>
-        <mc:Fallback>
+        <mc:Fallback xmlns="">
           <p:sp>
             <p:nvSpPr>
               <p:cNvPr id="5" name="Content Placeholder 4"/>
@@ -10915,7 +11053,7 @@
           <a:graphicData uri="http://schemas.openxmlformats.org/presentationml/2006/ole">
             <mc:AlternateContent xmlns:mc="http://schemas.openxmlformats.org/markup-compatibility/2006">
               <mc:Choice xmlns:v="urn:schemas-microsoft-com:vml" Requires="v">
-                <p:oleObj spid="_x0000_s4104" name="Equation" r:id="rId4" imgW="266400" imgH="444240" progId="Equation.DSMT4">
+                <p:oleObj spid="_x0000_s4108" name="Equation" r:id="rId4" imgW="266400" imgH="444240" progId="Equation.DSMT4">
                   <p:embed/>
                 </p:oleObj>
               </mc:Choice>
@@ -10972,7 +11110,7 @@
           <a:graphicData uri="http://schemas.openxmlformats.org/presentationml/2006/ole">
             <mc:AlternateContent xmlns:mc="http://schemas.openxmlformats.org/markup-compatibility/2006">
               <mc:Choice xmlns:v="urn:schemas-microsoft-com:vml" Requires="v">
-                <p:oleObj spid="_x0000_s4105" name="Equation" r:id="rId6" imgW="1574640" imgH="253800" progId="Equation.DSMT4">
+                <p:oleObj spid="_x0000_s4109" name="Equation" r:id="rId6" imgW="1574640" imgH="253800" progId="Equation.DSMT4">
                   <p:embed/>
                 </p:oleObj>
               </mc:Choice>
@@ -14859,7 +14997,7 @@
           <a:graphicData uri="http://schemas.openxmlformats.org/presentationml/2006/ole">
             <mc:AlternateContent xmlns:mc="http://schemas.openxmlformats.org/markup-compatibility/2006">
               <mc:Choice xmlns:v="urn:schemas-microsoft-com:vml" Requires="v">
-                <p:oleObj spid="_x0000_s1034" name="Equation" r:id="rId3" imgW="2501640" imgH="342720" progId="Equation.DSMT4">
+                <p:oleObj spid="_x0000_s1038" name="Equation" r:id="rId3" imgW="2501640" imgH="342720" progId="Equation.DSMT4">
                   <p:embed/>
                 </p:oleObj>
               </mc:Choice>
@@ -15186,7 +15324,7 @@
           <a:graphicData uri="http://schemas.openxmlformats.org/presentationml/2006/ole">
             <mc:AlternateContent xmlns:mc="http://schemas.openxmlformats.org/markup-compatibility/2006">
               <mc:Choice xmlns:v="urn:schemas-microsoft-com:vml" Requires="v">
-                <p:oleObj spid="_x0000_s1035" name="Equation" r:id="rId5" imgW="1473120" imgH="253800" progId="Equation.DSMT4">
+                <p:oleObj spid="_x0000_s1039" name="Equation" r:id="rId5" imgW="1473120" imgH="253800" progId="Equation.DSMT4">
                   <p:embed/>
                 </p:oleObj>
               </mc:Choice>

--- a/Thesis/Just In Time Arabic Handwriting Recognition.pptx
+++ b/Thesis/Just In Time Arabic Handwriting Recognition.pptx
@@ -2,29 +2,34 @@
 <file path=ppt/presentation.xml><?xml version="1.0" encoding="utf-8"?>
 <p:presentation xmlns:a="http://schemas.openxmlformats.org/drawingml/2006/main" xmlns:r="http://schemas.openxmlformats.org/officeDocument/2006/relationships" xmlns:p="http://schemas.openxmlformats.org/presentationml/2006/main" saveSubsetFonts="1">
   <p:sldMasterIdLst>
-    <p:sldMasterId id="2147483648" r:id="rId1"/>
+    <p:sldMasterId id="2147483660" r:id="rId1"/>
   </p:sldMasterIdLst>
   <p:sldIdLst>
     <p:sldId id="256" r:id="rId2"/>
-    <p:sldId id="257" r:id="rId3"/>
-    <p:sldId id="265" r:id="rId4"/>
-    <p:sldId id="266" r:id="rId5"/>
-    <p:sldId id="269" r:id="rId6"/>
-    <p:sldId id="270" r:id="rId7"/>
-    <p:sldId id="271" r:id="rId8"/>
-    <p:sldId id="272" r:id="rId9"/>
-    <p:sldId id="273" r:id="rId10"/>
-    <p:sldId id="274" r:id="rId11"/>
-    <p:sldId id="264" r:id="rId12"/>
-    <p:sldId id="268" r:id="rId13"/>
-    <p:sldId id="267" r:id="rId14"/>
-    <p:sldId id="258" r:id="rId15"/>
-    <p:sldId id="260" r:id="rId16"/>
-    <p:sldId id="263" r:id="rId17"/>
-    <p:sldId id="262" r:id="rId18"/>
-    <p:sldId id="261" r:id="rId19"/>
-    <p:sldId id="275" r:id="rId20"/>
-    <p:sldId id="259" r:id="rId21"/>
+    <p:sldId id="265" r:id="rId3"/>
+    <p:sldId id="266" r:id="rId4"/>
+    <p:sldId id="276" r:id="rId5"/>
+    <p:sldId id="257" r:id="rId6"/>
+    <p:sldId id="269" r:id="rId7"/>
+    <p:sldId id="270" r:id="rId8"/>
+    <p:sldId id="271" r:id="rId9"/>
+    <p:sldId id="272" r:id="rId10"/>
+    <p:sldId id="273" r:id="rId11"/>
+    <p:sldId id="274" r:id="rId12"/>
+    <p:sldId id="264" r:id="rId13"/>
+    <p:sldId id="268" r:id="rId14"/>
+    <p:sldId id="267" r:id="rId15"/>
+    <p:sldId id="280" r:id="rId16"/>
+    <p:sldId id="281" r:id="rId17"/>
+    <p:sldId id="282" r:id="rId18"/>
+    <p:sldId id="258" r:id="rId19"/>
+    <p:sldId id="286" r:id="rId20"/>
+    <p:sldId id="278" r:id="rId21"/>
+    <p:sldId id="277" r:id="rId22"/>
+    <p:sldId id="261" r:id="rId23"/>
+    <p:sldId id="283" r:id="rId24"/>
+    <p:sldId id="284" r:id="rId25"/>
+    <p:sldId id="285" r:id="rId26"/>
   </p:sldIdLst>
   <p:sldSz cx="9144000" cy="6858000" type="screen4x3"/>
   <p:notesSz cx="6858000" cy="9144000"/>
@@ -123,6 +128,41 @@
       </a:defRPr>
     </a:lvl9pPr>
   </p:defaultTextStyle>
+  <p:extLst>
+    <p:ext uri="{521415D9-36F7-43E2-AB2F-B90AF26B5E84}">
+      <p14:sectionLst xmlns:p14="http://schemas.microsoft.com/office/powerpoint/2010/main">
+        <p14:section name="Default Section" id="{CD6B52A8-6D76-4808-AD51-BD73B32E3FB0}">
+          <p14:sldIdLst>
+            <p14:sldId id="256"/>
+            <p14:sldId id="265"/>
+            <p14:sldId id="266"/>
+            <p14:sldId id="276"/>
+            <p14:sldId id="257"/>
+            <p14:sldId id="269"/>
+            <p14:sldId id="270"/>
+            <p14:sldId id="271"/>
+            <p14:sldId id="272"/>
+            <p14:sldId id="273"/>
+            <p14:sldId id="274"/>
+            <p14:sldId id="264"/>
+            <p14:sldId id="268"/>
+            <p14:sldId id="267"/>
+            <p14:sldId id="280"/>
+            <p14:sldId id="281"/>
+            <p14:sldId id="282"/>
+            <p14:sldId id="258"/>
+            <p14:sldId id="286"/>
+            <p14:sldId id="278"/>
+            <p14:sldId id="277"/>
+            <p14:sldId id="261"/>
+            <p14:sldId id="283"/>
+            <p14:sldId id="284"/>
+            <p14:sldId id="285"/>
+          </p14:sldIdLst>
+        </p14:section>
+      </p14:sectionLst>
+    </p:ext>
+  </p:extLst>
 </p:presentation>
 </file>
 
@@ -155,19 +195,25 @@
         </p:nvSpPr>
         <p:spPr>
           <a:xfrm>
-            <a:off x="685800" y="2130425"/>
-            <a:ext cx="7772400" cy="1470025"/>
+            <a:off x="685800" y="1371600"/>
+            <a:ext cx="7848600" cy="1927225"/>
           </a:xfrm>
         </p:spPr>
         <p:txBody>
-          <a:bodyPr/>
-          <a:lstStyle/>
+          <a:bodyPr anchor="b">
+            <a:noAutofit/>
+          </a:bodyPr>
+          <a:lstStyle>
+            <a:lvl1pPr>
+              <a:defRPr sz="5400" cap="all" baseline="0"/>
+            </a:lvl1pPr>
+          </a:lstStyle>
           <a:p>
             <a:r>
               <a:rPr lang="en-US" smtClean="0"/>
               <a:t>Click to edit Master title style</a:t>
             </a:r>
-            <a:endParaRPr lang="en-GB"/>
+            <a:endParaRPr lang="en-US" dirty="0"/>
           </a:p>
         </p:txBody>
       </p:sp>
@@ -183,19 +229,20 @@
         </p:nvSpPr>
         <p:spPr>
           <a:xfrm>
-            <a:off x="1371600" y="3886200"/>
+            <a:off x="685800" y="3505200"/>
             <a:ext cx="6400800" cy="1752600"/>
           </a:xfrm>
         </p:spPr>
         <p:txBody>
           <a:bodyPr/>
           <a:lstStyle>
-            <a:lvl1pPr marL="0" indent="0" algn="ctr">
+            <a:lvl1pPr marL="0" indent="0" algn="l">
               <a:buNone/>
               <a:defRPr>
                 <a:solidFill>
                   <a:schemeClr val="tx1">
-                    <a:tint val="75000"/>
+                    <a:lumMod val="75000"/>
+                    <a:lumOff val="25000"/>
                   </a:schemeClr>
                 </a:solidFill>
               </a:defRPr>
@@ -286,7 +333,7 @@
               <a:rPr lang="en-US" smtClean="0"/>
               <a:t>Click to edit Master subtitle style</a:t>
             </a:r>
-            <a:endParaRPr lang="en-GB"/>
+            <a:endParaRPr lang="en-US" dirty="0"/>
           </a:p>
         </p:txBody>
       </p:sp>
@@ -307,7 +354,7 @@
           <a:p>
             <a:fld id="{7350849D-FC76-4A94-A18B-DD56B5248FC8}" type="datetimeFigureOut">
               <a:rPr lang="en-GB" smtClean="0"/>
-              <a:t>02/10/2012</a:t>
+              <a:t>23/11/2012</a:t>
             </a:fld>
             <a:endParaRPr lang="en-GB"/>
           </a:p>
@@ -355,12 +402,42 @@
           </a:p>
         </p:txBody>
       </p:sp>
+      <p:cxnSp>
+        <p:nvCxnSpPr>
+          <p:cNvPr id="8" name="Straight Connector 7"/>
+          <p:cNvCxnSpPr/>
+          <p:nvPr/>
+        </p:nvCxnSpPr>
+        <p:spPr>
+          <a:xfrm>
+            <a:off x="685800" y="3398520"/>
+            <a:ext cx="7848600" cy="1588"/>
+          </a:xfrm>
+          <a:prstGeom prst="line">
+            <a:avLst/>
+          </a:prstGeom>
+          <a:ln w="19050">
+            <a:solidFill>
+              <a:schemeClr val="tx2"/>
+            </a:solidFill>
+          </a:ln>
+        </p:spPr>
+        <p:style>
+          <a:lnRef idx="1">
+            <a:schemeClr val="accent1"/>
+          </a:lnRef>
+          <a:fillRef idx="0">
+            <a:schemeClr val="accent1"/>
+          </a:fillRef>
+          <a:effectRef idx="0">
+            <a:schemeClr val="accent1"/>
+          </a:effectRef>
+          <a:fontRef idx="minor">
+            <a:schemeClr val="tx1"/>
+          </a:fontRef>
+        </p:style>
+      </p:cxnSp>
     </p:spTree>
-    <p:extLst>
-      <p:ext uri="{BB962C8B-B14F-4D97-AF65-F5344CB8AC3E}">
-        <p14:creationId xmlns:p14="http://schemas.microsoft.com/office/powerpoint/2010/main" val="1789553217"/>
-      </p:ext>
-    </p:extLst>
   </p:cSld>
   <p:clrMapOvr>
     <a:masterClrMapping/>
@@ -404,7 +481,7 @@
               <a:rPr lang="en-US" smtClean="0"/>
               <a:t>Click to edit Master title style</a:t>
             </a:r>
-            <a:endParaRPr lang="en-GB"/>
+            <a:endParaRPr lang="en-US"/>
           </a:p>
         </p:txBody>
       </p:sp>
@@ -456,7 +533,7 @@
               <a:rPr lang="en-US" smtClean="0"/>
               <a:t>Fifth level</a:t>
             </a:r>
-            <a:endParaRPr lang="en-GB"/>
+            <a:endParaRPr lang="en-US"/>
           </a:p>
         </p:txBody>
       </p:sp>
@@ -477,7 +554,7 @@
           <a:p>
             <a:fld id="{7350849D-FC76-4A94-A18B-DD56B5248FC8}" type="datetimeFigureOut">
               <a:rPr lang="en-GB" smtClean="0"/>
-              <a:t>02/10/2012</a:t>
+              <a:t>23/11/2012</a:t>
             </a:fld>
             <a:endParaRPr lang="en-GB"/>
           </a:p>
@@ -526,11 +603,6 @@
         </p:txBody>
       </p:sp>
     </p:spTree>
-    <p:extLst>
-      <p:ext uri="{BB962C8B-B14F-4D97-AF65-F5344CB8AC3E}">
-        <p14:creationId xmlns:p14="http://schemas.microsoft.com/office/powerpoint/2010/main" val="666258218"/>
-      </p:ext>
-    </p:extLst>
   </p:cSld>
   <p:clrMapOvr>
     <a:masterClrMapping/>
@@ -567,19 +639,19 @@
         </p:nvSpPr>
         <p:spPr>
           <a:xfrm>
-            <a:off x="6629400" y="274638"/>
-            <a:ext cx="2057400" cy="5851525"/>
+            <a:off x="6629400" y="609600"/>
+            <a:ext cx="2057400" cy="5867400"/>
           </a:xfrm>
         </p:spPr>
         <p:txBody>
-          <a:bodyPr vert="eaVert"/>
+          <a:bodyPr vert="eaVert" anchor="b"/>
           <a:lstStyle/>
           <a:p>
             <a:r>
               <a:rPr lang="en-US" smtClean="0"/>
               <a:t>Click to edit Master title style</a:t>
             </a:r>
-            <a:endParaRPr lang="en-GB"/>
+            <a:endParaRPr lang="en-US" dirty="0"/>
           </a:p>
         </p:txBody>
       </p:sp>
@@ -595,8 +667,8 @@
         </p:nvSpPr>
         <p:spPr>
           <a:xfrm>
-            <a:off x="457200" y="274638"/>
-            <a:ext cx="6019800" cy="5851525"/>
+            <a:off x="457200" y="609600"/>
+            <a:ext cx="6019800" cy="5867400"/>
           </a:xfrm>
         </p:spPr>
         <p:txBody>
@@ -636,7 +708,7 @@
               <a:rPr lang="en-US" smtClean="0"/>
               <a:t>Fifth level</a:t>
             </a:r>
-            <a:endParaRPr lang="en-GB"/>
+            <a:endParaRPr lang="en-US" dirty="0"/>
           </a:p>
         </p:txBody>
       </p:sp>
@@ -657,7 +729,7 @@
           <a:p>
             <a:fld id="{7350849D-FC76-4A94-A18B-DD56B5248FC8}" type="datetimeFigureOut">
               <a:rPr lang="en-GB" smtClean="0"/>
-              <a:t>02/10/2012</a:t>
+              <a:t>23/11/2012</a:t>
             </a:fld>
             <a:endParaRPr lang="en-GB"/>
           </a:p>
@@ -706,11 +778,6 @@
         </p:txBody>
       </p:sp>
     </p:spTree>
-    <p:extLst>
-      <p:ext uri="{BB962C8B-B14F-4D97-AF65-F5344CB8AC3E}">
-        <p14:creationId xmlns:p14="http://schemas.microsoft.com/office/powerpoint/2010/main" val="3783012497"/>
-      </p:ext>
-    </p:extLst>
   </p:cSld>
   <p:clrMapOvr>
     <a:masterClrMapping/>
@@ -754,7 +821,7 @@
               <a:rPr lang="en-US" smtClean="0"/>
               <a:t>Click to edit Master title style</a:t>
             </a:r>
-            <a:endParaRPr lang="en-GB"/>
+            <a:endParaRPr lang="en-US"/>
           </a:p>
         </p:txBody>
       </p:sp>
@@ -806,7 +873,7 @@
               <a:rPr lang="en-US" smtClean="0"/>
               <a:t>Fifth level</a:t>
             </a:r>
-            <a:endParaRPr lang="en-GB"/>
+            <a:endParaRPr lang="en-US"/>
           </a:p>
         </p:txBody>
       </p:sp>
@@ -827,7 +894,7 @@
           <a:p>
             <a:fld id="{7350849D-FC76-4A94-A18B-DD56B5248FC8}" type="datetimeFigureOut">
               <a:rPr lang="en-GB" smtClean="0"/>
-              <a:t>02/10/2012</a:t>
+              <a:t>23/11/2012</a:t>
             </a:fld>
             <a:endParaRPr lang="en-GB"/>
           </a:p>
@@ -876,11 +943,6 @@
         </p:txBody>
       </p:sp>
     </p:spTree>
-    <p:extLst>
-      <p:ext uri="{BB962C8B-B14F-4D97-AF65-F5344CB8AC3E}">
-        <p14:creationId xmlns:p14="http://schemas.microsoft.com/office/powerpoint/2010/main" val="3822601817"/>
-      </p:ext>
-    </p:extLst>
   </p:cSld>
   <p:clrMapOvr>
     <a:masterClrMapping/>
@@ -891,6 +953,11 @@
 <file path=ppt/slideLayouts/slideLayout3.xml><?xml version="1.0" encoding="utf-8"?>
 <p:sldLayout xmlns:a="http://schemas.openxmlformats.org/drawingml/2006/main" xmlns:r="http://schemas.openxmlformats.org/officeDocument/2006/relationships" xmlns:p="http://schemas.openxmlformats.org/presentationml/2006/main" type="secHead" preserve="1">
   <p:cSld name="Section Header">
+    <p:bg>
+      <p:bgRef idx="1001">
+        <a:schemeClr val="bg2"/>
+      </p:bgRef>
+    </p:bg>
     <p:spTree>
       <p:nvGrpSpPr>
         <p:cNvPr id="1" name=""/>
@@ -917,15 +984,17 @@
         </p:nvSpPr>
         <p:spPr>
           <a:xfrm>
-            <a:off x="722313" y="4406900"/>
-            <a:ext cx="7772400" cy="1362075"/>
+            <a:off x="722313" y="2362200"/>
+            <a:ext cx="7772400" cy="2200275"/>
           </a:xfrm>
         </p:spPr>
         <p:txBody>
-          <a:bodyPr anchor="t"/>
+          <a:bodyPr anchor="b">
+            <a:normAutofit/>
+          </a:bodyPr>
           <a:lstStyle>
             <a:lvl1pPr algn="l">
-              <a:defRPr sz="4000" b="1" cap="all"/>
+              <a:defRPr sz="4800" b="0" cap="all"/>
             </a:lvl1pPr>
           </a:lstStyle>
           <a:p>
@@ -933,7 +1002,7 @@
               <a:rPr lang="en-US" smtClean="0"/>
               <a:t>Click to edit Master title style</a:t>
             </a:r>
-            <a:endParaRPr lang="en-GB"/>
+            <a:endParaRPr lang="en-US" dirty="0"/>
           </a:p>
         </p:txBody>
       </p:sp>
@@ -949,20 +1018,20 @@
         </p:nvSpPr>
         <p:spPr>
           <a:xfrm>
-            <a:off x="722313" y="2906713"/>
+            <a:off x="722313" y="4626864"/>
             <a:ext cx="7772400" cy="1500187"/>
           </a:xfrm>
         </p:spPr>
         <p:txBody>
-          <a:bodyPr anchor="b"/>
+          <a:bodyPr anchor="t">
+            <a:normAutofit/>
+          </a:bodyPr>
           <a:lstStyle>
             <a:lvl1pPr marL="0" indent="0">
               <a:buNone/>
-              <a:defRPr sz="2000">
+              <a:defRPr sz="2400">
                 <a:solidFill>
-                  <a:schemeClr val="tx1">
-                    <a:tint val="75000"/>
-                  </a:schemeClr>
+                  <a:schemeClr val="tx2"/>
                 </a:solidFill>
               </a:defRPr>
             </a:lvl1pPr>
@@ -1073,7 +1142,7 @@
           <a:p>
             <a:fld id="{7350849D-FC76-4A94-A18B-DD56B5248FC8}" type="datetimeFigureOut">
               <a:rPr lang="en-GB" smtClean="0"/>
-              <a:t>02/10/2012</a:t>
+              <a:t>23/11/2012</a:t>
             </a:fld>
             <a:endParaRPr lang="en-GB"/>
           </a:p>
@@ -1121,15 +1190,45 @@
           </a:p>
         </p:txBody>
       </p:sp>
+      <p:cxnSp>
+        <p:nvCxnSpPr>
+          <p:cNvPr id="7" name="Straight Connector 6"/>
+          <p:cNvCxnSpPr/>
+          <p:nvPr/>
+        </p:nvCxnSpPr>
+        <p:spPr>
+          <a:xfrm>
+            <a:off x="731520" y="4599432"/>
+            <a:ext cx="7848600" cy="1588"/>
+          </a:xfrm>
+          <a:prstGeom prst="line">
+            <a:avLst/>
+          </a:prstGeom>
+          <a:ln w="19050">
+            <a:solidFill>
+              <a:schemeClr val="tx2"/>
+            </a:solidFill>
+          </a:ln>
+        </p:spPr>
+        <p:style>
+          <a:lnRef idx="1">
+            <a:schemeClr val="accent1"/>
+          </a:lnRef>
+          <a:fillRef idx="0">
+            <a:schemeClr val="accent1"/>
+          </a:fillRef>
+          <a:effectRef idx="0">
+            <a:schemeClr val="accent1"/>
+          </a:effectRef>
+          <a:fontRef idx="minor">
+            <a:schemeClr val="tx1"/>
+          </a:fontRef>
+        </p:style>
+      </p:cxnSp>
     </p:spTree>
-    <p:extLst>
-      <p:ext uri="{BB962C8B-B14F-4D97-AF65-F5344CB8AC3E}">
-        <p14:creationId xmlns:p14="http://schemas.microsoft.com/office/powerpoint/2010/main" val="1161814793"/>
-      </p:ext>
-    </p:extLst>
   </p:cSld>
   <p:clrMapOvr>
-    <a:masterClrMapping/>
+    <a:overrideClrMapping bg1="dk1" tx1="lt1" bg2="dk2" tx2="lt2" accent1="accent1" accent2="accent2" accent3="accent3" accent4="accent4" accent5="accent5" accent6="accent6" hlink="hlink" folHlink="folHlink"/>
   </p:clrMapOvr>
 </p:sldLayout>
 </file>
@@ -1170,7 +1269,7 @@
               <a:rPr lang="en-US" smtClean="0"/>
               <a:t>Click to edit Master title style</a:t>
             </a:r>
-            <a:endParaRPr lang="en-GB"/>
+            <a:endParaRPr lang="en-US"/>
           </a:p>
         </p:txBody>
       </p:sp>
@@ -1186,8 +1285,8 @@
         </p:nvSpPr>
         <p:spPr>
           <a:xfrm>
-            <a:off x="457200" y="1600200"/>
-            <a:ext cx="4038600" cy="4525963"/>
+            <a:off x="457200" y="1673352"/>
+            <a:ext cx="4038600" cy="4718304"/>
           </a:xfrm>
         </p:spPr>
         <p:txBody>
@@ -1255,7 +1354,7 @@
               <a:rPr lang="en-US" smtClean="0"/>
               <a:t>Fifth level</a:t>
             </a:r>
-            <a:endParaRPr lang="en-GB"/>
+            <a:endParaRPr lang="en-US" dirty="0"/>
           </a:p>
         </p:txBody>
       </p:sp>
@@ -1271,8 +1370,8 @@
         </p:nvSpPr>
         <p:spPr>
           <a:xfrm>
-            <a:off x="4648200" y="1600200"/>
-            <a:ext cx="4038600" cy="4525963"/>
+            <a:off x="4648200" y="1673352"/>
+            <a:ext cx="4038600" cy="4718304"/>
           </a:xfrm>
         </p:spPr>
         <p:txBody>
@@ -1340,7 +1439,7 @@
               <a:rPr lang="en-US" smtClean="0"/>
               <a:t>Fifth level</a:t>
             </a:r>
-            <a:endParaRPr lang="en-GB"/>
+            <a:endParaRPr lang="en-US" dirty="0"/>
           </a:p>
         </p:txBody>
       </p:sp>
@@ -1361,7 +1460,7 @@
           <a:p>
             <a:fld id="{7350849D-FC76-4A94-A18B-DD56B5248FC8}" type="datetimeFigureOut">
               <a:rPr lang="en-GB" smtClean="0"/>
-              <a:t>02/10/2012</a:t>
+              <a:t>23/11/2012</a:t>
             </a:fld>
             <a:endParaRPr lang="en-GB"/>
           </a:p>
@@ -1410,11 +1509,6 @@
         </p:txBody>
       </p:sp>
     </p:spTree>
-    <p:extLst>
-      <p:ext uri="{BB962C8B-B14F-4D97-AF65-F5344CB8AC3E}">
-        <p14:creationId xmlns:p14="http://schemas.microsoft.com/office/powerpoint/2010/main" val="1442800295"/>
-      </p:ext>
-    </p:extLst>
   </p:cSld>
   <p:clrMapOvr>
     <a:masterClrMapping/>
@@ -1462,7 +1556,7 @@
               <a:rPr lang="en-US" smtClean="0"/>
               <a:t>Click to edit Master title style</a:t>
             </a:r>
-            <a:endParaRPr lang="en-GB"/>
+            <a:endParaRPr lang="en-US" dirty="0"/>
           </a:p>
         </p:txBody>
       </p:sp>
@@ -1478,16 +1572,39 @@
         </p:nvSpPr>
         <p:spPr>
           <a:xfrm>
-            <a:off x="457200" y="1535113"/>
-            <a:ext cx="4040188" cy="639762"/>
+            <a:off x="457200" y="1676400"/>
+            <a:ext cx="3931920" cy="639762"/>
           </a:xfrm>
+          <a:noFill/>
+          <a:ln>
+            <a:noFill/>
+          </a:ln>
+          <a:effectLst/>
         </p:spPr>
+        <p:style>
+          <a:lnRef idx="3">
+            <a:schemeClr val="lt1"/>
+          </a:lnRef>
+          <a:fillRef idx="1">
+            <a:schemeClr val="accent2"/>
+          </a:fillRef>
+          <a:effectRef idx="1">
+            <a:schemeClr val="accent2"/>
+          </a:effectRef>
+          <a:fontRef idx="none"/>
+        </p:style>
         <p:txBody>
-          <a:bodyPr anchor="b"/>
+          <a:bodyPr anchor="ctr">
+            <a:normAutofit/>
+          </a:bodyPr>
           <a:lstStyle>
-            <a:lvl1pPr marL="0" indent="0">
+            <a:lvl1pPr marL="0" indent="0" algn="ctr">
               <a:buNone/>
-              <a:defRPr sz="2400" b="1"/>
+              <a:defRPr sz="2000" b="0">
+                <a:solidFill>
+                  <a:schemeClr val="tx2"/>
+                </a:solidFill>
+              </a:defRPr>
             </a:lvl1pPr>
             <a:lvl2pPr marL="457200" indent="0">
               <a:buNone/>
@@ -1543,8 +1660,8 @@
         </p:nvSpPr>
         <p:spPr>
           <a:xfrm>
-            <a:off x="457200" y="2174875"/>
-            <a:ext cx="4040188" cy="3951288"/>
+            <a:off x="457200" y="2438400"/>
+            <a:ext cx="3931920" cy="3951288"/>
           </a:xfrm>
         </p:spPr>
         <p:txBody>
@@ -1612,7 +1729,7 @@
               <a:rPr lang="en-US" smtClean="0"/>
               <a:t>Fifth level</a:t>
             </a:r>
-            <a:endParaRPr lang="en-GB"/>
+            <a:endParaRPr lang="en-US" dirty="0"/>
           </a:p>
         </p:txBody>
       </p:sp>
@@ -1628,16 +1745,42 @@
         </p:nvSpPr>
         <p:spPr>
           <a:xfrm>
-            <a:off x="4645025" y="1535113"/>
-            <a:ext cx="4041775" cy="639762"/>
+            <a:off x="4754880" y="1676400"/>
+            <a:ext cx="3931920" cy="639762"/>
           </a:xfrm>
+          <a:noFill/>
+          <a:ln>
+            <a:noFill/>
+          </a:ln>
+          <a:effectLst/>
         </p:spPr>
+        <p:style>
+          <a:lnRef idx="3">
+            <a:schemeClr val="lt1"/>
+          </a:lnRef>
+          <a:fillRef idx="1">
+            <a:schemeClr val="accent2"/>
+          </a:fillRef>
+          <a:effectRef idx="1">
+            <a:schemeClr val="accent2"/>
+          </a:effectRef>
+          <a:fontRef idx="none"/>
+        </p:style>
         <p:txBody>
-          <a:bodyPr anchor="b"/>
+          <a:bodyPr anchor="ctr">
+            <a:normAutofit/>
+          </a:bodyPr>
           <a:lstStyle>
-            <a:lvl1pPr marL="0" indent="0">
+            <a:lvl1pPr marL="0" indent="0" algn="ctr">
               <a:buNone/>
-              <a:defRPr sz="2400" b="1"/>
+              <a:defRPr lang="en-US" sz="2000" b="0" kern="1200" dirty="0" smtClean="0">
+                <a:solidFill>
+                  <a:schemeClr val="tx2"/>
+                </a:solidFill>
+                <a:latin typeface="+mn-lt"/>
+                <a:ea typeface="+mn-ea"/>
+                <a:cs typeface="+mn-cs"/>
+              </a:defRPr>
             </a:lvl1pPr>
             <a:lvl2pPr marL="457200" indent="0">
               <a:buNone/>
@@ -1693,8 +1836,8 @@
         </p:nvSpPr>
         <p:spPr>
           <a:xfrm>
-            <a:off x="4645025" y="2174875"/>
-            <a:ext cx="4041775" cy="3951288"/>
+            <a:off x="4754880" y="2438400"/>
+            <a:ext cx="3931920" cy="3951288"/>
           </a:xfrm>
         </p:spPr>
         <p:txBody>
@@ -1762,7 +1905,7 @@
               <a:rPr lang="en-US" smtClean="0"/>
               <a:t>Fifth level</a:t>
             </a:r>
-            <a:endParaRPr lang="en-GB"/>
+            <a:endParaRPr lang="en-US" dirty="0"/>
           </a:p>
         </p:txBody>
       </p:sp>
@@ -1783,7 +1926,7 @@
           <a:p>
             <a:fld id="{7350849D-FC76-4A94-A18B-DD56B5248FC8}" type="datetimeFigureOut">
               <a:rPr lang="en-GB" smtClean="0"/>
-              <a:t>02/10/2012</a:t>
+              <a:t>23/11/2012</a:t>
             </a:fld>
             <a:endParaRPr lang="en-GB"/>
           </a:p>
@@ -1831,12 +1974,42 @@
           </a:p>
         </p:txBody>
       </p:sp>
+      <p:cxnSp>
+        <p:nvCxnSpPr>
+          <p:cNvPr id="11" name="Straight Connector 10"/>
+          <p:cNvCxnSpPr/>
+          <p:nvPr/>
+        </p:nvCxnSpPr>
+        <p:spPr>
+          <a:xfrm rot="5400000">
+            <a:off x="2217817" y="4045823"/>
+            <a:ext cx="4709160" cy="794"/>
+          </a:xfrm>
+          <a:prstGeom prst="line">
+            <a:avLst/>
+          </a:prstGeom>
+          <a:ln w="19050">
+            <a:solidFill>
+              <a:schemeClr val="tx2"/>
+            </a:solidFill>
+          </a:ln>
+        </p:spPr>
+        <p:style>
+          <a:lnRef idx="1">
+            <a:schemeClr val="accent1"/>
+          </a:lnRef>
+          <a:fillRef idx="0">
+            <a:schemeClr val="accent1"/>
+          </a:fillRef>
+          <a:effectRef idx="0">
+            <a:schemeClr val="accent1"/>
+          </a:effectRef>
+          <a:fontRef idx="minor">
+            <a:schemeClr val="tx1"/>
+          </a:fontRef>
+        </p:style>
+      </p:cxnSp>
     </p:spTree>
-    <p:extLst>
-      <p:ext uri="{BB962C8B-B14F-4D97-AF65-F5344CB8AC3E}">
-        <p14:creationId xmlns:p14="http://schemas.microsoft.com/office/powerpoint/2010/main" val="4140703147"/>
-      </p:ext>
-    </p:extLst>
   </p:cSld>
   <p:clrMapOvr>
     <a:masterClrMapping/>
@@ -1880,7 +2053,7 @@
               <a:rPr lang="en-US" smtClean="0"/>
               <a:t>Click to edit Master title style</a:t>
             </a:r>
-            <a:endParaRPr lang="en-GB"/>
+            <a:endParaRPr lang="en-US"/>
           </a:p>
         </p:txBody>
       </p:sp>
@@ -1901,7 +2074,7 @@
           <a:p>
             <a:fld id="{7350849D-FC76-4A94-A18B-DD56B5248FC8}" type="datetimeFigureOut">
               <a:rPr lang="en-GB" smtClean="0"/>
-              <a:t>02/10/2012</a:t>
+              <a:t>23/11/2012</a:t>
             </a:fld>
             <a:endParaRPr lang="en-GB"/>
           </a:p>
@@ -1950,11 +2123,6 @@
         </p:txBody>
       </p:sp>
     </p:spTree>
-    <p:extLst>
-      <p:ext uri="{BB962C8B-B14F-4D97-AF65-F5344CB8AC3E}">
-        <p14:creationId xmlns:p14="http://schemas.microsoft.com/office/powerpoint/2010/main" val="847616316"/>
-      </p:ext>
-    </p:extLst>
   </p:cSld>
   <p:clrMapOvr>
     <a:masterClrMapping/>
@@ -1996,7 +2164,7 @@
           <a:p>
             <a:fld id="{7350849D-FC76-4A94-A18B-DD56B5248FC8}" type="datetimeFigureOut">
               <a:rPr lang="en-GB" smtClean="0"/>
-              <a:t>02/10/2012</a:t>
+              <a:t>23/11/2012</a:t>
             </a:fld>
             <a:endParaRPr lang="en-GB"/>
           </a:p>
@@ -2045,11 +2213,6 @@
         </p:txBody>
       </p:sp>
     </p:spTree>
-    <p:extLst>
-      <p:ext uri="{BB962C8B-B14F-4D97-AF65-F5344CB8AC3E}">
-        <p14:creationId xmlns:p14="http://schemas.microsoft.com/office/powerpoint/2010/main" val="1374183420"/>
-      </p:ext>
-    </p:extLst>
   </p:cSld>
   <p:clrMapOvr>
     <a:masterClrMapping/>
@@ -2086,15 +2249,17 @@
         </p:nvSpPr>
         <p:spPr>
           <a:xfrm>
-            <a:off x="457200" y="273050"/>
-            <a:ext cx="3008313" cy="1162050"/>
+            <a:off x="457200" y="792080"/>
+            <a:ext cx="2139696" cy="1261872"/>
           </a:xfrm>
         </p:spPr>
         <p:txBody>
-          <a:bodyPr anchor="b"/>
+          <a:bodyPr anchor="b">
+            <a:noAutofit/>
+          </a:bodyPr>
           <a:lstStyle>
             <a:lvl1pPr algn="l">
-              <a:defRPr sz="2000" b="1"/>
+              <a:defRPr sz="2400" b="0"/>
             </a:lvl1pPr>
           </a:lstStyle>
           <a:p>
@@ -2102,7 +2267,7 @@
               <a:rPr lang="en-US" smtClean="0"/>
               <a:t>Click to edit Master title style</a:t>
             </a:r>
-            <a:endParaRPr lang="en-GB"/>
+            <a:endParaRPr lang="en-US" dirty="0"/>
           </a:p>
         </p:txBody>
       </p:sp>
@@ -2118,8 +2283,8 @@
         </p:nvSpPr>
         <p:spPr>
           <a:xfrm>
-            <a:off x="3575050" y="273050"/>
-            <a:ext cx="5111750" cy="5853113"/>
+            <a:off x="2971800" y="792080"/>
+            <a:ext cx="5715000" cy="5577840"/>
           </a:xfrm>
         </p:spPr>
         <p:txBody>
@@ -2187,7 +2352,7 @@
               <a:rPr lang="en-US" smtClean="0"/>
               <a:t>Fifth level</a:t>
             </a:r>
-            <a:endParaRPr lang="en-GB"/>
+            <a:endParaRPr lang="en-US" dirty="0"/>
           </a:p>
         </p:txBody>
       </p:sp>
@@ -2203,8 +2368,8 @@
         </p:nvSpPr>
         <p:spPr>
           <a:xfrm>
-            <a:off x="457200" y="1435100"/>
-            <a:ext cx="3008313" cy="4691063"/>
+            <a:off x="457201" y="2130552"/>
+            <a:ext cx="2139696" cy="4243615"/>
           </a:xfrm>
         </p:spPr>
         <p:txBody>
@@ -2273,7 +2438,7 @@
           <a:p>
             <a:fld id="{7350849D-FC76-4A94-A18B-DD56B5248FC8}" type="datetimeFigureOut">
               <a:rPr lang="en-GB" smtClean="0"/>
-              <a:t>02/10/2012</a:t>
+              <a:t>23/11/2012</a:t>
             </a:fld>
             <a:endParaRPr lang="en-GB"/>
           </a:p>
@@ -2321,12 +2486,42 @@
           </a:p>
         </p:txBody>
       </p:sp>
+      <p:cxnSp>
+        <p:nvCxnSpPr>
+          <p:cNvPr id="9" name="Straight Connector 8"/>
+          <p:cNvCxnSpPr/>
+          <p:nvPr/>
+        </p:nvCxnSpPr>
+        <p:spPr>
+          <a:xfrm rot="5400000">
+            <a:off x="-13116" y="3580206"/>
+            <a:ext cx="5577840" cy="1588"/>
+          </a:xfrm>
+          <a:prstGeom prst="line">
+            <a:avLst/>
+          </a:prstGeom>
+          <a:ln w="19050">
+            <a:solidFill>
+              <a:schemeClr val="tx2"/>
+            </a:solidFill>
+          </a:ln>
+        </p:spPr>
+        <p:style>
+          <a:lnRef idx="1">
+            <a:schemeClr val="accent1"/>
+          </a:lnRef>
+          <a:fillRef idx="0">
+            <a:schemeClr val="accent1"/>
+          </a:fillRef>
+          <a:effectRef idx="0">
+            <a:schemeClr val="accent1"/>
+          </a:effectRef>
+          <a:fontRef idx="minor">
+            <a:schemeClr val="tx1"/>
+          </a:fontRef>
+        </p:style>
+      </p:cxnSp>
     </p:spTree>
-    <p:extLst>
-      <p:ext uri="{BB962C8B-B14F-4D97-AF65-F5344CB8AC3E}">
-        <p14:creationId xmlns:p14="http://schemas.microsoft.com/office/powerpoint/2010/main" val="518771120"/>
-      </p:ext>
-    </p:extLst>
   </p:cSld>
   <p:clrMapOvr>
     <a:masterClrMapping/>
@@ -2363,15 +2558,17 @@
         </p:nvSpPr>
         <p:spPr>
           <a:xfrm>
-            <a:off x="1792288" y="4800600"/>
-            <a:ext cx="5486400" cy="566738"/>
+            <a:off x="457200" y="792480"/>
+            <a:ext cx="2142680" cy="1264920"/>
           </a:xfrm>
         </p:spPr>
         <p:txBody>
-          <a:bodyPr anchor="b"/>
+          <a:bodyPr anchor="b">
+            <a:normAutofit/>
+          </a:bodyPr>
           <a:lstStyle>
             <a:lvl1pPr algn="l">
-              <a:defRPr sz="2000" b="1"/>
+              <a:defRPr sz="2400" b="0"/>
             </a:lvl1pPr>
           </a:lstStyle>
           <a:p>
@@ -2379,7 +2576,7 @@
               <a:rPr lang="en-US" smtClean="0"/>
               <a:t>Click to edit Master title style</a:t>
             </a:r>
-            <a:endParaRPr lang="en-GB"/>
+            <a:endParaRPr lang="en-US" dirty="0"/>
           </a:p>
         </p:txBody>
       </p:sp>
@@ -2395,9 +2592,25 @@
         </p:nvSpPr>
         <p:spPr>
           <a:xfrm>
-            <a:off x="1792288" y="612775"/>
-            <a:ext cx="5486400" cy="4114800"/>
+            <a:off x="2858610" y="838201"/>
+            <a:ext cx="5904390" cy="5500456"/>
           </a:xfrm>
+          <a:solidFill>
+            <a:schemeClr val="bg2"/>
+          </a:solidFill>
+          <a:ln w="76200">
+            <a:solidFill>
+              <a:srgbClr val="FFFFFF"/>
+            </a:solidFill>
+            <a:miter lim="800000"/>
+          </a:ln>
+          <a:effectLst>
+            <a:outerShdw blurRad="50800" dist="12700" dir="5400000" algn="t" rotWithShape="0">
+              <a:prstClr val="black">
+                <a:alpha val="59000"/>
+              </a:prstClr>
+            </a:outerShdw>
+          </a:effectLst>
         </p:spPr>
         <p:txBody>
           <a:bodyPr/>
@@ -2440,7 +2653,11 @@
             </a:lvl9pPr>
           </a:lstStyle>
           <a:p>
-            <a:endParaRPr lang="en-GB"/>
+            <a:r>
+              <a:rPr lang="en-US" smtClean="0"/>
+              <a:t>Click icon to add picture</a:t>
+            </a:r>
+            <a:endParaRPr lang="en-US" dirty="0"/>
           </a:p>
         </p:txBody>
       </p:sp>
@@ -2456,8 +2673,8 @@
         </p:nvSpPr>
         <p:spPr>
           <a:xfrm>
-            <a:off x="1792288" y="5367338"/>
-            <a:ext cx="5486400" cy="804862"/>
+            <a:off x="457200" y="2133600"/>
+            <a:ext cx="2139696" cy="4242816"/>
           </a:xfrm>
         </p:spPr>
         <p:txBody>
@@ -2526,7 +2743,7 @@
           <a:p>
             <a:fld id="{7350849D-FC76-4A94-A18B-DD56B5248FC8}" type="datetimeFigureOut">
               <a:rPr lang="en-GB" smtClean="0"/>
-              <a:t>02/10/2012</a:t>
+              <a:t>23/11/2012</a:t>
             </a:fld>
             <a:endParaRPr lang="en-GB"/>
           </a:p>
@@ -2575,11 +2792,6 @@
         </p:txBody>
       </p:sp>
     </p:spTree>
-    <p:extLst>
-      <p:ext uri="{BB962C8B-B14F-4D97-AF65-F5344CB8AC3E}">
-        <p14:creationId xmlns:p14="http://schemas.microsoft.com/office/powerpoint/2010/main" val="3152639818"/>
-      </p:ext>
-    </p:extLst>
   </p:cSld>
   <p:clrMapOvr>
     <a:masterClrMapping/>
@@ -2611,6 +2823,52 @@
       </p:grpSpPr>
       <p:sp>
         <p:nvSpPr>
+          <p:cNvPr id="10" name="Rectangle 9"/>
+          <p:cNvSpPr/>
+          <p:nvPr/>
+        </p:nvSpPr>
+        <p:spPr>
+          <a:xfrm>
+            <a:off x="0" y="220786"/>
+            <a:ext cx="9144000" cy="228600"/>
+          </a:xfrm>
+          <a:prstGeom prst="rect">
+            <a:avLst/>
+          </a:prstGeom>
+          <a:solidFill>
+            <a:srgbClr val="FFFFFF"/>
+          </a:solidFill>
+          <a:ln>
+            <a:noFill/>
+          </a:ln>
+        </p:spPr>
+        <p:style>
+          <a:lnRef idx="2">
+            <a:schemeClr val="accent1">
+              <a:shade val="50000"/>
+            </a:schemeClr>
+          </a:lnRef>
+          <a:fillRef idx="1">
+            <a:schemeClr val="accent1"/>
+          </a:fillRef>
+          <a:effectRef idx="0">
+            <a:schemeClr val="accent1"/>
+          </a:effectRef>
+          <a:fontRef idx="minor">
+            <a:schemeClr val="lt1"/>
+          </a:fontRef>
+        </p:style>
+        <p:txBody>
+          <a:bodyPr rtlCol="0" anchor="ctr"/>
+          <a:lstStyle/>
+          <a:p>
+            <a:pPr algn="ctr"/>
+            <a:endParaRPr lang="en-US"/>
+          </a:p>
+        </p:txBody>
+      </p:sp>
+      <p:sp>
+        <p:nvSpPr>
           <p:cNvPr id="2" name="Title Placeholder 1"/>
           <p:cNvSpPr>
             <a:spLocks noGrp="1"/>
@@ -2621,8 +2879,8 @@
         </p:nvSpPr>
         <p:spPr>
           <a:xfrm>
-            <a:off x="457200" y="274638"/>
-            <a:ext cx="8229600" cy="1143000"/>
+            <a:off x="457200" y="533400"/>
+            <a:ext cx="8229600" cy="990600"/>
           </a:xfrm>
           <a:prstGeom prst="rect">
             <a:avLst/>
@@ -2638,7 +2896,7 @@
               <a:rPr lang="en-US" smtClean="0"/>
               <a:t>Click to edit Master title style</a:t>
             </a:r>
-            <a:endParaRPr lang="en-GB"/>
+            <a:endParaRPr lang="en-US" dirty="0"/>
           </a:p>
         </p:txBody>
       </p:sp>
@@ -2655,7 +2913,7 @@
         <p:spPr>
           <a:xfrm>
             <a:off x="457200" y="1600200"/>
-            <a:ext cx="8229600" cy="4525963"/>
+            <a:ext cx="8229600" cy="4876800"/>
           </a:xfrm>
           <a:prstGeom prst="rect">
             <a:avLst/>
@@ -2700,7 +2958,53 @@
               <a:rPr lang="en-US" smtClean="0"/>
               <a:t>Fifth level</a:t>
             </a:r>
-            <a:endParaRPr lang="en-GB"/>
+            <a:endParaRPr lang="en-US" dirty="0"/>
+          </a:p>
+        </p:txBody>
+      </p:sp>
+      <p:sp>
+        <p:nvSpPr>
+          <p:cNvPr id="7" name="Rectangle 6"/>
+          <p:cNvSpPr/>
+          <p:nvPr/>
+        </p:nvSpPr>
+        <p:spPr>
+          <a:xfrm>
+            <a:off x="0" y="0"/>
+            <a:ext cx="9144000" cy="365760"/>
+          </a:xfrm>
+          <a:prstGeom prst="rect">
+            <a:avLst/>
+          </a:prstGeom>
+          <a:solidFill>
+            <a:schemeClr val="accent1"/>
+          </a:solidFill>
+          <a:ln>
+            <a:noFill/>
+          </a:ln>
+        </p:spPr>
+        <p:style>
+          <a:lnRef idx="2">
+            <a:schemeClr val="accent1">
+              <a:shade val="50000"/>
+            </a:schemeClr>
+          </a:lnRef>
+          <a:fillRef idx="1">
+            <a:schemeClr val="accent1"/>
+          </a:fillRef>
+          <a:effectRef idx="0">
+            <a:schemeClr val="accent1"/>
+          </a:effectRef>
+          <a:fontRef idx="minor">
+            <a:schemeClr val="lt1"/>
+          </a:fontRef>
+        </p:style>
+        <p:txBody>
+          <a:bodyPr rtlCol="0" anchor="ctr"/>
+          <a:lstStyle/>
+          <a:p>
+            <a:pPr algn="ctr"/>
+            <a:endParaRPr lang="en-US"/>
           </a:p>
         </p:txBody>
       </p:sp>
@@ -2716,8 +3020,8 @@
         </p:nvSpPr>
         <p:spPr>
           <a:xfrm>
-            <a:off x="457200" y="6356350"/>
-            <a:ext cx="2133600" cy="365125"/>
+            <a:off x="457200" y="18288"/>
+            <a:ext cx="2895600" cy="329184"/>
           </a:xfrm>
           <a:prstGeom prst="rect">
             <a:avLst/>
@@ -2729,9 +3033,7 @@
             <a:lvl1pPr algn="l">
               <a:defRPr sz="1200">
                 <a:solidFill>
-                  <a:schemeClr val="tx1">
-                    <a:tint val="75000"/>
-                  </a:schemeClr>
+                  <a:srgbClr val="FFFFFF"/>
                 </a:solidFill>
               </a:defRPr>
             </a:lvl1pPr>
@@ -2739,7 +3041,7 @@
           <a:p>
             <a:fld id="{7350849D-FC76-4A94-A18B-DD56B5248FC8}" type="datetimeFigureOut">
               <a:rPr lang="en-GB" smtClean="0"/>
-              <a:t>02/10/2012</a:t>
+              <a:t>23/11/2012</a:t>
             </a:fld>
             <a:endParaRPr lang="en-GB"/>
           </a:p>
@@ -2757,8 +3059,8 @@
         </p:nvSpPr>
         <p:spPr>
           <a:xfrm>
-            <a:off x="3124200" y="6356350"/>
-            <a:ext cx="2895600" cy="365125"/>
+            <a:off x="3429000" y="18288"/>
+            <a:ext cx="4114800" cy="329184"/>
           </a:xfrm>
           <a:prstGeom prst="rect">
             <a:avLst/>
@@ -2770,9 +3072,7 @@
             <a:lvl1pPr algn="ctr">
               <a:defRPr sz="1200">
                 <a:solidFill>
-                  <a:schemeClr val="tx1">
-                    <a:tint val="75000"/>
-                  </a:schemeClr>
+                  <a:srgbClr val="FFFFFF"/>
                 </a:solidFill>
               </a:defRPr>
             </a:lvl1pPr>
@@ -2794,8 +3094,8 @@
         </p:nvSpPr>
         <p:spPr>
           <a:xfrm>
-            <a:off x="6553200" y="6356350"/>
-            <a:ext cx="2133600" cy="365125"/>
+            <a:off x="7620000" y="18288"/>
+            <a:ext cx="1066800" cy="329184"/>
           </a:xfrm>
           <a:prstGeom prst="rect">
             <a:avLst/>
@@ -2804,12 +3104,10 @@
         <p:txBody>
           <a:bodyPr vert="horz" lIns="91440" tIns="45720" rIns="91440" bIns="45720" rtlCol="0" anchor="ctr"/>
           <a:lstStyle>
-            <a:lvl1pPr algn="r">
-              <a:defRPr sz="1200">
+            <a:lvl1pPr algn="l">
+              <a:defRPr sz="1400" b="1">
                 <a:solidFill>
-                  <a:schemeClr val="tx1">
-                    <a:tint val="75000"/>
-                  </a:schemeClr>
+                  <a:srgbClr val="FFFFFF"/>
                 </a:solidFill>
               </a:defRPr>
             </a:lvl1pPr>
@@ -2824,36 +3122,31 @@
         </p:txBody>
       </p:sp>
     </p:spTree>
-    <p:extLst>
-      <p:ext uri="{BB962C8B-B14F-4D97-AF65-F5344CB8AC3E}">
-        <p14:creationId xmlns:p14="http://schemas.microsoft.com/office/powerpoint/2010/main" val="1169604876"/>
-      </p:ext>
-    </p:extLst>
   </p:cSld>
   <p:clrMap bg1="lt1" tx1="dk1" bg2="lt2" tx2="dk2" accent1="accent1" accent2="accent2" accent3="accent3" accent4="accent4" accent5="accent5" accent6="accent6" hlink="hlink" folHlink="folHlink"/>
   <p:sldLayoutIdLst>
-    <p:sldLayoutId id="2147483649" r:id="rId1"/>
-    <p:sldLayoutId id="2147483650" r:id="rId2"/>
-    <p:sldLayoutId id="2147483651" r:id="rId3"/>
-    <p:sldLayoutId id="2147483652" r:id="rId4"/>
-    <p:sldLayoutId id="2147483653" r:id="rId5"/>
-    <p:sldLayoutId id="2147483654" r:id="rId6"/>
-    <p:sldLayoutId id="2147483655" r:id="rId7"/>
-    <p:sldLayoutId id="2147483656" r:id="rId8"/>
-    <p:sldLayoutId id="2147483657" r:id="rId9"/>
-    <p:sldLayoutId id="2147483658" r:id="rId10"/>
-    <p:sldLayoutId id="2147483659" r:id="rId11"/>
+    <p:sldLayoutId id="2147483661" r:id="rId1"/>
+    <p:sldLayoutId id="2147483662" r:id="rId2"/>
+    <p:sldLayoutId id="2147483663" r:id="rId3"/>
+    <p:sldLayoutId id="2147483664" r:id="rId4"/>
+    <p:sldLayoutId id="2147483665" r:id="rId5"/>
+    <p:sldLayoutId id="2147483666" r:id="rId6"/>
+    <p:sldLayoutId id="2147483667" r:id="rId7"/>
+    <p:sldLayoutId id="2147483668" r:id="rId8"/>
+    <p:sldLayoutId id="2147483669" r:id="rId9"/>
+    <p:sldLayoutId id="2147483670" r:id="rId10"/>
+    <p:sldLayoutId id="2147483671" r:id="rId11"/>
   </p:sldLayoutIdLst>
   <p:txStyles>
     <p:titleStyle>
-      <a:lvl1pPr algn="ctr" defTabSz="914400" rtl="0" eaLnBrk="1" latinLnBrk="0" hangingPunct="1">
+      <a:lvl1pPr algn="l" defTabSz="914400" rtl="0" eaLnBrk="1" latinLnBrk="0" hangingPunct="1">
         <a:spcBef>
           <a:spcPct val="0"/>
         </a:spcBef>
         <a:buNone/>
-        <a:defRPr sz="4400" kern="1200">
+        <a:defRPr sz="4000" kern="1200" spc="-100" baseline="0">
           <a:solidFill>
-            <a:schemeClr val="tx1"/>
+            <a:schemeClr val="tx2"/>
           </a:solidFill>
           <a:latin typeface="+mj-lt"/>
           <a:ea typeface="+mj-ea"/>
@@ -2862,40 +3155,14 @@
       </a:lvl1pPr>
     </p:titleStyle>
     <p:bodyStyle>
-      <a:lvl1pPr marL="342900" indent="-342900" algn="l" defTabSz="914400" rtl="0" eaLnBrk="1" latinLnBrk="0" hangingPunct="1">
+      <a:lvl1pPr marL="182880" indent="-182880" algn="l" defTabSz="914400" rtl="0" eaLnBrk="1" latinLnBrk="0" hangingPunct="1">
         <a:spcBef>
           <a:spcPct val="20000"/>
         </a:spcBef>
-        <a:buFont typeface="Arial" pitchFamily="34" charset="0"/>
-        <a:buChar char="•"/>
-        <a:defRPr sz="3200" kern="1200">
-          <a:solidFill>
-            <a:schemeClr val="tx1"/>
-          </a:solidFill>
-          <a:latin typeface="+mn-lt"/>
-          <a:ea typeface="+mn-ea"/>
-          <a:cs typeface="+mn-cs"/>
-        </a:defRPr>
-      </a:lvl1pPr>
-      <a:lvl2pPr marL="742950" indent="-285750" algn="l" defTabSz="914400" rtl="0" eaLnBrk="1" latinLnBrk="0" hangingPunct="1">
-        <a:spcBef>
-          <a:spcPct val="20000"/>
-        </a:spcBef>
-        <a:buFont typeface="Arial" pitchFamily="34" charset="0"/>
-        <a:buChar char="–"/>
-        <a:defRPr sz="2800" kern="1200">
-          <a:solidFill>
-            <a:schemeClr val="tx1"/>
-          </a:solidFill>
-          <a:latin typeface="+mn-lt"/>
-          <a:ea typeface="+mn-ea"/>
-          <a:cs typeface="+mn-cs"/>
-        </a:defRPr>
-      </a:lvl2pPr>
-      <a:lvl3pPr marL="1143000" indent="-228600" algn="l" defTabSz="914400" rtl="0" eaLnBrk="1" latinLnBrk="0" hangingPunct="1">
-        <a:spcBef>
-          <a:spcPct val="20000"/>
-        </a:spcBef>
+        <a:buClr>
+          <a:schemeClr val="accent1"/>
+        </a:buClr>
+        <a:buSzPct val="85000"/>
         <a:buFont typeface="Arial" pitchFamily="34" charset="0"/>
         <a:buChar char="•"/>
         <a:defRPr sz="2400" kern="1200">
@@ -2906,41 +3173,15 @@
           <a:ea typeface="+mn-ea"/>
           <a:cs typeface="+mn-cs"/>
         </a:defRPr>
-      </a:lvl3pPr>
-      <a:lvl4pPr marL="1600200" indent="-228600" algn="l" defTabSz="914400" rtl="0" eaLnBrk="1" latinLnBrk="0" hangingPunct="1">
+      </a:lvl1pPr>
+      <a:lvl2pPr marL="457200" indent="-182880" algn="l" defTabSz="914400" rtl="0" eaLnBrk="1" latinLnBrk="0" hangingPunct="1">
         <a:spcBef>
           <a:spcPct val="20000"/>
         </a:spcBef>
-        <a:buFont typeface="Arial" pitchFamily="34" charset="0"/>
-        <a:buChar char="–"/>
-        <a:defRPr sz="2000" kern="1200">
-          <a:solidFill>
-            <a:schemeClr val="tx1"/>
-          </a:solidFill>
-          <a:latin typeface="+mn-lt"/>
-          <a:ea typeface="+mn-ea"/>
-          <a:cs typeface="+mn-cs"/>
-        </a:defRPr>
-      </a:lvl4pPr>
-      <a:lvl5pPr marL="2057400" indent="-228600" algn="l" defTabSz="914400" rtl="0" eaLnBrk="1" latinLnBrk="0" hangingPunct="1">
-        <a:spcBef>
-          <a:spcPct val="20000"/>
-        </a:spcBef>
-        <a:buFont typeface="Arial" pitchFamily="34" charset="0"/>
-        <a:buChar char="»"/>
-        <a:defRPr sz="2000" kern="1200">
-          <a:solidFill>
-            <a:schemeClr val="tx1"/>
-          </a:solidFill>
-          <a:latin typeface="+mn-lt"/>
-          <a:ea typeface="+mn-ea"/>
-          <a:cs typeface="+mn-cs"/>
-        </a:defRPr>
-      </a:lvl5pPr>
-      <a:lvl6pPr marL="2514600" indent="-228600" algn="l" defTabSz="914400" rtl="0" eaLnBrk="1" latinLnBrk="0" hangingPunct="1">
-        <a:spcBef>
-          <a:spcPct val="20000"/>
-        </a:spcBef>
+        <a:buClr>
+          <a:schemeClr val="accent1"/>
+        </a:buClr>
+        <a:buSzPct val="85000"/>
         <a:buFont typeface="Arial" pitchFamily="34" charset="0"/>
         <a:buChar char="•"/>
         <a:defRPr sz="2000" kern="1200">
@@ -2951,14 +3192,91 @@
           <a:ea typeface="+mn-ea"/>
           <a:cs typeface="+mn-cs"/>
         </a:defRPr>
-      </a:lvl6pPr>
-      <a:lvl7pPr marL="2971800" indent="-228600" algn="l" defTabSz="914400" rtl="0" eaLnBrk="1" latinLnBrk="0" hangingPunct="1">
+      </a:lvl2pPr>
+      <a:lvl3pPr marL="731520" indent="-182880" algn="l" defTabSz="914400" rtl="0" eaLnBrk="1" latinLnBrk="0" hangingPunct="1">
         <a:spcBef>
           <a:spcPct val="20000"/>
         </a:spcBef>
+        <a:buClr>
+          <a:schemeClr val="accent1"/>
+        </a:buClr>
+        <a:buSzPct val="90000"/>
         <a:buFont typeface="Arial" pitchFamily="34" charset="0"/>
         <a:buChar char="•"/>
-        <a:defRPr sz="2000" kern="1200">
+        <a:defRPr sz="1800" kern="1200">
+          <a:solidFill>
+            <a:schemeClr val="tx1"/>
+          </a:solidFill>
+          <a:latin typeface="+mn-lt"/>
+          <a:ea typeface="+mn-ea"/>
+          <a:cs typeface="+mn-cs"/>
+        </a:defRPr>
+      </a:lvl3pPr>
+      <a:lvl4pPr marL="1005840" indent="-182880" algn="l" defTabSz="914400" rtl="0" eaLnBrk="1" latinLnBrk="0" hangingPunct="1">
+        <a:spcBef>
+          <a:spcPct val="20000"/>
+        </a:spcBef>
+        <a:buClr>
+          <a:schemeClr val="accent1"/>
+        </a:buClr>
+        <a:buFont typeface="Arial" pitchFamily="34" charset="0"/>
+        <a:buChar char="•"/>
+        <a:defRPr sz="1600" kern="1200">
+          <a:solidFill>
+            <a:schemeClr val="tx1"/>
+          </a:solidFill>
+          <a:latin typeface="+mn-lt"/>
+          <a:ea typeface="+mn-ea"/>
+          <a:cs typeface="+mn-cs"/>
+        </a:defRPr>
+      </a:lvl4pPr>
+      <a:lvl5pPr marL="1188720" indent="-137160" algn="l" defTabSz="914400" rtl="0" eaLnBrk="1" latinLnBrk="0" hangingPunct="1">
+        <a:spcBef>
+          <a:spcPct val="20000"/>
+        </a:spcBef>
+        <a:buClr>
+          <a:schemeClr val="accent1"/>
+        </a:buClr>
+        <a:buSzPct val="100000"/>
+        <a:buFont typeface="Arial" pitchFamily="34" charset="0"/>
+        <a:buChar char="•"/>
+        <a:defRPr sz="1400" kern="1200" baseline="0">
+          <a:solidFill>
+            <a:schemeClr val="tx1"/>
+          </a:solidFill>
+          <a:latin typeface="+mn-lt"/>
+          <a:ea typeface="+mn-ea"/>
+          <a:cs typeface="+mn-cs"/>
+        </a:defRPr>
+      </a:lvl5pPr>
+      <a:lvl6pPr marL="1371600" indent="-182880" algn="l" defTabSz="914400" rtl="0" eaLnBrk="1" latinLnBrk="0" hangingPunct="1">
+        <a:spcBef>
+          <a:spcPct val="20000"/>
+        </a:spcBef>
+        <a:buClr>
+          <a:schemeClr val="accent1"/>
+        </a:buClr>
+        <a:buFont typeface="Arial" pitchFamily="34" charset="0"/>
+        <a:buChar char="•"/>
+        <a:defRPr sz="1300" kern="1200">
+          <a:solidFill>
+            <a:schemeClr val="tx1"/>
+          </a:solidFill>
+          <a:latin typeface="+mn-lt"/>
+          <a:ea typeface="+mn-ea"/>
+          <a:cs typeface="+mn-cs"/>
+        </a:defRPr>
+      </a:lvl6pPr>
+      <a:lvl7pPr marL="1554480" indent="-182880" algn="l" defTabSz="914400" rtl="0" eaLnBrk="1" latinLnBrk="0" hangingPunct="1">
+        <a:spcBef>
+          <a:spcPct val="20000"/>
+        </a:spcBef>
+        <a:buClr>
+          <a:schemeClr val="accent1"/>
+        </a:buClr>
+        <a:buFont typeface="Arial" pitchFamily="34" charset="0"/>
+        <a:buChar char="•"/>
+        <a:defRPr sz="1300" kern="1200">
           <a:solidFill>
             <a:schemeClr val="tx1"/>
           </a:solidFill>
@@ -2967,13 +3285,16 @@
           <a:cs typeface="+mn-cs"/>
         </a:defRPr>
       </a:lvl7pPr>
-      <a:lvl8pPr marL="3429000" indent="-228600" algn="l" defTabSz="914400" rtl="0" eaLnBrk="1" latinLnBrk="0" hangingPunct="1">
+      <a:lvl8pPr marL="1737360" indent="-182880" algn="l" defTabSz="914400" rtl="0" eaLnBrk="1" latinLnBrk="0" hangingPunct="1">
         <a:spcBef>
           <a:spcPct val="20000"/>
         </a:spcBef>
+        <a:buClr>
+          <a:schemeClr val="accent1"/>
+        </a:buClr>
         <a:buFont typeface="Arial" pitchFamily="34" charset="0"/>
         <a:buChar char="•"/>
-        <a:defRPr sz="2000" kern="1200">
+        <a:defRPr sz="1300" kern="1200">
           <a:solidFill>
             <a:schemeClr val="tx1"/>
           </a:solidFill>
@@ -2982,13 +3303,16 @@
           <a:cs typeface="+mn-cs"/>
         </a:defRPr>
       </a:lvl8pPr>
-      <a:lvl9pPr marL="3886200" indent="-228600" algn="l" defTabSz="914400" rtl="0" eaLnBrk="1" latinLnBrk="0" hangingPunct="1">
+      <a:lvl9pPr marL="1920240" indent="-182880" algn="l" defTabSz="914400" rtl="0" eaLnBrk="1" latinLnBrk="0" hangingPunct="1">
         <a:spcBef>
           <a:spcPct val="20000"/>
         </a:spcBef>
+        <a:buClr>
+          <a:schemeClr val="accent1"/>
+        </a:buClr>
         <a:buFont typeface="Arial" pitchFamily="34" charset="0"/>
         <a:buChar char="•"/>
-        <a:defRPr sz="2000" kern="1200">
+        <a:defRPr sz="1300" kern="1200">
           <a:solidFill>
             <a:schemeClr val="tx1"/>
           </a:solidFill>
@@ -3130,14 +3454,10 @@
           <a:lstStyle/>
           <a:p>
             <a:r>
-              <a:rPr lang="en-US" dirty="0" smtClean="0"/>
-              <a:t>Just In Time Arabic </a:t>
-            </a:r>
-            <a:r>
-              <a:rPr lang="en-US" smtClean="0"/>
-              <a:t>Handwriting Recognition/Segmentation</a:t>
-            </a:r>
-            <a:endParaRPr lang="en-GB" dirty="0"/>
+              <a:rPr lang="en-US" sz="4400" dirty="0" smtClean="0"/>
+              <a:t>Online Arabic Handwriting Recognition</a:t>
+            </a:r>
+            <a:endParaRPr lang="en-GB" sz="4400" dirty="0"/>
           </a:p>
         </p:txBody>
       </p:sp>
@@ -3188,6 +3508,1829 @@
 </file>
 
 <file path=ppt/slides/slide10.xml><?xml version="1.0" encoding="utf-8"?>
+<p:sld xmlns:a="http://schemas.openxmlformats.org/drawingml/2006/main" xmlns:r="http://schemas.openxmlformats.org/officeDocument/2006/relationships" xmlns:p="http://schemas.openxmlformats.org/presentationml/2006/main">
+  <p:cSld>
+    <p:spTree>
+      <p:nvGrpSpPr>
+        <p:cNvPr id="1" name=""/>
+        <p:cNvGrpSpPr/>
+        <p:nvPr/>
+      </p:nvGrpSpPr>
+      <p:grpSpPr>
+        <a:xfrm>
+          <a:off x="0" y="0"/>
+          <a:ext cx="0" cy="0"/>
+          <a:chOff x="0" y="0"/>
+          <a:chExt cx="0" cy="0"/>
+        </a:xfrm>
+      </p:grpSpPr>
+      <p:sp>
+        <p:nvSpPr>
+          <p:cNvPr id="98306" name="Rectangle 2"/>
+          <p:cNvSpPr>
+            <a:spLocks noChangeArrowheads="1"/>
+          </p:cNvSpPr>
+          <p:nvPr/>
+        </p:nvSpPr>
+        <p:spPr bwMode="auto">
+          <a:xfrm>
+            <a:off x="381000" y="228600"/>
+            <a:ext cx="8382000" cy="685800"/>
+          </a:xfrm>
+          <a:prstGeom prst="rect">
+            <a:avLst/>
+          </a:prstGeom>
+          <a:noFill/>
+          <a:ln>
+            <a:noFill/>
+          </a:ln>
+          <a:effectLst/>
+          <a:extLst>
+            <a:ext uri="{909E8E84-426E-40DD-AFC4-6F175D3DCCD1}">
+              <a14:hiddenFill xmlns:a14="http://schemas.microsoft.com/office/drawing/2010/main">
+                <a:solidFill>
+                  <a:schemeClr val="accent1"/>
+                </a:solidFill>
+              </a14:hiddenFill>
+            </a:ext>
+            <a:ext uri="{91240B29-F687-4F45-9708-019B960494DF}">
+              <a14:hiddenLine xmlns:a14="http://schemas.microsoft.com/office/drawing/2010/main" w="9525">
+                <a:solidFill>
+                  <a:schemeClr val="tx1"/>
+                </a:solidFill>
+                <a:miter lim="800000"/>
+                <a:headEnd/>
+                <a:tailEnd/>
+              </a14:hiddenLine>
+            </a:ext>
+            <a:ext uri="{AF507438-7753-43E0-B8FC-AC1667EBCBE1}">
+              <a14:hiddenEffects xmlns:a14="http://schemas.microsoft.com/office/drawing/2010/main">
+                <a:effectLst>
+                  <a:outerShdw dist="35921" dir="2700000" algn="ctr" rotWithShape="0">
+                    <a:schemeClr val="bg2"/>
+                  </a:outerShdw>
+                </a:effectLst>
+              </a14:hiddenEffects>
+            </a:ext>
+          </a:extLst>
+        </p:spPr>
+        <p:txBody>
+          <a:bodyPr anchor="ctr"/>
+          <a:lstStyle/>
+          <a:p>
+            <a:r>
+              <a:rPr lang="en-US" altLang="zh-CN" sz="4200">
+                <a:solidFill>
+                  <a:schemeClr val="tx2"/>
+                </a:solidFill>
+                <a:latin typeface="Garamond" pitchFamily="18" charset="0"/>
+              </a:rPr>
+              <a:t>Nonlinear SVMs: The Kernel Trick</a:t>
+            </a:r>
+          </a:p>
+        </p:txBody>
+      </p:sp>
+      <p:sp>
+        <p:nvSpPr>
+          <p:cNvPr id="98307" name="Rectangle 3"/>
+          <p:cNvSpPr>
+            <a:spLocks noChangeArrowheads="1"/>
+          </p:cNvSpPr>
+          <p:nvPr/>
+        </p:nvSpPr>
+        <p:spPr bwMode="auto">
+          <a:xfrm>
+            <a:off x="228600" y="1752600"/>
+            <a:ext cx="8839200" cy="4191000"/>
+          </a:xfrm>
+          <a:prstGeom prst="rect">
+            <a:avLst/>
+          </a:prstGeom>
+          <a:noFill/>
+          <a:ln>
+            <a:noFill/>
+          </a:ln>
+          <a:effectLst/>
+          <a:extLst>
+            <a:ext uri="{909E8E84-426E-40DD-AFC4-6F175D3DCCD1}">
+              <a14:hiddenFill xmlns:a14="http://schemas.microsoft.com/office/drawing/2010/main">
+                <a:solidFill>
+                  <a:schemeClr val="accent1"/>
+                </a:solidFill>
+              </a14:hiddenFill>
+            </a:ext>
+            <a:ext uri="{91240B29-F687-4F45-9708-019B960494DF}">
+              <a14:hiddenLine xmlns:a14="http://schemas.microsoft.com/office/drawing/2010/main" w="9525">
+                <a:solidFill>
+                  <a:schemeClr val="tx1"/>
+                </a:solidFill>
+                <a:miter lim="800000"/>
+                <a:headEnd/>
+                <a:tailEnd/>
+              </a14:hiddenLine>
+            </a:ext>
+            <a:ext uri="{AF507438-7753-43E0-B8FC-AC1667EBCBE1}">
+              <a14:hiddenEffects xmlns:a14="http://schemas.microsoft.com/office/drawing/2010/main">
+                <a:effectLst>
+                  <a:outerShdw dist="35921" dir="2700000" algn="ctr" rotWithShape="0">
+                    <a:schemeClr val="bg2"/>
+                  </a:outerShdw>
+                </a:effectLst>
+              </a14:hiddenEffects>
+            </a:ext>
+          </a:extLst>
+        </p:spPr>
+        <p:txBody>
+          <a:bodyPr/>
+          <a:lstStyle/>
+          <a:p>
+            <a:pPr marL="342900" indent="-342900">
+              <a:spcBef>
+                <a:spcPct val="20000"/>
+              </a:spcBef>
+              <a:buClr>
+                <a:schemeClr val="accent1"/>
+              </a:buClr>
+              <a:buSzPct val="65000"/>
+              <a:buFont typeface="Wingdings" pitchFamily="2" charset="2"/>
+              <a:buNone/>
+            </a:pPr>
+            <a:r>
+              <a:rPr lang="en-US" altLang="zh-CN" sz="2000" b="1">
+                <a:latin typeface="Times New Roman" pitchFamily="18" charset="0"/>
+              </a:rPr>
+              <a:t>	</a:t>
+            </a:r>
+            <a:r>
+              <a:rPr lang="en-US" altLang="zh-CN" sz="2000"/>
+              <a:t>2-dimensional vectors</a:t>
+            </a:r>
+            <a:r>
+              <a:rPr lang="en-US" altLang="zh-CN" sz="2000" b="1">
+                <a:latin typeface="Times New Roman" pitchFamily="18" charset="0"/>
+              </a:rPr>
+              <a:t> x=[</a:t>
+            </a:r>
+            <a:r>
+              <a:rPr lang="en-US" altLang="zh-CN" sz="2000" b="1" i="1">
+                <a:latin typeface="Times New Roman" pitchFamily="18" charset="0"/>
+              </a:rPr>
+              <a:t>x</a:t>
+            </a:r>
+            <a:r>
+              <a:rPr lang="en-US" altLang="zh-CN" sz="2000" b="1" i="1" baseline="-25000">
+                <a:latin typeface="Times New Roman" pitchFamily="18" charset="0"/>
+              </a:rPr>
+              <a:t>1   </a:t>
+            </a:r>
+            <a:r>
+              <a:rPr lang="en-US" altLang="zh-CN" sz="2000" b="1" i="1">
+                <a:latin typeface="Times New Roman" pitchFamily="18" charset="0"/>
+              </a:rPr>
+              <a:t>x</a:t>
+            </a:r>
+            <a:r>
+              <a:rPr lang="en-US" altLang="zh-CN" sz="2000" b="1" i="1" baseline="-25000">
+                <a:latin typeface="Times New Roman" pitchFamily="18" charset="0"/>
+              </a:rPr>
+              <a:t>2</a:t>
+            </a:r>
+            <a:r>
+              <a:rPr lang="en-US" altLang="zh-CN" sz="2000" b="1">
+                <a:latin typeface="Times New Roman" pitchFamily="18" charset="0"/>
+              </a:rPr>
+              <a:t>];  </a:t>
+            </a:r>
+          </a:p>
+          <a:p>
+            <a:pPr marL="342900" indent="-342900">
+              <a:spcBef>
+                <a:spcPct val="20000"/>
+              </a:spcBef>
+              <a:buClr>
+                <a:schemeClr val="accent1"/>
+              </a:buClr>
+              <a:buSzPct val="65000"/>
+              <a:buFont typeface="Wingdings" pitchFamily="2" charset="2"/>
+              <a:buNone/>
+            </a:pPr>
+            <a:endParaRPr lang="en-US" altLang="zh-CN" sz="2000" b="1">
+              <a:latin typeface="Times New Roman" pitchFamily="18" charset="0"/>
+            </a:endParaRPr>
+          </a:p>
+          <a:p>
+            <a:pPr marL="342900" indent="-342900">
+              <a:spcBef>
+                <a:spcPct val="20000"/>
+              </a:spcBef>
+              <a:buClr>
+                <a:schemeClr val="accent1"/>
+              </a:buClr>
+              <a:buSzPct val="65000"/>
+              <a:buFont typeface="Wingdings" pitchFamily="2" charset="2"/>
+              <a:buNone/>
+            </a:pPr>
+            <a:r>
+              <a:rPr lang="en-US" altLang="zh-CN" sz="2000"/>
+              <a:t>     let</a:t>
+            </a:r>
+            <a:r>
+              <a:rPr lang="en-US" altLang="zh-CN" sz="2000" b="1">
+                <a:latin typeface="Times New Roman" pitchFamily="18" charset="0"/>
+              </a:rPr>
+              <a:t> </a:t>
+            </a:r>
+            <a:r>
+              <a:rPr lang="en-US" altLang="zh-CN" sz="2000" b="1" i="1">
+                <a:latin typeface="Times New Roman" pitchFamily="18" charset="0"/>
+              </a:rPr>
+              <a:t>K</a:t>
+            </a:r>
+            <a:r>
+              <a:rPr lang="en-US" altLang="zh-CN" sz="2000" b="1">
+                <a:latin typeface="Times New Roman" pitchFamily="18" charset="0"/>
+              </a:rPr>
+              <a:t>(x</a:t>
+            </a:r>
+            <a:r>
+              <a:rPr lang="en-US" altLang="zh-CN" sz="2000" b="1" baseline="-25000">
+                <a:latin typeface="Times New Roman" pitchFamily="18" charset="0"/>
+              </a:rPr>
+              <a:t>i</a:t>
+            </a:r>
+            <a:r>
+              <a:rPr lang="en-US" altLang="zh-CN" sz="2000" b="1">
+                <a:latin typeface="Times New Roman" pitchFamily="18" charset="0"/>
+              </a:rPr>
+              <a:t>,x</a:t>
+            </a:r>
+            <a:r>
+              <a:rPr lang="en-US" altLang="zh-CN" sz="2000" b="1" baseline="-25000">
+                <a:latin typeface="Times New Roman" pitchFamily="18" charset="0"/>
+              </a:rPr>
+              <a:t>j</a:t>
+            </a:r>
+            <a:r>
+              <a:rPr lang="en-US" altLang="zh-CN" sz="2000" b="1">
+                <a:latin typeface="Times New Roman" pitchFamily="18" charset="0"/>
+              </a:rPr>
+              <a:t>)=(1 + x</a:t>
+            </a:r>
+            <a:r>
+              <a:rPr lang="en-US" altLang="zh-CN" sz="2000" b="1" baseline="-25000">
+                <a:latin typeface="Times New Roman" pitchFamily="18" charset="0"/>
+              </a:rPr>
+              <a:t>i</a:t>
+            </a:r>
+            <a:r>
+              <a:rPr lang="en-US" altLang="zh-CN" sz="2000" b="1" baseline="30000">
+                <a:latin typeface="Times New Roman" pitchFamily="18" charset="0"/>
+              </a:rPr>
+              <a:t>T</a:t>
+            </a:r>
+            <a:r>
+              <a:rPr lang="en-US" altLang="zh-CN" sz="2000" b="1">
+                <a:latin typeface="Times New Roman" pitchFamily="18" charset="0"/>
+              </a:rPr>
+              <a:t>x</a:t>
+            </a:r>
+            <a:r>
+              <a:rPr lang="en-US" altLang="zh-CN" sz="2000" b="1" baseline="-25000">
+                <a:latin typeface="Times New Roman" pitchFamily="18" charset="0"/>
+              </a:rPr>
+              <a:t>j</a:t>
+            </a:r>
+            <a:r>
+              <a:rPr lang="en-US" altLang="zh-CN" sz="2000" b="1">
+                <a:latin typeface="Times New Roman" pitchFamily="18" charset="0"/>
+              </a:rPr>
+              <a:t>)</a:t>
+            </a:r>
+            <a:r>
+              <a:rPr lang="en-US" altLang="zh-CN" sz="2000" b="1" baseline="30000">
+                <a:latin typeface="Times New Roman" pitchFamily="18" charset="0"/>
+              </a:rPr>
+              <a:t>2</a:t>
+            </a:r>
+            <a:r>
+              <a:rPr lang="en-US" altLang="zh-CN" sz="2000" b="1" baseline="-25000">
+                <a:latin typeface="Times New Roman" pitchFamily="18" charset="0"/>
+              </a:rPr>
+              <a:t>,</a:t>
+            </a:r>
+            <a:endParaRPr lang="en-US" altLang="zh-CN" sz="2000" b="1">
+              <a:latin typeface="Times New Roman" pitchFamily="18" charset="0"/>
+            </a:endParaRPr>
+          </a:p>
+          <a:p>
+            <a:pPr marL="342900" indent="-342900">
+              <a:spcBef>
+                <a:spcPct val="20000"/>
+              </a:spcBef>
+              <a:buClr>
+                <a:schemeClr val="accent1"/>
+              </a:buClr>
+              <a:buSzPct val="65000"/>
+              <a:buFont typeface="Wingdings" pitchFamily="2" charset="2"/>
+              <a:buNone/>
+            </a:pPr>
+            <a:r>
+              <a:rPr lang="en-US" altLang="zh-CN" sz="2000" b="1">
+                <a:latin typeface="Times New Roman" pitchFamily="18" charset="0"/>
+              </a:rPr>
+              <a:t>	</a:t>
+            </a:r>
+          </a:p>
+          <a:p>
+            <a:pPr marL="342900" indent="-342900">
+              <a:spcBef>
+                <a:spcPct val="20000"/>
+              </a:spcBef>
+              <a:buClr>
+                <a:schemeClr val="accent1"/>
+              </a:buClr>
+              <a:buSzPct val="65000"/>
+              <a:buFont typeface="Wingdings" pitchFamily="2" charset="2"/>
+              <a:buNone/>
+            </a:pPr>
+            <a:r>
+              <a:rPr lang="en-US" altLang="zh-CN" sz="2000" b="1">
+                <a:latin typeface="Times New Roman" pitchFamily="18" charset="0"/>
+              </a:rPr>
+              <a:t>     </a:t>
+            </a:r>
+            <a:r>
+              <a:rPr lang="en-US" altLang="zh-CN" sz="2000"/>
+              <a:t>Need to show that</a:t>
+            </a:r>
+            <a:r>
+              <a:rPr lang="en-US" altLang="zh-CN" sz="2000" b="1">
+                <a:latin typeface="Times New Roman" pitchFamily="18" charset="0"/>
+              </a:rPr>
+              <a:t> </a:t>
+            </a:r>
+            <a:r>
+              <a:rPr lang="en-US" altLang="zh-CN" sz="2000" b="1" i="1">
+                <a:latin typeface="Times New Roman" pitchFamily="18" charset="0"/>
+              </a:rPr>
+              <a:t>K</a:t>
+            </a:r>
+            <a:r>
+              <a:rPr lang="en-US" altLang="zh-CN" sz="2000" b="1">
+                <a:latin typeface="Times New Roman" pitchFamily="18" charset="0"/>
+              </a:rPr>
+              <a:t>(x</a:t>
+            </a:r>
+            <a:r>
+              <a:rPr lang="en-US" altLang="zh-CN" sz="2000" b="1" baseline="-25000">
+                <a:latin typeface="Times New Roman" pitchFamily="18" charset="0"/>
+              </a:rPr>
+              <a:t>i</a:t>
+            </a:r>
+            <a:r>
+              <a:rPr lang="en-US" altLang="zh-CN" sz="2000" b="1">
+                <a:latin typeface="Times New Roman" pitchFamily="18" charset="0"/>
+              </a:rPr>
+              <a:t>,x</a:t>
+            </a:r>
+            <a:r>
+              <a:rPr lang="en-US" altLang="zh-CN" sz="2000" b="1" baseline="-25000">
+                <a:latin typeface="Times New Roman" pitchFamily="18" charset="0"/>
+              </a:rPr>
+              <a:t>j</a:t>
+            </a:r>
+            <a:r>
+              <a:rPr lang="en-US" altLang="zh-CN" sz="2000" b="1">
+                <a:latin typeface="Times New Roman" pitchFamily="18" charset="0"/>
+              </a:rPr>
+              <a:t>) = </a:t>
+            </a:r>
+            <a:r>
+              <a:rPr lang="el-GR" sz="2000" b="1">
+                <a:latin typeface="Times New Roman" pitchFamily="18" charset="0"/>
+                <a:cs typeface="Times New Roman" pitchFamily="18" charset="0"/>
+              </a:rPr>
+              <a:t>φ</a:t>
+            </a:r>
+            <a:r>
+              <a:rPr lang="en-US" altLang="zh-CN" sz="2000" b="1">
+                <a:latin typeface="Times New Roman" pitchFamily="18" charset="0"/>
+              </a:rPr>
+              <a:t>(x</a:t>
+            </a:r>
+            <a:r>
+              <a:rPr lang="en-US" altLang="zh-CN" sz="2000" b="1" baseline="-25000">
+                <a:latin typeface="Times New Roman" pitchFamily="18" charset="0"/>
+              </a:rPr>
+              <a:t>i</a:t>
+            </a:r>
+            <a:r>
+              <a:rPr lang="en-US" altLang="zh-CN" sz="2000" b="1">
+                <a:latin typeface="Times New Roman" pitchFamily="18" charset="0"/>
+              </a:rPr>
+              <a:t>)</a:t>
+            </a:r>
+            <a:r>
+              <a:rPr lang="en-US" altLang="zh-CN" sz="2000" b="1" baseline="-25000">
+                <a:latin typeface="Times New Roman" pitchFamily="18" charset="0"/>
+              </a:rPr>
+              <a:t> </a:t>
+            </a:r>
+            <a:r>
+              <a:rPr lang="en-US" altLang="zh-CN" sz="2000" b="1" baseline="30000">
+                <a:latin typeface="Times New Roman" pitchFamily="18" charset="0"/>
+              </a:rPr>
+              <a:t>T</a:t>
+            </a:r>
+            <a:r>
+              <a:rPr lang="el-GR" sz="2000" b="1">
+                <a:latin typeface="Times New Roman" pitchFamily="18" charset="0"/>
+                <a:cs typeface="Times New Roman" pitchFamily="18" charset="0"/>
+              </a:rPr>
+              <a:t>φ</a:t>
+            </a:r>
+            <a:r>
+              <a:rPr lang="en-US" altLang="zh-CN" sz="2000" b="1">
+                <a:latin typeface="Times New Roman" pitchFamily="18" charset="0"/>
+              </a:rPr>
+              <a:t>(x</a:t>
+            </a:r>
+            <a:r>
+              <a:rPr lang="en-US" altLang="zh-CN" sz="2000" b="1" baseline="-25000">
+                <a:latin typeface="Times New Roman" pitchFamily="18" charset="0"/>
+              </a:rPr>
+              <a:t>j</a:t>
+            </a:r>
+            <a:r>
+              <a:rPr lang="en-US" altLang="zh-CN" sz="2000" b="1">
+                <a:latin typeface="Times New Roman" pitchFamily="18" charset="0"/>
+              </a:rPr>
+              <a:t>):</a:t>
+            </a:r>
+          </a:p>
+          <a:p>
+            <a:pPr marL="342900" indent="-342900">
+              <a:spcBef>
+                <a:spcPct val="20000"/>
+              </a:spcBef>
+              <a:buClr>
+                <a:schemeClr val="accent1"/>
+              </a:buClr>
+              <a:buSzPct val="65000"/>
+              <a:buFont typeface="Wingdings" pitchFamily="2" charset="2"/>
+              <a:buNone/>
+            </a:pPr>
+            <a:r>
+              <a:rPr lang="en-US" altLang="zh-CN" sz="2000" b="1">
+                <a:latin typeface="Times New Roman" pitchFamily="18" charset="0"/>
+              </a:rPr>
+              <a:t>	 </a:t>
+            </a:r>
+          </a:p>
+          <a:p>
+            <a:pPr marL="342900" indent="-342900">
+              <a:spcBef>
+                <a:spcPct val="20000"/>
+              </a:spcBef>
+              <a:buClr>
+                <a:schemeClr val="accent1"/>
+              </a:buClr>
+              <a:buSzPct val="65000"/>
+              <a:buFont typeface="Wingdings" pitchFamily="2" charset="2"/>
+              <a:buNone/>
+            </a:pPr>
+            <a:r>
+              <a:rPr lang="en-US" altLang="zh-CN" sz="2000" b="1">
+                <a:latin typeface="Times New Roman" pitchFamily="18" charset="0"/>
+              </a:rPr>
+              <a:t>     </a:t>
+            </a:r>
+            <a:r>
+              <a:rPr lang="en-US" altLang="zh-CN" sz="2000" b="1" i="1">
+                <a:latin typeface="Times New Roman" pitchFamily="18" charset="0"/>
+              </a:rPr>
+              <a:t>K</a:t>
+            </a:r>
+            <a:r>
+              <a:rPr lang="en-US" altLang="zh-CN" sz="2000" b="1">
+                <a:latin typeface="Times New Roman" pitchFamily="18" charset="0"/>
+              </a:rPr>
+              <a:t>(x</a:t>
+            </a:r>
+            <a:r>
+              <a:rPr lang="en-US" altLang="zh-CN" sz="2000" b="1" baseline="-25000">
+                <a:latin typeface="Times New Roman" pitchFamily="18" charset="0"/>
+              </a:rPr>
+              <a:t>i</a:t>
+            </a:r>
+            <a:r>
+              <a:rPr lang="en-US" altLang="zh-CN" sz="2000" b="1">
+                <a:latin typeface="Times New Roman" pitchFamily="18" charset="0"/>
+              </a:rPr>
+              <a:t>,x</a:t>
+            </a:r>
+            <a:r>
+              <a:rPr lang="en-US" altLang="zh-CN" sz="2000" b="1" baseline="-25000">
+                <a:latin typeface="Times New Roman" pitchFamily="18" charset="0"/>
+              </a:rPr>
+              <a:t>j</a:t>
+            </a:r>
+            <a:r>
+              <a:rPr lang="en-US" altLang="zh-CN" sz="2000" b="1">
+                <a:latin typeface="Times New Roman" pitchFamily="18" charset="0"/>
+              </a:rPr>
+              <a:t>)=(1 + x</a:t>
+            </a:r>
+            <a:r>
+              <a:rPr lang="en-US" altLang="zh-CN" sz="2000" b="1" baseline="-25000">
+                <a:latin typeface="Times New Roman" pitchFamily="18" charset="0"/>
+              </a:rPr>
+              <a:t>i</a:t>
+            </a:r>
+            <a:r>
+              <a:rPr lang="en-US" altLang="zh-CN" sz="2000" b="1" baseline="30000">
+                <a:latin typeface="Times New Roman" pitchFamily="18" charset="0"/>
+              </a:rPr>
+              <a:t>T</a:t>
+            </a:r>
+            <a:r>
+              <a:rPr lang="en-US" altLang="zh-CN" sz="2000" b="1">
+                <a:latin typeface="Times New Roman" pitchFamily="18" charset="0"/>
+              </a:rPr>
+              <a:t>x</a:t>
+            </a:r>
+            <a:r>
+              <a:rPr lang="en-US" altLang="zh-CN" sz="2000" b="1" baseline="-25000">
+                <a:latin typeface="Times New Roman" pitchFamily="18" charset="0"/>
+              </a:rPr>
+              <a:t>j</a:t>
+            </a:r>
+            <a:r>
+              <a:rPr lang="en-US" altLang="zh-CN" sz="2000" b="1">
+                <a:latin typeface="Times New Roman" pitchFamily="18" charset="0"/>
+              </a:rPr>
+              <a:t>)</a:t>
+            </a:r>
+            <a:r>
+              <a:rPr lang="en-US" altLang="zh-CN" sz="2000" b="1" baseline="30000">
+                <a:latin typeface="Times New Roman" pitchFamily="18" charset="0"/>
+              </a:rPr>
+              <a:t>2</a:t>
+            </a:r>
+            <a:r>
+              <a:rPr lang="en-US" altLang="zh-CN" sz="2000" b="1" baseline="-25000">
+                <a:latin typeface="Times New Roman" pitchFamily="18" charset="0"/>
+              </a:rPr>
+              <a:t>,</a:t>
+            </a:r>
+          </a:p>
+          <a:p>
+            <a:pPr marL="342900" indent="-342900">
+              <a:spcBef>
+                <a:spcPct val="20000"/>
+              </a:spcBef>
+              <a:buClr>
+                <a:schemeClr val="accent1"/>
+              </a:buClr>
+              <a:buSzPct val="65000"/>
+              <a:buFont typeface="Wingdings" pitchFamily="2" charset="2"/>
+              <a:buNone/>
+            </a:pPr>
+            <a:r>
+              <a:rPr lang="en-US" altLang="zh-CN" sz="2000" b="1" baseline="-25000">
+                <a:latin typeface="Times New Roman" pitchFamily="18" charset="0"/>
+              </a:rPr>
+              <a:t>                           </a:t>
+            </a:r>
+            <a:r>
+              <a:rPr lang="en-US" altLang="zh-CN" sz="2000" b="1">
+                <a:latin typeface="Times New Roman" pitchFamily="18" charset="0"/>
+              </a:rPr>
+              <a:t>= 1+ </a:t>
+            </a:r>
+            <a:r>
+              <a:rPr lang="en-US" altLang="zh-CN" sz="2000" b="1" i="1">
+                <a:latin typeface="Times New Roman" pitchFamily="18" charset="0"/>
+              </a:rPr>
+              <a:t>x</a:t>
+            </a:r>
+            <a:r>
+              <a:rPr lang="en-US" altLang="zh-CN" sz="2000" b="1" i="1" baseline="-25000">
+                <a:latin typeface="Times New Roman" pitchFamily="18" charset="0"/>
+              </a:rPr>
+              <a:t>i1</a:t>
+            </a:r>
+            <a:r>
+              <a:rPr lang="en-US" altLang="zh-CN" sz="2000" b="1" i="1" baseline="30000">
+                <a:latin typeface="Times New Roman" pitchFamily="18" charset="0"/>
+              </a:rPr>
+              <a:t>2</a:t>
+            </a:r>
+            <a:r>
+              <a:rPr lang="en-US" altLang="zh-CN" sz="2000" b="1" i="1">
+                <a:latin typeface="Times New Roman" pitchFamily="18" charset="0"/>
+              </a:rPr>
+              <a:t>x</a:t>
+            </a:r>
+            <a:r>
+              <a:rPr lang="en-US" altLang="zh-CN" sz="2000" b="1" i="1" baseline="-25000">
+                <a:latin typeface="Times New Roman" pitchFamily="18" charset="0"/>
+              </a:rPr>
+              <a:t>j1</a:t>
+            </a:r>
+            <a:r>
+              <a:rPr lang="en-US" altLang="zh-CN" sz="2000" b="1" i="1" baseline="30000">
+                <a:latin typeface="Times New Roman" pitchFamily="18" charset="0"/>
+              </a:rPr>
+              <a:t>2 </a:t>
+            </a:r>
+            <a:r>
+              <a:rPr lang="en-US" altLang="zh-CN" sz="2000" b="1" i="1">
+                <a:latin typeface="Times New Roman" pitchFamily="18" charset="0"/>
+              </a:rPr>
+              <a:t>+ </a:t>
+            </a:r>
+            <a:r>
+              <a:rPr lang="en-US" altLang="zh-CN" sz="2000" b="1">
+                <a:latin typeface="Times New Roman" pitchFamily="18" charset="0"/>
+              </a:rPr>
+              <a:t>2 </a:t>
+            </a:r>
+            <a:r>
+              <a:rPr lang="en-US" altLang="zh-CN" sz="2000" b="1" i="1">
+                <a:latin typeface="Times New Roman" pitchFamily="18" charset="0"/>
+              </a:rPr>
+              <a:t>x</a:t>
+            </a:r>
+            <a:r>
+              <a:rPr lang="en-US" altLang="zh-CN" sz="2000" b="1" i="1" baseline="-25000">
+                <a:latin typeface="Times New Roman" pitchFamily="18" charset="0"/>
+              </a:rPr>
+              <a:t>i1</a:t>
+            </a:r>
+            <a:r>
+              <a:rPr lang="en-US" altLang="zh-CN" sz="2000" b="1" i="1">
+                <a:latin typeface="Times New Roman" pitchFamily="18" charset="0"/>
+              </a:rPr>
+              <a:t>x</a:t>
+            </a:r>
+            <a:r>
+              <a:rPr lang="en-US" altLang="zh-CN" sz="2000" b="1" i="1" baseline="-25000">
+                <a:latin typeface="Times New Roman" pitchFamily="18" charset="0"/>
+              </a:rPr>
+              <a:t>j1</a:t>
+            </a:r>
+            <a:r>
+              <a:rPr lang="en-US" altLang="zh-CN" sz="2000" b="1" i="1" baseline="30000">
+                <a:latin typeface="Times New Roman" pitchFamily="18" charset="0"/>
+              </a:rPr>
+              <a:t> </a:t>
+            </a:r>
+            <a:r>
+              <a:rPr lang="en-US" altLang="zh-CN" sz="2000" b="1" i="1">
+                <a:latin typeface="Times New Roman" pitchFamily="18" charset="0"/>
+              </a:rPr>
+              <a:t>x</a:t>
+            </a:r>
+            <a:r>
+              <a:rPr lang="en-US" altLang="zh-CN" sz="2000" b="1" i="1" baseline="-25000">
+                <a:latin typeface="Times New Roman" pitchFamily="18" charset="0"/>
+              </a:rPr>
+              <a:t>i2</a:t>
+            </a:r>
+            <a:r>
+              <a:rPr lang="en-US" altLang="zh-CN" sz="2000" b="1" i="1">
+                <a:latin typeface="Times New Roman" pitchFamily="18" charset="0"/>
+              </a:rPr>
+              <a:t>x</a:t>
+            </a:r>
+            <a:r>
+              <a:rPr lang="en-US" altLang="zh-CN" sz="2000" b="1" i="1" baseline="-25000">
+                <a:latin typeface="Times New Roman" pitchFamily="18" charset="0"/>
+              </a:rPr>
+              <a:t>j2</a:t>
+            </a:r>
+            <a:r>
+              <a:rPr lang="en-US" altLang="zh-CN" sz="2000" b="1" i="1">
+                <a:latin typeface="Times New Roman" pitchFamily="18" charset="0"/>
+              </a:rPr>
+              <a:t>+ x</a:t>
+            </a:r>
+            <a:r>
+              <a:rPr lang="en-US" altLang="zh-CN" sz="2000" b="1" i="1" baseline="-25000">
+                <a:latin typeface="Times New Roman" pitchFamily="18" charset="0"/>
+              </a:rPr>
+              <a:t>i2</a:t>
+            </a:r>
+            <a:r>
+              <a:rPr lang="en-US" altLang="zh-CN" sz="2000" b="1" i="1" baseline="30000">
+                <a:latin typeface="Times New Roman" pitchFamily="18" charset="0"/>
+              </a:rPr>
+              <a:t>2</a:t>
+            </a:r>
+            <a:r>
+              <a:rPr lang="en-US" altLang="zh-CN" sz="2000" b="1" i="1">
+                <a:latin typeface="Times New Roman" pitchFamily="18" charset="0"/>
+              </a:rPr>
+              <a:t>x</a:t>
+            </a:r>
+            <a:r>
+              <a:rPr lang="en-US" altLang="zh-CN" sz="2000" b="1" i="1" baseline="-25000">
+                <a:latin typeface="Times New Roman" pitchFamily="18" charset="0"/>
+              </a:rPr>
+              <a:t>j2</a:t>
+            </a:r>
+            <a:r>
+              <a:rPr lang="en-US" altLang="zh-CN" sz="2000" b="1" i="1" baseline="30000">
+                <a:latin typeface="Times New Roman" pitchFamily="18" charset="0"/>
+              </a:rPr>
+              <a:t>2 </a:t>
+            </a:r>
+            <a:r>
+              <a:rPr lang="en-US" altLang="zh-CN" sz="2000" b="1">
+                <a:latin typeface="Times New Roman" pitchFamily="18" charset="0"/>
+              </a:rPr>
+              <a:t>+ 2</a:t>
+            </a:r>
+            <a:r>
+              <a:rPr lang="en-US" altLang="zh-CN" sz="2000" b="1" i="1">
+                <a:latin typeface="Times New Roman" pitchFamily="18" charset="0"/>
+              </a:rPr>
+              <a:t>x</a:t>
+            </a:r>
+            <a:r>
+              <a:rPr lang="en-US" altLang="zh-CN" sz="2000" b="1" i="1" baseline="-25000">
+                <a:latin typeface="Times New Roman" pitchFamily="18" charset="0"/>
+              </a:rPr>
+              <a:t>i1</a:t>
+            </a:r>
+            <a:r>
+              <a:rPr lang="en-US" altLang="zh-CN" sz="2000" b="1" i="1">
+                <a:latin typeface="Times New Roman" pitchFamily="18" charset="0"/>
+              </a:rPr>
+              <a:t>x</a:t>
+            </a:r>
+            <a:r>
+              <a:rPr lang="en-US" altLang="zh-CN" sz="2000" b="1" i="1" baseline="-25000">
+                <a:latin typeface="Times New Roman" pitchFamily="18" charset="0"/>
+              </a:rPr>
+              <a:t>j1 </a:t>
+            </a:r>
+            <a:r>
+              <a:rPr lang="en-US" altLang="zh-CN" sz="2000" b="1" i="1">
+                <a:latin typeface="Times New Roman" pitchFamily="18" charset="0"/>
+              </a:rPr>
+              <a:t>+ </a:t>
+            </a:r>
+            <a:r>
+              <a:rPr lang="en-US" altLang="zh-CN" sz="2000" b="1">
+                <a:latin typeface="Times New Roman" pitchFamily="18" charset="0"/>
+              </a:rPr>
+              <a:t>2</a:t>
+            </a:r>
+            <a:r>
+              <a:rPr lang="en-US" altLang="zh-CN" sz="2000" b="1" i="1">
+                <a:latin typeface="Times New Roman" pitchFamily="18" charset="0"/>
+              </a:rPr>
+              <a:t>x</a:t>
+            </a:r>
+            <a:r>
+              <a:rPr lang="en-US" altLang="zh-CN" sz="2000" b="1" i="1" baseline="-25000">
+                <a:latin typeface="Times New Roman" pitchFamily="18" charset="0"/>
+              </a:rPr>
+              <a:t>i2</a:t>
+            </a:r>
+            <a:r>
+              <a:rPr lang="en-US" altLang="zh-CN" sz="2000" b="1" i="1">
+                <a:latin typeface="Times New Roman" pitchFamily="18" charset="0"/>
+              </a:rPr>
+              <a:t>x</a:t>
+            </a:r>
+            <a:r>
+              <a:rPr lang="en-US" altLang="zh-CN" sz="2000" b="1" i="1" baseline="-25000">
+                <a:latin typeface="Times New Roman" pitchFamily="18" charset="0"/>
+              </a:rPr>
+              <a:t>j2</a:t>
+            </a:r>
+            <a:endParaRPr lang="en-US" altLang="zh-CN" sz="2000" b="1" i="1">
+              <a:latin typeface="Times New Roman" pitchFamily="18" charset="0"/>
+            </a:endParaRPr>
+          </a:p>
+          <a:p>
+            <a:pPr marL="342900" indent="-342900">
+              <a:spcBef>
+                <a:spcPct val="20000"/>
+              </a:spcBef>
+              <a:buClr>
+                <a:schemeClr val="accent1"/>
+              </a:buClr>
+              <a:buSzPct val="65000"/>
+              <a:buFont typeface="Wingdings" pitchFamily="2" charset="2"/>
+              <a:buNone/>
+            </a:pPr>
+            <a:r>
+              <a:rPr lang="en-US" altLang="zh-CN" sz="2000" b="1" i="1">
+                <a:latin typeface="Times New Roman" pitchFamily="18" charset="0"/>
+              </a:rPr>
+              <a:t>	      = </a:t>
+            </a:r>
+            <a:r>
+              <a:rPr lang="en-US" altLang="zh-CN" sz="2000" b="1">
+                <a:latin typeface="Times New Roman" pitchFamily="18" charset="0"/>
+              </a:rPr>
+              <a:t>[1  </a:t>
+            </a:r>
+            <a:r>
+              <a:rPr lang="en-US" altLang="zh-CN" sz="2000" b="1" i="1">
+                <a:latin typeface="Times New Roman" pitchFamily="18" charset="0"/>
+              </a:rPr>
+              <a:t>x</a:t>
+            </a:r>
+            <a:r>
+              <a:rPr lang="en-US" altLang="zh-CN" sz="2000" b="1" i="1" baseline="-25000">
+                <a:latin typeface="Times New Roman" pitchFamily="18" charset="0"/>
+              </a:rPr>
+              <a:t>i1</a:t>
+            </a:r>
+            <a:r>
+              <a:rPr lang="en-US" altLang="zh-CN" sz="2000" b="1" i="1" baseline="30000">
+                <a:latin typeface="Times New Roman" pitchFamily="18" charset="0"/>
+              </a:rPr>
+              <a:t>2  </a:t>
+            </a:r>
+            <a:r>
+              <a:rPr lang="en-US" altLang="zh-CN" sz="2000" b="1" i="1">
+                <a:latin typeface="Times New Roman" pitchFamily="18" charset="0"/>
+                <a:cs typeface="Times New Roman" pitchFamily="18" charset="0"/>
+              </a:rPr>
+              <a:t>√</a:t>
+            </a:r>
+            <a:r>
+              <a:rPr lang="en-US" altLang="zh-CN" sz="2000" b="1">
+                <a:latin typeface="Times New Roman" pitchFamily="18" charset="0"/>
+              </a:rPr>
+              <a:t>2 </a:t>
+            </a:r>
+            <a:r>
+              <a:rPr lang="en-US" altLang="zh-CN" sz="2000" b="1" i="1">
+                <a:latin typeface="Times New Roman" pitchFamily="18" charset="0"/>
+              </a:rPr>
+              <a:t>x</a:t>
+            </a:r>
+            <a:r>
+              <a:rPr lang="en-US" altLang="zh-CN" sz="2000" b="1" i="1" baseline="-25000">
+                <a:latin typeface="Times New Roman" pitchFamily="18" charset="0"/>
+              </a:rPr>
+              <a:t>i1</a:t>
+            </a:r>
+            <a:r>
+              <a:rPr lang="en-US" altLang="zh-CN" sz="2000" b="1" i="1">
+                <a:latin typeface="Times New Roman" pitchFamily="18" charset="0"/>
+              </a:rPr>
+              <a:t>x</a:t>
+            </a:r>
+            <a:r>
+              <a:rPr lang="en-US" altLang="zh-CN" sz="2000" b="1" i="1" baseline="-25000">
+                <a:latin typeface="Times New Roman" pitchFamily="18" charset="0"/>
+              </a:rPr>
+              <a:t>i2  </a:t>
+            </a:r>
+            <a:r>
+              <a:rPr lang="en-US" altLang="zh-CN" sz="2000" b="1" i="1">
+                <a:latin typeface="Times New Roman" pitchFamily="18" charset="0"/>
+              </a:rPr>
+              <a:t> x</a:t>
+            </a:r>
+            <a:r>
+              <a:rPr lang="en-US" altLang="zh-CN" sz="2000" b="1" i="1" baseline="-25000">
+                <a:latin typeface="Times New Roman" pitchFamily="18" charset="0"/>
+              </a:rPr>
+              <a:t>i2</a:t>
+            </a:r>
+            <a:r>
+              <a:rPr lang="en-US" altLang="zh-CN" sz="2000" b="1" i="1" baseline="30000">
+                <a:latin typeface="Times New Roman" pitchFamily="18" charset="0"/>
+              </a:rPr>
+              <a:t>2  </a:t>
+            </a:r>
+            <a:r>
+              <a:rPr lang="en-US" altLang="zh-CN" sz="2000" b="1" i="1">
+                <a:latin typeface="Times New Roman" pitchFamily="18" charset="0"/>
+                <a:cs typeface="Times New Roman" pitchFamily="18" charset="0"/>
+              </a:rPr>
+              <a:t>√</a:t>
+            </a:r>
+            <a:r>
+              <a:rPr lang="en-US" altLang="zh-CN" sz="2000" b="1">
+                <a:latin typeface="Times New Roman" pitchFamily="18" charset="0"/>
+              </a:rPr>
+              <a:t>2</a:t>
+            </a:r>
+            <a:r>
+              <a:rPr lang="en-US" altLang="zh-CN" sz="2000" b="1" i="1">
+                <a:latin typeface="Times New Roman" pitchFamily="18" charset="0"/>
+              </a:rPr>
+              <a:t>x</a:t>
+            </a:r>
+            <a:r>
+              <a:rPr lang="en-US" altLang="zh-CN" sz="2000" b="1" i="1" baseline="-25000">
+                <a:latin typeface="Times New Roman" pitchFamily="18" charset="0"/>
+              </a:rPr>
+              <a:t>i1  </a:t>
+            </a:r>
+            <a:r>
+              <a:rPr lang="en-US" altLang="zh-CN" sz="2000" b="1" i="1">
+                <a:latin typeface="Times New Roman" pitchFamily="18" charset="0"/>
+                <a:cs typeface="Times New Roman" pitchFamily="18" charset="0"/>
+              </a:rPr>
+              <a:t>√</a:t>
+            </a:r>
+            <a:r>
+              <a:rPr lang="en-US" altLang="zh-CN" sz="2000" b="1">
+                <a:latin typeface="Times New Roman" pitchFamily="18" charset="0"/>
+              </a:rPr>
+              <a:t>2</a:t>
+            </a:r>
+            <a:r>
+              <a:rPr lang="en-US" altLang="zh-CN" sz="2000" b="1" i="1">
+                <a:latin typeface="Times New Roman" pitchFamily="18" charset="0"/>
+              </a:rPr>
+              <a:t>x</a:t>
+            </a:r>
+            <a:r>
+              <a:rPr lang="en-US" altLang="zh-CN" sz="2000" b="1" i="1" baseline="-25000">
+                <a:latin typeface="Times New Roman" pitchFamily="18" charset="0"/>
+              </a:rPr>
+              <a:t>i2</a:t>
+            </a:r>
+            <a:r>
+              <a:rPr lang="en-US" altLang="zh-CN" sz="2000" b="1">
+                <a:latin typeface="Times New Roman" pitchFamily="18" charset="0"/>
+              </a:rPr>
+              <a:t>]</a:t>
+            </a:r>
+            <a:r>
+              <a:rPr lang="en-US" altLang="zh-CN" sz="2000" b="1" baseline="30000">
+                <a:latin typeface="Times New Roman" pitchFamily="18" charset="0"/>
+              </a:rPr>
+              <a:t>T </a:t>
+            </a:r>
+            <a:r>
+              <a:rPr lang="en-US" altLang="zh-CN" sz="2000" b="1">
+                <a:latin typeface="Times New Roman" pitchFamily="18" charset="0"/>
+              </a:rPr>
+              <a:t>[1  </a:t>
+            </a:r>
+            <a:r>
+              <a:rPr lang="en-US" altLang="zh-CN" sz="2000" b="1" i="1">
+                <a:latin typeface="Times New Roman" pitchFamily="18" charset="0"/>
+              </a:rPr>
+              <a:t>x</a:t>
+            </a:r>
+            <a:r>
+              <a:rPr lang="en-US" altLang="zh-CN" sz="2000" b="1" i="1" baseline="-25000">
+                <a:latin typeface="Times New Roman" pitchFamily="18" charset="0"/>
+              </a:rPr>
+              <a:t>j1</a:t>
+            </a:r>
+            <a:r>
+              <a:rPr lang="en-US" altLang="zh-CN" sz="2000" b="1" i="1" baseline="30000">
+                <a:latin typeface="Times New Roman" pitchFamily="18" charset="0"/>
+              </a:rPr>
+              <a:t>2  </a:t>
+            </a:r>
+            <a:r>
+              <a:rPr lang="en-US" altLang="zh-CN" sz="2000" b="1" i="1">
+                <a:latin typeface="Times New Roman" pitchFamily="18" charset="0"/>
+                <a:cs typeface="Times New Roman" pitchFamily="18" charset="0"/>
+              </a:rPr>
+              <a:t>√</a:t>
+            </a:r>
+            <a:r>
+              <a:rPr lang="en-US" altLang="zh-CN" sz="2000" b="1">
+                <a:latin typeface="Times New Roman" pitchFamily="18" charset="0"/>
+              </a:rPr>
+              <a:t>2 </a:t>
+            </a:r>
+            <a:r>
+              <a:rPr lang="en-US" altLang="zh-CN" sz="2000" b="1" i="1">
+                <a:latin typeface="Times New Roman" pitchFamily="18" charset="0"/>
+              </a:rPr>
+              <a:t>x</a:t>
+            </a:r>
+            <a:r>
+              <a:rPr lang="en-US" altLang="zh-CN" sz="2000" b="1" i="1" baseline="-25000">
+                <a:latin typeface="Times New Roman" pitchFamily="18" charset="0"/>
+              </a:rPr>
+              <a:t>j1</a:t>
+            </a:r>
+            <a:r>
+              <a:rPr lang="en-US" altLang="zh-CN" sz="2000" b="1" i="1">
+                <a:latin typeface="Times New Roman" pitchFamily="18" charset="0"/>
+              </a:rPr>
+              <a:t>x</a:t>
+            </a:r>
+            <a:r>
+              <a:rPr lang="en-US" altLang="zh-CN" sz="2000" b="1" i="1" baseline="-25000">
+                <a:latin typeface="Times New Roman" pitchFamily="18" charset="0"/>
+              </a:rPr>
+              <a:t>j2  </a:t>
+            </a:r>
+            <a:r>
+              <a:rPr lang="en-US" altLang="zh-CN" sz="2000" b="1" i="1">
+                <a:latin typeface="Times New Roman" pitchFamily="18" charset="0"/>
+              </a:rPr>
+              <a:t> x</a:t>
+            </a:r>
+            <a:r>
+              <a:rPr lang="en-US" altLang="zh-CN" sz="2000" b="1" i="1" baseline="-25000">
+                <a:latin typeface="Times New Roman" pitchFamily="18" charset="0"/>
+              </a:rPr>
+              <a:t>j2</a:t>
+            </a:r>
+            <a:r>
+              <a:rPr lang="en-US" altLang="zh-CN" sz="2000" b="1" i="1" baseline="30000">
+                <a:latin typeface="Times New Roman" pitchFamily="18" charset="0"/>
+              </a:rPr>
+              <a:t>2  </a:t>
+            </a:r>
+            <a:r>
+              <a:rPr lang="en-US" altLang="zh-CN" sz="2000" b="1" i="1">
+                <a:latin typeface="Times New Roman" pitchFamily="18" charset="0"/>
+                <a:cs typeface="Times New Roman" pitchFamily="18" charset="0"/>
+              </a:rPr>
+              <a:t>√</a:t>
+            </a:r>
+            <a:r>
+              <a:rPr lang="en-US" altLang="zh-CN" sz="2000" b="1">
+                <a:latin typeface="Times New Roman" pitchFamily="18" charset="0"/>
+              </a:rPr>
+              <a:t>2</a:t>
+            </a:r>
+            <a:r>
+              <a:rPr lang="en-US" altLang="zh-CN" sz="2000" b="1" i="1">
+                <a:latin typeface="Times New Roman" pitchFamily="18" charset="0"/>
+              </a:rPr>
+              <a:t>x</a:t>
+            </a:r>
+            <a:r>
+              <a:rPr lang="en-US" altLang="zh-CN" sz="2000" b="1" i="1" baseline="-25000">
+                <a:latin typeface="Times New Roman" pitchFamily="18" charset="0"/>
+              </a:rPr>
+              <a:t>j1  </a:t>
+            </a:r>
+            <a:r>
+              <a:rPr lang="en-US" altLang="zh-CN" sz="2000" b="1" i="1">
+                <a:latin typeface="Times New Roman" pitchFamily="18" charset="0"/>
+                <a:cs typeface="Times New Roman" pitchFamily="18" charset="0"/>
+              </a:rPr>
+              <a:t>√</a:t>
+            </a:r>
+            <a:r>
+              <a:rPr lang="en-US" altLang="zh-CN" sz="2000" b="1">
+                <a:latin typeface="Times New Roman" pitchFamily="18" charset="0"/>
+              </a:rPr>
+              <a:t>2</a:t>
+            </a:r>
+            <a:r>
+              <a:rPr lang="en-US" altLang="zh-CN" sz="2000" b="1" i="1">
+                <a:latin typeface="Times New Roman" pitchFamily="18" charset="0"/>
+              </a:rPr>
+              <a:t>x</a:t>
+            </a:r>
+            <a:r>
+              <a:rPr lang="en-US" altLang="zh-CN" sz="2000" b="1" i="1" baseline="-25000">
+                <a:latin typeface="Times New Roman" pitchFamily="18" charset="0"/>
+              </a:rPr>
+              <a:t>j2</a:t>
+            </a:r>
+            <a:r>
+              <a:rPr lang="en-US" altLang="zh-CN" sz="2000" b="1">
+                <a:latin typeface="Times New Roman" pitchFamily="18" charset="0"/>
+              </a:rPr>
+              <a:t>] </a:t>
+            </a:r>
+          </a:p>
+          <a:p>
+            <a:pPr marL="342900" indent="-342900">
+              <a:spcBef>
+                <a:spcPct val="20000"/>
+              </a:spcBef>
+              <a:buClr>
+                <a:schemeClr val="accent1"/>
+              </a:buClr>
+              <a:buSzPct val="65000"/>
+              <a:buFont typeface="Wingdings" pitchFamily="2" charset="2"/>
+              <a:buNone/>
+            </a:pPr>
+            <a:r>
+              <a:rPr lang="en-US" altLang="zh-CN" sz="2000" b="1">
+                <a:latin typeface="Times New Roman" pitchFamily="18" charset="0"/>
+              </a:rPr>
+              <a:t>	      = </a:t>
+            </a:r>
+            <a:r>
+              <a:rPr lang="el-GR" sz="2000" b="1">
+                <a:latin typeface="Times New Roman" pitchFamily="18" charset="0"/>
+                <a:cs typeface="Times New Roman" pitchFamily="18" charset="0"/>
+              </a:rPr>
+              <a:t>φ</a:t>
+            </a:r>
+            <a:r>
+              <a:rPr lang="en-US" altLang="zh-CN" sz="2000" b="1">
+                <a:latin typeface="Times New Roman" pitchFamily="18" charset="0"/>
+              </a:rPr>
+              <a:t>(x</a:t>
+            </a:r>
+            <a:r>
+              <a:rPr lang="en-US" altLang="zh-CN" sz="2000" b="1" baseline="-25000">
+                <a:latin typeface="Times New Roman" pitchFamily="18" charset="0"/>
+              </a:rPr>
+              <a:t>i</a:t>
+            </a:r>
+            <a:r>
+              <a:rPr lang="en-US" altLang="zh-CN" sz="2000" b="1">
+                <a:latin typeface="Times New Roman" pitchFamily="18" charset="0"/>
+              </a:rPr>
+              <a:t>)</a:t>
+            </a:r>
+            <a:r>
+              <a:rPr lang="en-US" altLang="zh-CN" sz="2000" b="1" baseline="-25000">
+                <a:latin typeface="Times New Roman" pitchFamily="18" charset="0"/>
+              </a:rPr>
+              <a:t> </a:t>
+            </a:r>
+            <a:r>
+              <a:rPr lang="en-US" altLang="zh-CN" sz="2000" b="1" baseline="30000">
+                <a:latin typeface="Times New Roman" pitchFamily="18" charset="0"/>
+              </a:rPr>
+              <a:t>T</a:t>
+            </a:r>
+            <a:r>
+              <a:rPr lang="el-GR" sz="2000" b="1">
+                <a:latin typeface="Times New Roman" pitchFamily="18" charset="0"/>
+                <a:cs typeface="Times New Roman" pitchFamily="18" charset="0"/>
+              </a:rPr>
+              <a:t>φ</a:t>
+            </a:r>
+            <a:r>
+              <a:rPr lang="en-US" altLang="zh-CN" sz="2000" b="1">
+                <a:latin typeface="Times New Roman" pitchFamily="18" charset="0"/>
+              </a:rPr>
+              <a:t>(x</a:t>
+            </a:r>
+            <a:r>
+              <a:rPr lang="en-US" altLang="zh-CN" sz="2000" b="1" baseline="-25000">
+                <a:latin typeface="Times New Roman" pitchFamily="18" charset="0"/>
+              </a:rPr>
+              <a:t>j</a:t>
+            </a:r>
+            <a:r>
+              <a:rPr lang="en-US" altLang="zh-CN" sz="2000" b="1">
+                <a:latin typeface="Times New Roman" pitchFamily="18" charset="0"/>
+              </a:rPr>
+              <a:t>),    </a:t>
+            </a:r>
+            <a:r>
+              <a:rPr lang="en-US" altLang="zh-CN" sz="2000"/>
+              <a:t>where</a:t>
+            </a:r>
+            <a:r>
+              <a:rPr lang="en-US" altLang="zh-CN" sz="2000" b="1">
+                <a:latin typeface="Times New Roman" pitchFamily="18" charset="0"/>
+              </a:rPr>
+              <a:t> </a:t>
+            </a:r>
+            <a:r>
+              <a:rPr lang="el-GR" sz="2000" b="1">
+                <a:latin typeface="Times New Roman" pitchFamily="18" charset="0"/>
+                <a:cs typeface="Times New Roman" pitchFamily="18" charset="0"/>
+              </a:rPr>
+              <a:t>φ</a:t>
+            </a:r>
+            <a:r>
+              <a:rPr lang="en-US" altLang="zh-CN" sz="2000" b="1">
+                <a:latin typeface="Times New Roman" pitchFamily="18" charset="0"/>
+              </a:rPr>
+              <a:t>(x) = </a:t>
+            </a:r>
+            <a:r>
+              <a:rPr lang="en-US" altLang="zh-CN" sz="2000" b="1" baseline="-25000">
+                <a:latin typeface="Times New Roman" pitchFamily="18" charset="0"/>
+              </a:rPr>
+              <a:t> </a:t>
+            </a:r>
+            <a:r>
+              <a:rPr lang="en-US" altLang="zh-CN" sz="2000" b="1">
+                <a:latin typeface="Times New Roman" pitchFamily="18" charset="0"/>
+              </a:rPr>
+              <a:t>[1  </a:t>
+            </a:r>
+            <a:r>
+              <a:rPr lang="en-US" altLang="zh-CN" sz="2000" b="1" i="1">
+                <a:latin typeface="Times New Roman" pitchFamily="18" charset="0"/>
+              </a:rPr>
+              <a:t>x</a:t>
+            </a:r>
+            <a:r>
+              <a:rPr lang="en-US" altLang="zh-CN" sz="2000" b="1" i="1" baseline="-25000">
+                <a:latin typeface="Times New Roman" pitchFamily="18" charset="0"/>
+              </a:rPr>
+              <a:t>1</a:t>
+            </a:r>
+            <a:r>
+              <a:rPr lang="en-US" altLang="zh-CN" sz="2000" b="1" i="1" baseline="30000">
+                <a:latin typeface="Times New Roman" pitchFamily="18" charset="0"/>
+              </a:rPr>
+              <a:t>2  </a:t>
+            </a:r>
+            <a:r>
+              <a:rPr lang="en-US" altLang="zh-CN" sz="2000" b="1" i="1">
+                <a:latin typeface="Times New Roman" pitchFamily="18" charset="0"/>
+                <a:cs typeface="Times New Roman" pitchFamily="18" charset="0"/>
+              </a:rPr>
+              <a:t>√</a:t>
+            </a:r>
+            <a:r>
+              <a:rPr lang="en-US" altLang="zh-CN" sz="2000" b="1">
+                <a:latin typeface="Times New Roman" pitchFamily="18" charset="0"/>
+              </a:rPr>
+              <a:t>2 </a:t>
+            </a:r>
+            <a:r>
+              <a:rPr lang="en-US" altLang="zh-CN" sz="2000" b="1" i="1">
+                <a:latin typeface="Times New Roman" pitchFamily="18" charset="0"/>
+              </a:rPr>
+              <a:t>x</a:t>
+            </a:r>
+            <a:r>
+              <a:rPr lang="en-US" altLang="zh-CN" sz="2000" b="1" i="1" baseline="-25000">
+                <a:latin typeface="Times New Roman" pitchFamily="18" charset="0"/>
+              </a:rPr>
+              <a:t>1</a:t>
+            </a:r>
+            <a:r>
+              <a:rPr lang="en-US" altLang="zh-CN" sz="2000" b="1" i="1">
+                <a:latin typeface="Times New Roman" pitchFamily="18" charset="0"/>
+              </a:rPr>
+              <a:t>x</a:t>
+            </a:r>
+            <a:r>
+              <a:rPr lang="en-US" altLang="zh-CN" sz="2000" b="1" i="1" baseline="-25000">
+                <a:latin typeface="Times New Roman" pitchFamily="18" charset="0"/>
+              </a:rPr>
+              <a:t>2  </a:t>
+            </a:r>
+            <a:r>
+              <a:rPr lang="en-US" altLang="zh-CN" sz="2000" b="1" i="1">
+                <a:latin typeface="Times New Roman" pitchFamily="18" charset="0"/>
+              </a:rPr>
+              <a:t> x</a:t>
+            </a:r>
+            <a:r>
+              <a:rPr lang="en-US" altLang="zh-CN" sz="2000" b="1" i="1" baseline="-25000">
+                <a:latin typeface="Times New Roman" pitchFamily="18" charset="0"/>
+              </a:rPr>
+              <a:t>2</a:t>
+            </a:r>
+            <a:r>
+              <a:rPr lang="en-US" altLang="zh-CN" sz="2000" b="1" i="1" baseline="30000">
+                <a:latin typeface="Times New Roman" pitchFamily="18" charset="0"/>
+              </a:rPr>
+              <a:t>2   </a:t>
+            </a:r>
+            <a:r>
+              <a:rPr lang="en-US" altLang="zh-CN" sz="2000" b="1" i="1">
+                <a:latin typeface="Times New Roman" pitchFamily="18" charset="0"/>
+                <a:cs typeface="Times New Roman" pitchFamily="18" charset="0"/>
+              </a:rPr>
+              <a:t>√</a:t>
+            </a:r>
+            <a:r>
+              <a:rPr lang="en-US" altLang="zh-CN" sz="2000" b="1">
+                <a:latin typeface="Times New Roman" pitchFamily="18" charset="0"/>
+              </a:rPr>
+              <a:t>2</a:t>
+            </a:r>
+            <a:r>
+              <a:rPr lang="en-US" altLang="zh-CN" sz="2000" b="1" i="1">
+                <a:latin typeface="Times New Roman" pitchFamily="18" charset="0"/>
+              </a:rPr>
+              <a:t>x</a:t>
+            </a:r>
+            <a:r>
+              <a:rPr lang="en-US" altLang="zh-CN" sz="2000" b="1" i="1" baseline="-25000">
+                <a:latin typeface="Times New Roman" pitchFamily="18" charset="0"/>
+              </a:rPr>
+              <a:t>1  </a:t>
+            </a:r>
+            <a:r>
+              <a:rPr lang="en-US" altLang="zh-CN" sz="2000" b="1" i="1">
+                <a:latin typeface="Times New Roman" pitchFamily="18" charset="0"/>
+                <a:cs typeface="Times New Roman" pitchFamily="18" charset="0"/>
+              </a:rPr>
+              <a:t>√</a:t>
+            </a:r>
+            <a:r>
+              <a:rPr lang="en-US" altLang="zh-CN" sz="2000" b="1">
+                <a:latin typeface="Times New Roman" pitchFamily="18" charset="0"/>
+              </a:rPr>
+              <a:t>2</a:t>
+            </a:r>
+            <a:r>
+              <a:rPr lang="en-US" altLang="zh-CN" sz="2000" b="1" i="1">
+                <a:latin typeface="Times New Roman" pitchFamily="18" charset="0"/>
+              </a:rPr>
+              <a:t>x</a:t>
+            </a:r>
+            <a:r>
+              <a:rPr lang="en-US" altLang="zh-CN" sz="2000" b="1" i="1" baseline="-25000">
+                <a:latin typeface="Times New Roman" pitchFamily="18" charset="0"/>
+              </a:rPr>
+              <a:t>2</a:t>
+            </a:r>
+            <a:r>
+              <a:rPr lang="en-US" altLang="zh-CN" sz="2000" b="1">
+                <a:latin typeface="Times New Roman" pitchFamily="18" charset="0"/>
+              </a:rPr>
+              <a:t>]</a:t>
+            </a:r>
+          </a:p>
+          <a:p>
+            <a:pPr marL="342900" indent="-342900">
+              <a:spcBef>
+                <a:spcPct val="20000"/>
+              </a:spcBef>
+              <a:buClr>
+                <a:schemeClr val="accent1"/>
+              </a:buClr>
+              <a:buSzPct val="65000"/>
+              <a:buFont typeface="Wingdings" pitchFamily="2" charset="2"/>
+              <a:buNone/>
+            </a:pPr>
+            <a:endParaRPr lang="el-GR" sz="2000" b="1">
+              <a:latin typeface="Times New Roman" pitchFamily="18" charset="0"/>
+            </a:endParaRPr>
+          </a:p>
+        </p:txBody>
+      </p:sp>
+      <p:sp>
+        <p:nvSpPr>
+          <p:cNvPr id="98308" name="Rectangle 4"/>
+          <p:cNvSpPr>
+            <a:spLocks noChangeArrowheads="1"/>
+          </p:cNvSpPr>
+          <p:nvPr/>
+        </p:nvSpPr>
+        <p:spPr bwMode="auto">
+          <a:xfrm>
+            <a:off x="381000" y="1066800"/>
+            <a:ext cx="8229600" cy="533400"/>
+          </a:xfrm>
+          <a:prstGeom prst="rect">
+            <a:avLst/>
+          </a:prstGeom>
+          <a:noFill/>
+          <a:ln>
+            <a:noFill/>
+          </a:ln>
+          <a:effectLst/>
+          <a:extLst>
+            <a:ext uri="{909E8E84-426E-40DD-AFC4-6F175D3DCCD1}">
+              <a14:hiddenFill xmlns:a14="http://schemas.microsoft.com/office/drawing/2010/main">
+                <a:solidFill>
+                  <a:schemeClr val="accent1"/>
+                </a:solidFill>
+              </a14:hiddenFill>
+            </a:ext>
+            <a:ext uri="{91240B29-F687-4F45-9708-019B960494DF}">
+              <a14:hiddenLine xmlns:a14="http://schemas.microsoft.com/office/drawing/2010/main" w="9525">
+                <a:solidFill>
+                  <a:schemeClr val="tx1"/>
+                </a:solidFill>
+                <a:miter lim="800000"/>
+                <a:headEnd/>
+                <a:tailEnd/>
+              </a14:hiddenLine>
+            </a:ext>
+            <a:ext uri="{AF507438-7753-43E0-B8FC-AC1667EBCBE1}">
+              <a14:hiddenEffects xmlns:a14="http://schemas.microsoft.com/office/drawing/2010/main">
+                <a:effectLst>
+                  <a:outerShdw dist="35921" dir="2700000" algn="ctr" rotWithShape="0">
+                    <a:schemeClr val="bg2"/>
+                  </a:outerShdw>
+                </a:effectLst>
+              </a14:hiddenEffects>
+            </a:ext>
+          </a:extLst>
+        </p:spPr>
+        <p:txBody>
+          <a:bodyPr/>
+          <a:lstStyle/>
+          <a:p>
+            <a:pPr marL="342900" indent="-342900">
+              <a:spcBef>
+                <a:spcPct val="20000"/>
+              </a:spcBef>
+              <a:buClr>
+                <a:schemeClr val="accent1"/>
+              </a:buClr>
+              <a:buSzPct val="65000"/>
+              <a:buFont typeface="Wingdings" pitchFamily="2" charset="2"/>
+              <a:buChar char="n"/>
+            </a:pPr>
+            <a:r>
+              <a:rPr lang="en-US" altLang="zh-CN" sz="2200"/>
+              <a:t>An example:</a:t>
+            </a:r>
+          </a:p>
+        </p:txBody>
+      </p:sp>
+      <p:sp>
+        <p:nvSpPr>
+          <p:cNvPr id="98314" name="Text Box 10"/>
+          <p:cNvSpPr txBox="1">
+            <a:spLocks noChangeArrowheads="1"/>
+          </p:cNvSpPr>
+          <p:nvPr/>
+        </p:nvSpPr>
+        <p:spPr bwMode="auto">
+          <a:xfrm>
+            <a:off x="446088" y="6335713"/>
+            <a:ext cx="7478712" cy="304800"/>
+          </a:xfrm>
+          <a:prstGeom prst="rect">
+            <a:avLst/>
+          </a:prstGeom>
+          <a:noFill/>
+          <a:ln>
+            <a:noFill/>
+          </a:ln>
+          <a:effectLst/>
+          <a:extLst>
+            <a:ext uri="{909E8E84-426E-40DD-AFC4-6F175D3DCCD1}">
+              <a14:hiddenFill xmlns:a14="http://schemas.microsoft.com/office/drawing/2010/main">
+                <a:solidFill>
+                  <a:schemeClr val="accent1"/>
+                </a:solidFill>
+              </a14:hiddenFill>
+            </a:ext>
+            <a:ext uri="{91240B29-F687-4F45-9708-019B960494DF}">
+              <a14:hiddenLine xmlns:a14="http://schemas.microsoft.com/office/drawing/2010/main" w="9525">
+                <a:solidFill>
+                  <a:schemeClr val="tx1"/>
+                </a:solidFill>
+                <a:miter lim="800000"/>
+                <a:headEnd/>
+                <a:tailEnd/>
+              </a14:hiddenLine>
+            </a:ext>
+            <a:ext uri="{AF507438-7753-43E0-B8FC-AC1667EBCBE1}">
+              <a14:hiddenEffects xmlns:a14="http://schemas.microsoft.com/office/drawing/2010/main">
+                <a:effectLst>
+                  <a:outerShdw dist="35921" dir="2700000" algn="ctr" rotWithShape="0">
+                    <a:schemeClr val="bg2"/>
+                  </a:outerShdw>
+                </a:effectLst>
+              </a14:hiddenEffects>
+            </a:ext>
+          </a:extLst>
+        </p:spPr>
+        <p:txBody>
+          <a:bodyPr wrap="none">
+            <a:spAutoFit/>
+          </a:bodyPr>
+          <a:lstStyle/>
+          <a:p>
+            <a:r>
+              <a:rPr lang="en-US" sz="1400"/>
+              <a:t>This slide is courtesy of </a:t>
+            </a:r>
+            <a:r>
+              <a:rPr lang="en-US" sz="1400" i="1"/>
+              <a:t>www.iro.umontreal.ca/~pift6080/documents/papers/</a:t>
+            </a:r>
+            <a:r>
+              <a:rPr lang="en-US" sz="1400" b="1" i="1"/>
+              <a:t>svm</a:t>
+            </a:r>
+            <a:r>
+              <a:rPr lang="en-US" sz="1400" i="1"/>
+              <a:t>_tutorial.</a:t>
+            </a:r>
+            <a:r>
+              <a:rPr lang="en-US" sz="1400" b="1" i="1"/>
+              <a:t>ppt</a:t>
+            </a:r>
+            <a:r>
+              <a:rPr lang="en-US" sz="1400"/>
+              <a:t> </a:t>
+            </a:r>
+          </a:p>
+        </p:txBody>
+      </p:sp>
+    </p:spTree>
+    <p:extLst>
+      <p:ext uri="{BB962C8B-B14F-4D97-AF65-F5344CB8AC3E}">
+        <p14:creationId xmlns:p14="http://schemas.microsoft.com/office/powerpoint/2010/main" val="2173582885"/>
+      </p:ext>
+    </p:extLst>
+  </p:cSld>
+  <p:clrMapOvr>
+    <a:masterClrMapping/>
+  </p:clrMapOvr>
+  <p:timing>
+    <p:tnLst>
+      <p:par>
+        <p:cTn id="1" dur="indefinite" restart="never" nodeType="tmRoot">
+          <p:childTnLst>
+            <p:seq concurrent="1" nextAc="seek">
+              <p:cTn id="2" dur="indefinite" nodeType="mainSeq">
+                <p:childTnLst>
+                  <p:par>
+                    <p:cTn id="3" fill="hold" nodeType="clickPar">
+                      <p:stCondLst>
+                        <p:cond delay="indefinite"/>
+                      </p:stCondLst>
+                      <p:childTnLst>
+                        <p:par>
+                          <p:cTn id="4" fill="hold" nodeType="withGroup">
+                            <p:stCondLst>
+                              <p:cond delay="0"/>
+                            </p:stCondLst>
+                            <p:childTnLst>
+                              <p:par>
+                                <p:cTn id="5" presetID="1" presetClass="entr" presetSubtype="0" fill="hold" nodeType="clickEffect">
+                                  <p:stCondLst>
+                                    <p:cond delay="0"/>
+                                  </p:stCondLst>
+                                  <p:childTnLst>
+                                    <p:set>
+                                      <p:cBhvr>
+                                        <p:cTn id="6" dur="1" fill="hold">
+                                          <p:stCondLst>
+                                            <p:cond delay="0"/>
+                                          </p:stCondLst>
+                                        </p:cTn>
+                                        <p:tgtEl>
+                                          <p:spTgt spid="98307">
+                                            <p:txEl>
+                                              <p:pRg st="2" end="2"/>
+                                            </p:txEl>
+                                          </p:spTgt>
+                                        </p:tgtEl>
+                                        <p:attrNameLst>
+                                          <p:attrName>style.visibility</p:attrName>
+                                        </p:attrNameLst>
+                                      </p:cBhvr>
+                                      <p:to>
+                                        <p:strVal val="visible"/>
+                                      </p:to>
+                                    </p:set>
+                                  </p:childTnLst>
+                                </p:cTn>
+                              </p:par>
+                            </p:childTnLst>
+                          </p:cTn>
+                        </p:par>
+                      </p:childTnLst>
+                    </p:cTn>
+                  </p:par>
+                  <p:par>
+                    <p:cTn id="7" fill="hold" nodeType="clickPar">
+                      <p:stCondLst>
+                        <p:cond delay="indefinite"/>
+                      </p:stCondLst>
+                      <p:childTnLst>
+                        <p:par>
+                          <p:cTn id="8" fill="hold" nodeType="withGroup">
+                            <p:stCondLst>
+                              <p:cond delay="0"/>
+                            </p:stCondLst>
+                            <p:childTnLst>
+                              <p:par>
+                                <p:cTn id="9" presetID="1" presetClass="entr" presetSubtype="0" fill="hold" nodeType="clickEffect">
+                                  <p:stCondLst>
+                                    <p:cond delay="0"/>
+                                  </p:stCondLst>
+                                  <p:childTnLst>
+                                    <p:set>
+                                      <p:cBhvr>
+                                        <p:cTn id="10" dur="1" fill="hold">
+                                          <p:stCondLst>
+                                            <p:cond delay="0"/>
+                                          </p:stCondLst>
+                                        </p:cTn>
+                                        <p:tgtEl>
+                                          <p:spTgt spid="98307">
+                                            <p:txEl>
+                                              <p:pRg st="4" end="4"/>
+                                            </p:txEl>
+                                          </p:spTgt>
+                                        </p:tgtEl>
+                                        <p:attrNameLst>
+                                          <p:attrName>style.visibility</p:attrName>
+                                        </p:attrNameLst>
+                                      </p:cBhvr>
+                                      <p:to>
+                                        <p:strVal val="visible"/>
+                                      </p:to>
+                                    </p:set>
+                                  </p:childTnLst>
+                                </p:cTn>
+                              </p:par>
+                            </p:childTnLst>
+                          </p:cTn>
+                        </p:par>
+                      </p:childTnLst>
+                    </p:cTn>
+                  </p:par>
+                  <p:par>
+                    <p:cTn id="11" fill="hold" nodeType="clickPar">
+                      <p:stCondLst>
+                        <p:cond delay="indefinite"/>
+                      </p:stCondLst>
+                      <p:childTnLst>
+                        <p:par>
+                          <p:cTn id="12" fill="hold" nodeType="withGroup">
+                            <p:stCondLst>
+                              <p:cond delay="0"/>
+                            </p:stCondLst>
+                            <p:childTnLst>
+                              <p:par>
+                                <p:cTn id="13" presetID="1" presetClass="entr" presetSubtype="0" fill="hold" nodeType="clickEffect">
+                                  <p:stCondLst>
+                                    <p:cond delay="0"/>
+                                  </p:stCondLst>
+                                  <p:childTnLst>
+                                    <p:set>
+                                      <p:cBhvr>
+                                        <p:cTn id="14" dur="1" fill="hold">
+                                          <p:stCondLst>
+                                            <p:cond delay="0"/>
+                                          </p:stCondLst>
+                                        </p:cTn>
+                                        <p:tgtEl>
+                                          <p:spTgt spid="98307">
+                                            <p:txEl>
+                                              <p:pRg st="6" end="6"/>
+                                            </p:txEl>
+                                          </p:spTgt>
+                                        </p:tgtEl>
+                                        <p:attrNameLst>
+                                          <p:attrName>style.visibility</p:attrName>
+                                        </p:attrNameLst>
+                                      </p:cBhvr>
+                                      <p:to>
+                                        <p:strVal val="visible"/>
+                                      </p:to>
+                                    </p:set>
+                                  </p:childTnLst>
+                                </p:cTn>
+                              </p:par>
+                              <p:par>
+                                <p:cTn id="15" presetID="1" presetClass="entr" presetSubtype="0" fill="hold" nodeType="withEffect">
+                                  <p:stCondLst>
+                                    <p:cond delay="0"/>
+                                  </p:stCondLst>
+                                  <p:childTnLst>
+                                    <p:set>
+                                      <p:cBhvr>
+                                        <p:cTn id="16" dur="1" fill="hold">
+                                          <p:stCondLst>
+                                            <p:cond delay="0"/>
+                                          </p:stCondLst>
+                                        </p:cTn>
+                                        <p:tgtEl>
+                                          <p:spTgt spid="98307">
+                                            <p:txEl>
+                                              <p:pRg st="7" end="7"/>
+                                            </p:txEl>
+                                          </p:spTgt>
+                                        </p:tgtEl>
+                                        <p:attrNameLst>
+                                          <p:attrName>style.visibility</p:attrName>
+                                        </p:attrNameLst>
+                                      </p:cBhvr>
+                                      <p:to>
+                                        <p:strVal val="visible"/>
+                                      </p:to>
+                                    </p:set>
+                                  </p:childTnLst>
+                                </p:cTn>
+                              </p:par>
+                            </p:childTnLst>
+                          </p:cTn>
+                        </p:par>
+                      </p:childTnLst>
+                    </p:cTn>
+                  </p:par>
+                  <p:par>
+                    <p:cTn id="17" fill="hold" nodeType="clickPar">
+                      <p:stCondLst>
+                        <p:cond delay="indefinite"/>
+                      </p:stCondLst>
+                      <p:childTnLst>
+                        <p:par>
+                          <p:cTn id="18" fill="hold" nodeType="withGroup">
+                            <p:stCondLst>
+                              <p:cond delay="0"/>
+                            </p:stCondLst>
+                            <p:childTnLst>
+                              <p:par>
+                                <p:cTn id="19" presetID="1" presetClass="entr" presetSubtype="0" fill="hold" nodeType="clickEffect">
+                                  <p:stCondLst>
+                                    <p:cond delay="0"/>
+                                  </p:stCondLst>
+                                  <p:childTnLst>
+                                    <p:set>
+                                      <p:cBhvr>
+                                        <p:cTn id="20" dur="1" fill="hold">
+                                          <p:stCondLst>
+                                            <p:cond delay="0"/>
+                                          </p:stCondLst>
+                                        </p:cTn>
+                                        <p:tgtEl>
+                                          <p:spTgt spid="98307">
+                                            <p:txEl>
+                                              <p:pRg st="8" end="8"/>
+                                            </p:txEl>
+                                          </p:spTgt>
+                                        </p:tgtEl>
+                                        <p:attrNameLst>
+                                          <p:attrName>style.visibility</p:attrName>
+                                        </p:attrNameLst>
+                                      </p:cBhvr>
+                                      <p:to>
+                                        <p:strVal val="visible"/>
+                                      </p:to>
+                                    </p:set>
+                                  </p:childTnLst>
+                                </p:cTn>
+                              </p:par>
+                              <p:par>
+                                <p:cTn id="21" presetID="1" presetClass="entr" presetSubtype="0" fill="hold" nodeType="withEffect">
+                                  <p:stCondLst>
+                                    <p:cond delay="0"/>
+                                  </p:stCondLst>
+                                  <p:childTnLst>
+                                    <p:set>
+                                      <p:cBhvr>
+                                        <p:cTn id="22" dur="1" fill="hold">
+                                          <p:stCondLst>
+                                            <p:cond delay="0"/>
+                                          </p:stCondLst>
+                                        </p:cTn>
+                                        <p:tgtEl>
+                                          <p:spTgt spid="98307">
+                                            <p:txEl>
+                                              <p:pRg st="9" end="9"/>
+                                            </p:txEl>
+                                          </p:spTgt>
+                                        </p:tgtEl>
+                                        <p:attrNameLst>
+                                          <p:attrName>style.visibility</p:attrName>
+                                        </p:attrNameLst>
+                                      </p:cBhvr>
+                                      <p:to>
+                                        <p:strVal val="visible"/>
+                                      </p:to>
+                                    </p:set>
+                                  </p:childTnLst>
+                                </p:cTn>
+                              </p:par>
+                            </p:childTnLst>
+                          </p:cTn>
+                        </p:par>
+                      </p:childTnLst>
+                    </p:cTn>
+                  </p:par>
+                </p:childTnLst>
+              </p:cTn>
+              <p:prevCondLst>
+                <p:cond evt="onPrev" delay="0">
+                  <p:tgtEl>
+                    <p:sldTgt/>
+                  </p:tgtEl>
+                </p:cond>
+              </p:prevCondLst>
+              <p:nextCondLst>
+                <p:cond evt="onNext" delay="0">
+                  <p:tgtEl>
+                    <p:sldTgt/>
+                  </p:tgtEl>
+                </p:cond>
+              </p:nextCondLst>
+            </p:seq>
+          </p:childTnLst>
+        </p:cTn>
+      </p:par>
+    </p:tnLst>
+  </p:timing>
+</p:sld>
+</file>
+
+<file path=ppt/slides/slide11.xml><?xml version="1.0" encoding="utf-8"?>
 <p:sld xmlns:a="http://schemas.openxmlformats.org/drawingml/2006/main" xmlns:r="http://schemas.openxmlformats.org/officeDocument/2006/relationships" xmlns:p="http://schemas.openxmlformats.org/presentationml/2006/main">
   <p:cSld>
     <p:spTree>
@@ -3358,7 +5501,7 @@
           <a:graphicData uri="http://schemas.openxmlformats.org/presentationml/2006/ole">
             <mc:AlternateContent xmlns:mc="http://schemas.openxmlformats.org/markup-compatibility/2006">
               <mc:Choice xmlns:v="urn:schemas-microsoft-com:vml" Requires="v">
-                <p:oleObj spid="_x0000_s2074" name="Equation" r:id="rId3" imgW="1765080" imgH="482400" progId="Equation.DSMT4">
+                <p:oleObj spid="_x0000_s2098" name="Equation" r:id="rId3" imgW="1765080" imgH="482400" progId="Equation.DSMT4">
                   <p:embed/>
                 </p:oleObj>
               </mc:Choice>
@@ -3451,7 +5594,7 @@
           <a:graphicData uri="http://schemas.openxmlformats.org/presentationml/2006/ole">
             <mc:AlternateContent xmlns:mc="http://schemas.openxmlformats.org/markup-compatibility/2006">
               <mc:Choice xmlns:v="urn:schemas-microsoft-com:vml" Requires="v">
-                <p:oleObj spid="_x0000_s2075" name="Equation" r:id="rId5" imgW="1028520" imgH="253800" progId="Equation.DSMT4">
+                <p:oleObj spid="_x0000_s2099" name="Equation" r:id="rId5" imgW="1028520" imgH="253800" progId="Equation.DSMT4">
                   <p:embed/>
                 </p:oleObj>
               </mc:Choice>
@@ -3544,7 +5687,7 @@
           <a:graphicData uri="http://schemas.openxmlformats.org/presentationml/2006/ole">
             <mc:AlternateContent xmlns:mc="http://schemas.openxmlformats.org/markup-compatibility/2006">
               <mc:Choice xmlns:v="urn:schemas-microsoft-com:vml" Requires="v">
-                <p:oleObj spid="_x0000_s2076" name="Equation" r:id="rId7" imgW="1396800" imgH="253800" progId="Equation.DSMT4">
+                <p:oleObj spid="_x0000_s2100" name="Equation" r:id="rId7" imgW="1396800" imgH="253800" progId="Equation.DSMT4">
                   <p:embed/>
                 </p:oleObj>
               </mc:Choice>
@@ -3637,7 +5780,7 @@
           <a:graphicData uri="http://schemas.openxmlformats.org/presentationml/2006/ole">
             <mc:AlternateContent xmlns:mc="http://schemas.openxmlformats.org/markup-compatibility/2006">
               <mc:Choice xmlns:v="urn:schemas-microsoft-com:vml" Requires="v">
-                <p:oleObj spid="_x0000_s2077" name="Equation" r:id="rId9" imgW="1828800" imgH="253800" progId="Equation.DSMT4">
+                <p:oleObj spid="_x0000_s2101" name="Equation" r:id="rId9" imgW="1828800" imgH="253800" progId="Equation.DSMT4">
                   <p:embed/>
                 </p:oleObj>
               </mc:Choice>
@@ -4475,123 +6618,6 @@
 </p:sld>
 </file>
 
-<file path=ppt/slides/slide11.xml><?xml version="1.0" encoding="utf-8"?>
-<p:sld xmlns:a="http://schemas.openxmlformats.org/drawingml/2006/main" xmlns:r="http://schemas.openxmlformats.org/officeDocument/2006/relationships" xmlns:p="http://schemas.openxmlformats.org/presentationml/2006/main">
-  <p:cSld>
-    <p:spTree>
-      <p:nvGrpSpPr>
-        <p:cNvPr id="1" name=""/>
-        <p:cNvGrpSpPr/>
-        <p:nvPr/>
-      </p:nvGrpSpPr>
-      <p:grpSpPr>
-        <a:xfrm>
-          <a:off x="0" y="0"/>
-          <a:ext cx="0" cy="0"/>
-          <a:chOff x="0" y="0"/>
-          <a:chExt cx="0" cy="0"/>
-        </a:xfrm>
-      </p:grpSpPr>
-      <p:sp>
-        <p:nvSpPr>
-          <p:cNvPr id="2" name="Title 1"/>
-          <p:cNvSpPr>
-            <a:spLocks noGrp="1"/>
-          </p:cNvSpPr>
-          <p:nvPr>
-            <p:ph type="title"/>
-          </p:nvPr>
-        </p:nvSpPr>
-        <p:spPr/>
-        <p:txBody>
-          <a:bodyPr/>
-          <a:lstStyle/>
-          <a:p>
-            <a:r>
-              <a:rPr lang="en-US" dirty="0" smtClean="0"/>
-              <a:t>Sequence Metric - DTW</a:t>
-            </a:r>
-            <a:endParaRPr lang="en-GB" dirty="0"/>
-          </a:p>
-        </p:txBody>
-      </p:sp>
-      <p:sp>
-        <p:nvSpPr>
-          <p:cNvPr id="3" name="Content Placeholder 2"/>
-          <p:cNvSpPr>
-            <a:spLocks noGrp="1"/>
-          </p:cNvSpPr>
-          <p:nvPr>
-            <p:ph idx="1"/>
-          </p:nvPr>
-        </p:nvSpPr>
-        <p:spPr/>
-        <p:txBody>
-          <a:bodyPr>
-            <a:normAutofit/>
-          </a:bodyPr>
-          <a:lstStyle/>
-          <a:p>
-            <a:r>
-              <a:rPr lang="en-US" dirty="0" smtClean="0"/>
-              <a:t>Measuring </a:t>
-            </a:r>
-            <a:r>
-              <a:rPr lang="en-US" smtClean="0"/>
-              <a:t>sequences differences</a:t>
-            </a:r>
-          </a:p>
-          <a:p>
-            <a:r>
-              <a:rPr lang="en-US" dirty="0" smtClean="0"/>
-              <a:t>The Idea</a:t>
-            </a:r>
-          </a:p>
-          <a:p>
-            <a:r>
-              <a:rPr lang="en-US" dirty="0" smtClean="0"/>
-              <a:t>Implementation</a:t>
-            </a:r>
-          </a:p>
-          <a:p>
-            <a:r>
-              <a:rPr lang="en-US" dirty="0" smtClean="0"/>
-              <a:t>Examples</a:t>
-            </a:r>
-          </a:p>
-          <a:p>
-            <a:r>
-              <a:rPr lang="en-US" dirty="0" smtClean="0"/>
-              <a:t>Fast and restricted DTW</a:t>
-            </a:r>
-          </a:p>
-          <a:p>
-            <a:r>
-              <a:rPr lang="en-US" dirty="0" smtClean="0"/>
-              <a:t>Does not comply to the triangle inequality.</a:t>
-            </a:r>
-          </a:p>
-          <a:p>
-            <a:r>
-              <a:rPr lang="en-US" dirty="0" smtClean="0"/>
-              <a:t>Complexity analysis</a:t>
-            </a:r>
-          </a:p>
-        </p:txBody>
-      </p:sp>
-    </p:spTree>
-    <p:extLst>
-      <p:ext uri="{BB962C8B-B14F-4D97-AF65-F5344CB8AC3E}">
-        <p14:creationId xmlns:p14="http://schemas.microsoft.com/office/powerpoint/2010/main" val="82041224"/>
-      </p:ext>
-    </p:extLst>
-  </p:cSld>
-  <p:clrMapOvr>
-    <a:masterClrMapping/>
-  </p:clrMapOvr>
-</p:sld>
-</file>
-
 <file path=ppt/slides/slide12.xml><?xml version="1.0" encoding="utf-8"?>
 <p:sld xmlns:a="http://schemas.openxmlformats.org/drawingml/2006/main" xmlns:r="http://schemas.openxmlformats.org/officeDocument/2006/relationships" xmlns:p="http://schemas.openxmlformats.org/presentationml/2006/main">
   <p:cSld>
@@ -4625,12 +6651,8 @@
           <a:lstStyle/>
           <a:p>
             <a:r>
-              <a:rPr lang="en-US" dirty="0"/>
-              <a:t>Sequence </a:t>
-            </a:r>
-            <a:r>
               <a:rPr lang="en-US" dirty="0" smtClean="0"/>
-              <a:t>Metric - EMD</a:t>
+              <a:t>Sequence Metric - DTW</a:t>
             </a:r>
             <a:endParaRPr lang="en-GB" dirty="0"/>
           </a:p>
@@ -4648,18 +6670,54 @@
         </p:nvSpPr>
         <p:spPr/>
         <p:txBody>
-          <a:bodyPr/>
+          <a:bodyPr>
+            <a:normAutofit/>
+          </a:bodyPr>
           <a:lstStyle/>
           <a:p>
             <a:r>
               <a:rPr lang="en-US" dirty="0" smtClean="0"/>
-              <a:t>The same analysis as DTW</a:t>
+              <a:t>Measuring </a:t>
+            </a:r>
+            <a:r>
+              <a:rPr lang="en-US" smtClean="0"/>
+              <a:t>sequences differences</a:t>
             </a:r>
           </a:p>
           <a:p>
             <a:r>
               <a:rPr lang="en-US" dirty="0" smtClean="0"/>
-              <a:t>The embedding.</a:t>
+              <a:t>The Idea</a:t>
+            </a:r>
+          </a:p>
+          <a:p>
+            <a:r>
+              <a:rPr lang="en-US" dirty="0" smtClean="0"/>
+              <a:t>Implementation</a:t>
+            </a:r>
+          </a:p>
+          <a:p>
+            <a:r>
+              <a:rPr lang="en-US" dirty="0" smtClean="0"/>
+              <a:t>Examples</a:t>
+            </a:r>
+          </a:p>
+          <a:p>
+            <a:r>
+              <a:rPr lang="en-US" dirty="0" smtClean="0"/>
+              <a:t>Fast and restricted DTW</a:t>
+            </a:r>
+          </a:p>
+          <a:p>
+            <a:r>
+              <a:rPr lang="en-US" dirty="0" smtClean="0"/>
+              <a:t>Does not comply to the triangle inequality.</a:t>
+            </a:r>
+          </a:p>
+          <a:p>
+            <a:r>
+              <a:rPr lang="en-US" dirty="0" smtClean="0"/>
+              <a:t>Complexity analysis</a:t>
             </a:r>
           </a:p>
         </p:txBody>
@@ -4667,7 +6725,7 @@
     </p:spTree>
     <p:extLst>
       <p:ext uri="{BB962C8B-B14F-4D97-AF65-F5344CB8AC3E}">
-        <p14:creationId xmlns:p14="http://schemas.microsoft.com/office/powerpoint/2010/main" val="2125851530"/>
+        <p14:creationId xmlns:p14="http://schemas.microsoft.com/office/powerpoint/2010/main" val="82041224"/>
       </p:ext>
     </p:extLst>
   </p:cSld>
@@ -4710,8 +6768,12 @@
           <a:lstStyle/>
           <a:p>
             <a:r>
+              <a:rPr lang="en-US" dirty="0"/>
+              <a:t>Sequence </a:t>
+            </a:r>
+            <a:r>
               <a:rPr lang="en-US" dirty="0" smtClean="0"/>
-              <a:t>Feature</a:t>
+              <a:t>Metric - EMD</a:t>
             </a:r>
             <a:endParaRPr lang="en-GB" dirty="0"/>
           </a:p>
@@ -4734,28 +6796,21 @@
           <a:p>
             <a:r>
               <a:rPr lang="en-US" dirty="0" smtClean="0"/>
-              <a:t>Sequence</a:t>
+              <a:t>The same analysis as DTW</a:t>
             </a:r>
           </a:p>
           <a:p>
             <a:r>
               <a:rPr lang="en-US" dirty="0" smtClean="0"/>
-              <a:t>Shape Context</a:t>
-            </a:r>
-          </a:p>
-          <a:p>
-            <a:r>
-              <a:rPr lang="en-US" smtClean="0"/>
-              <a:t>MAD</a:t>
-            </a:r>
-            <a:endParaRPr lang="en-GB" dirty="0"/>
+              <a:t>The embedding.</a:t>
+            </a:r>
           </a:p>
         </p:txBody>
       </p:sp>
     </p:spTree>
     <p:extLst>
       <p:ext uri="{BB962C8B-B14F-4D97-AF65-F5344CB8AC3E}">
-        <p14:creationId xmlns:p14="http://schemas.microsoft.com/office/powerpoint/2010/main" val="4159515614"/>
+        <p14:creationId xmlns:p14="http://schemas.microsoft.com/office/powerpoint/2010/main" val="2125851530"/>
       </p:ext>
     </p:extLst>
   </p:cSld>
@@ -4794,14 +6849,12 @@
         </p:nvSpPr>
         <p:spPr/>
         <p:txBody>
-          <a:bodyPr>
-            <a:normAutofit/>
-          </a:bodyPr>
+          <a:bodyPr/>
           <a:lstStyle/>
           <a:p>
             <a:r>
               <a:rPr lang="en-US" dirty="0" smtClean="0"/>
-              <a:t>Online Arabic WP Recognition</a:t>
+              <a:t>Feature</a:t>
             </a:r>
             <a:endParaRPr lang="en-GB" dirty="0"/>
           </a:p>
@@ -4817,90 +6870,27 @@
             <p:ph idx="1"/>
           </p:nvPr>
         </p:nvSpPr>
-        <p:spPr>
-          <a:xfrm>
-            <a:off x="539552" y="1628800"/>
-            <a:ext cx="8229600" cy="4525963"/>
-          </a:xfrm>
-        </p:spPr>
+        <p:spPr/>
         <p:txBody>
-          <a:bodyPr>
-            <a:normAutofit lnSpcReduction="10000"/>
-          </a:bodyPr>
+          <a:bodyPr/>
           <a:lstStyle/>
           <a:p>
             <a:r>
               <a:rPr lang="en-US" dirty="0" smtClean="0"/>
-              <a:t>Letter Sample Collection and Storing </a:t>
+              <a:t>Sequence</a:t>
             </a:r>
           </a:p>
           <a:p>
             <a:r>
               <a:rPr lang="en-US" dirty="0" smtClean="0"/>
-              <a:t>Word Part Generation</a:t>
-            </a:r>
-          </a:p>
-          <a:p>
-            <a:r>
-              <a:rPr lang="en-US" dirty="0" smtClean="0"/>
-              <a:t>Letter Sample Processing</a:t>
-            </a:r>
-          </a:p>
-          <a:p>
-            <a:pPr lvl="1"/>
-            <a:r>
-              <a:rPr lang="en-US" dirty="0" smtClean="0"/>
-              <a:t>Simplification</a:t>
-            </a:r>
-          </a:p>
-          <a:p>
-            <a:pPr lvl="1"/>
-            <a:r>
-              <a:rPr lang="en-US" dirty="0" smtClean="0"/>
-              <a:t>Resampling</a:t>
-            </a:r>
-          </a:p>
-          <a:p>
-            <a:pPr lvl="1"/>
-            <a:r>
-              <a:rPr lang="en-US" dirty="0" smtClean="0"/>
-              <a:t>Feature Extraction</a:t>
-            </a:r>
-          </a:p>
-          <a:p>
-            <a:pPr lvl="1"/>
-            <a:r>
-              <a:rPr lang="en-US" dirty="0" smtClean="0"/>
-              <a:t>Dimensionality Reduction</a:t>
-            </a:r>
-          </a:p>
-          <a:p>
-            <a:pPr lvl="1"/>
-            <a:r>
-              <a:rPr lang="en-US" dirty="0" smtClean="0"/>
-              <a:t>Fast Retrieval – </a:t>
-            </a:r>
-            <a:r>
-              <a:rPr lang="en-US" dirty="0" err="1" smtClean="0"/>
-              <a:t>KdTree</a:t>
-            </a:r>
-            <a:r>
-              <a:rPr lang="en-US" dirty="0" smtClean="0"/>
-              <a:t> and LSH</a:t>
-            </a:r>
-          </a:p>
-          <a:p>
-            <a:r>
-              <a:rPr lang="en-US" dirty="0" smtClean="0"/>
-              <a:t>Recognition</a:t>
-            </a:r>
-          </a:p>
-          <a:p>
-            <a:pPr lvl="1"/>
-            <a:endParaRPr lang="en-US" dirty="0" smtClean="0"/>
-          </a:p>
-          <a:p>
-            <a:pPr lvl="1"/>
+              <a:t>Shape Context</a:t>
+            </a:r>
+          </a:p>
+          <a:p>
+            <a:r>
+              <a:rPr lang="en-US" smtClean="0"/>
+              <a:t>MAD</a:t>
+            </a:r>
             <a:endParaRPr lang="en-GB" dirty="0"/>
           </a:p>
         </p:txBody>
@@ -4908,20 +6898,13 @@
     </p:spTree>
     <p:extLst>
       <p:ext uri="{BB962C8B-B14F-4D97-AF65-F5344CB8AC3E}">
-        <p14:creationId xmlns:p14="http://schemas.microsoft.com/office/powerpoint/2010/main" val="2495365227"/>
+        <p14:creationId xmlns:p14="http://schemas.microsoft.com/office/powerpoint/2010/main" val="4159515614"/>
       </p:ext>
     </p:extLst>
   </p:cSld>
   <p:clrMapOvr>
     <a:masterClrMapping/>
   </p:clrMapOvr>
-  <p:timing>
-    <p:tnLst>
-      <p:par>
-        <p:cTn id="1" dur="indefinite" restart="never" nodeType="tmRoot"/>
-      </p:par>
-    </p:tnLst>
-  </p:timing>
 </p:sld>
 </file>
 
@@ -4983,7 +6966,7 @@
         </p:spPr>
         <p:txBody>
           <a:bodyPr>
-            <a:normAutofit fontScale="62500" lnSpcReduction="20000"/>
+            <a:normAutofit fontScale="85000" lnSpcReduction="20000"/>
           </a:bodyPr>
           <a:lstStyle/>
           <a:p>
@@ -5170,7 +7153,7 @@
     </p:spTree>
     <p:extLst>
       <p:ext uri="{BB962C8B-B14F-4D97-AF65-F5344CB8AC3E}">
-        <p14:creationId xmlns:p14="http://schemas.microsoft.com/office/powerpoint/2010/main" val="311864648"/>
+        <p14:creationId xmlns:p14="http://schemas.microsoft.com/office/powerpoint/2010/main" val="1921310232"/>
       </p:ext>
     </p:extLst>
   </p:cSld>
@@ -5273,7 +7256,7 @@
     </p:spTree>
     <p:extLst>
       <p:ext uri="{BB962C8B-B14F-4D97-AF65-F5344CB8AC3E}">
-        <p14:creationId xmlns:p14="http://schemas.microsoft.com/office/powerpoint/2010/main" val="2913235092"/>
+        <p14:creationId xmlns:p14="http://schemas.microsoft.com/office/powerpoint/2010/main" val="468217710"/>
       </p:ext>
     </p:extLst>
   </p:cSld>
@@ -5373,7 +7356,7 @@
     </p:spTree>
     <p:extLst>
       <p:ext uri="{BB962C8B-B14F-4D97-AF65-F5344CB8AC3E}">
-        <p14:creationId xmlns:p14="http://schemas.microsoft.com/office/powerpoint/2010/main" val="1527803503"/>
+        <p14:creationId xmlns:p14="http://schemas.microsoft.com/office/powerpoint/2010/main" val="1352016573"/>
       </p:ext>
     </p:extLst>
   </p:cSld>
@@ -5419,13 +7402,16 @@
         </p:nvSpPr>
         <p:spPr/>
         <p:txBody>
-          <a:bodyPr/>
+          <a:bodyPr>
+            <a:normAutofit/>
+          </a:bodyPr>
           <a:lstStyle/>
           <a:p>
             <a:r>
-              <a:rPr lang="en-US" dirty="0"/>
-              <a:t>Letter Sample Processing</a:t>
-            </a:r>
+              <a:rPr lang="en-US" dirty="0" smtClean="0"/>
+              <a:t>Online Arabic Recognition</a:t>
+            </a:r>
+            <a:endParaRPr lang="en-GB" dirty="0"/>
           </a:p>
         </p:txBody>
       </p:sp>
@@ -5439,137 +7425,95 @@
             <p:ph idx="1"/>
           </p:nvPr>
         </p:nvSpPr>
-        <p:spPr/>
+        <p:spPr>
+          <a:xfrm>
+            <a:off x="539552" y="1628800"/>
+            <a:ext cx="8229600" cy="4525963"/>
+          </a:xfrm>
+        </p:spPr>
         <p:txBody>
           <a:bodyPr>
-            <a:normAutofit fontScale="77500" lnSpcReduction="20000"/>
+            <a:normAutofit/>
           </a:bodyPr>
           <a:lstStyle/>
           <a:p>
-            <a:r>
-              <a:rPr lang="en-US" dirty="0" smtClean="0"/>
-              <a:t>Line Simplification </a:t>
-            </a:r>
-          </a:p>
-          <a:p>
             <a:pPr lvl="1"/>
-            <a:r>
-              <a:rPr lang="en-US" dirty="0" smtClean="0"/>
-              <a:t>Using </a:t>
-            </a:r>
-            <a:r>
-              <a:rPr lang="en-US" dirty="0"/>
-              <a:t>Recursive </a:t>
-            </a:r>
-            <a:r>
-              <a:rPr lang="en-US" dirty="0" smtClean="0"/>
-              <a:t>Douglas-</a:t>
-            </a:r>
-            <a:r>
-              <a:rPr lang="en-US" dirty="0" err="1" smtClean="0"/>
-              <a:t>Peucker</a:t>
-            </a:r>
-            <a:r>
-              <a:rPr lang="en-US" dirty="0" smtClean="0"/>
-              <a:t> </a:t>
-            </a:r>
-            <a:r>
-              <a:rPr lang="en-US" dirty="0"/>
-              <a:t>Polyline </a:t>
-            </a:r>
-            <a:r>
-              <a:rPr lang="en-US" dirty="0" smtClean="0"/>
-              <a:t>Simplification</a:t>
-            </a:r>
-            <a:endParaRPr lang="en-US" dirty="0"/>
-          </a:p>
-          <a:p>
-            <a:r>
-              <a:rPr lang="en-US" dirty="0" smtClean="0"/>
-              <a:t>Resampling</a:t>
-            </a:r>
-            <a:endParaRPr lang="en-US" dirty="0"/>
-          </a:p>
-          <a:p>
-            <a:r>
-              <a:rPr lang="en-US" dirty="0"/>
-              <a:t>Feature </a:t>
-            </a:r>
-            <a:r>
-              <a:rPr lang="en-US" dirty="0" smtClean="0"/>
-              <a:t>Extraction </a:t>
-            </a:r>
+            <a:endParaRPr lang="en-US" dirty="0" smtClean="0"/>
           </a:p>
           <a:p>
             <a:pPr lvl="1"/>
-            <a:r>
-              <a:rPr lang="en-US" dirty="0" smtClean="0"/>
-              <a:t>Sequence</a:t>
-            </a:r>
-          </a:p>
-          <a:p>
-            <a:pPr lvl="1"/>
-            <a:r>
-              <a:rPr lang="en-US" dirty="0" smtClean="0"/>
-              <a:t>Shape Context</a:t>
-            </a:r>
-          </a:p>
-          <a:p>
-            <a:pPr lvl="1"/>
-            <a:r>
-              <a:rPr lang="en-US" dirty="0" smtClean="0"/>
-              <a:t>MAD</a:t>
-            </a:r>
-            <a:endParaRPr lang="en-US" dirty="0"/>
-          </a:p>
-          <a:p>
-            <a:r>
-              <a:rPr lang="en-US" dirty="0"/>
-              <a:t>Dimensionality </a:t>
-            </a:r>
-            <a:r>
-              <a:rPr lang="en-US" dirty="0" smtClean="0"/>
-              <a:t>Reduction</a:t>
-            </a:r>
-          </a:p>
-          <a:p>
-            <a:pPr lvl="1"/>
-            <a:r>
-              <a:rPr lang="en-US" dirty="0" smtClean="0"/>
-              <a:t>Principle Component Analysis </a:t>
-            </a:r>
-          </a:p>
-          <a:p>
-            <a:pPr lvl="1"/>
-            <a:r>
-              <a:rPr lang="en-US" dirty="0" smtClean="0"/>
-              <a:t>Linear Discrimination Analysis </a:t>
-            </a:r>
-            <a:endParaRPr lang="en-US" dirty="0"/>
-          </a:p>
-          <a:p>
-            <a:r>
-              <a:rPr lang="en-US" dirty="0" smtClean="0"/>
-              <a:t>Clustering Algorithm</a:t>
-            </a:r>
-          </a:p>
-          <a:p>
-            <a:pPr lvl="1"/>
-            <a:r>
-              <a:rPr lang="en-US" dirty="0" smtClean="0"/>
-              <a:t>DTW </a:t>
-            </a:r>
-            <a:endParaRPr lang="en-US" dirty="0"/>
-          </a:p>
-          <a:p>
             <a:endParaRPr lang="en-GB" dirty="0"/>
           </a:p>
         </p:txBody>
       </p:sp>
+      <p:pic>
+        <p:nvPicPr>
+          <p:cNvPr id="5122" name="Picture 2"/>
+          <p:cNvPicPr>
+            <a:picLocks noChangeAspect="1" noChangeArrowheads="1"/>
+          </p:cNvPicPr>
+          <p:nvPr/>
+        </p:nvPicPr>
+        <p:blipFill>
+          <a:blip r:embed="rId2">
+            <a:extLst>
+              <a:ext uri="{28A0092B-C50C-407E-A947-70E740481C1C}">
+                <a14:useLocalDpi xmlns:a14="http://schemas.microsoft.com/office/drawing/2010/main" val="0"/>
+              </a:ext>
+            </a:extLst>
+          </a:blip>
+          <a:srcRect/>
+          <a:stretch>
+            <a:fillRect/>
+          </a:stretch>
+        </p:blipFill>
+        <p:spPr bwMode="auto">
+          <a:xfrm>
+            <a:off x="118545" y="1556792"/>
+            <a:ext cx="8905875" cy="2543175"/>
+          </a:xfrm>
+          <a:prstGeom prst="rect">
+            <a:avLst/>
+          </a:prstGeom>
+          <a:noFill/>
+          <a:ln>
+            <a:noFill/>
+          </a:ln>
+          <a:effectLst/>
+          <a:extLst>
+            <a:ext uri="{909E8E84-426E-40DD-AFC4-6F175D3DCCD1}">
+              <a14:hiddenFill xmlns:a14="http://schemas.microsoft.com/office/drawing/2010/main">
+                <a:solidFill>
+                  <a:schemeClr val="accent1"/>
+                </a:solidFill>
+              </a14:hiddenFill>
+            </a:ext>
+            <a:ext uri="{91240B29-F687-4F45-9708-019B960494DF}">
+              <a14:hiddenLine xmlns:a14="http://schemas.microsoft.com/office/drawing/2010/main" w="9525">
+                <a:solidFill>
+                  <a:schemeClr val="tx1"/>
+                </a:solidFill>
+                <a:miter lim="800000"/>
+                <a:headEnd/>
+                <a:tailEnd/>
+              </a14:hiddenLine>
+            </a:ext>
+            <a:ext uri="{AF507438-7753-43E0-B8FC-AC1667EBCBE1}">
+              <a14:hiddenEffects xmlns:a14="http://schemas.microsoft.com/office/drawing/2010/main">
+                <a:effectLst>
+                  <a:outerShdw dist="35921" dir="2700000" algn="ctr" rotWithShape="0">
+                    <a:schemeClr val="bg2"/>
+                  </a:outerShdw>
+                </a:effectLst>
+              </a14:hiddenEffects>
+            </a:ext>
+          </a:extLst>
+        </p:spPr>
+      </p:pic>
     </p:spTree>
     <p:extLst>
       <p:ext uri="{BB962C8B-B14F-4D97-AF65-F5344CB8AC3E}">
-        <p14:creationId xmlns:p14="http://schemas.microsoft.com/office/powerpoint/2010/main" val="391710874"/>
+        <p14:creationId xmlns:p14="http://schemas.microsoft.com/office/powerpoint/2010/main" val="2495365227"/>
       </p:ext>
     </p:extLst>
   </p:cSld>
@@ -5615,12 +7559,14 @@
         </p:nvSpPr>
         <p:spPr/>
         <p:txBody>
-          <a:bodyPr/>
+          <a:bodyPr>
+            <a:normAutofit/>
+          </a:bodyPr>
           <a:lstStyle/>
           <a:p>
             <a:r>
               <a:rPr lang="en-US" dirty="0" smtClean="0"/>
-              <a:t>Learning Process Overview</a:t>
+              <a:t>Online Segmentation</a:t>
             </a:r>
             <a:endParaRPr lang="en-GB" dirty="0"/>
           </a:p>
@@ -5628,56 +7574,74 @@
       </p:sp>
       <p:sp>
         <p:nvSpPr>
-          <p:cNvPr id="4" name="Flowchart: Process 3"/>
-          <p:cNvSpPr/>
-          <p:nvPr/>
+          <p:cNvPr id="3" name="Content Placeholder 2"/>
+          <p:cNvSpPr>
+            <a:spLocks noGrp="1"/>
+          </p:cNvSpPr>
+          <p:nvPr>
+            <p:ph idx="1"/>
+          </p:nvPr>
         </p:nvSpPr>
-        <p:spPr>
-          <a:xfrm>
-            <a:off x="3131840" y="1628800"/>
-            <a:ext cx="1944216" cy="1152128"/>
-          </a:xfrm>
-          <a:prstGeom prst="flowChartProcess">
-            <a:avLst/>
-          </a:prstGeom>
-        </p:spPr>
-        <p:style>
-          <a:lnRef idx="2">
-            <a:schemeClr val="accent1">
-              <a:shade val="50000"/>
-            </a:schemeClr>
-          </a:lnRef>
-          <a:fillRef idx="1">
-            <a:schemeClr val="accent1"/>
-          </a:fillRef>
-          <a:effectRef idx="0">
-            <a:schemeClr val="accent1"/>
-          </a:effectRef>
-          <a:fontRef idx="minor">
-            <a:schemeClr val="lt1"/>
-          </a:fontRef>
-        </p:style>
+        <p:spPr/>
         <p:txBody>
-          <a:bodyPr rtlCol="0" anchor="ctr"/>
+          <a:bodyPr/>
           <a:lstStyle/>
           <a:p>
-            <a:pPr algn="ctr"/>
             <a:r>
               <a:rPr lang="en-US" dirty="0" smtClean="0"/>
-              <a:t>Letters </a:t>
-            </a:r>
-            <a:r>
-              <a:rPr lang="en-US" dirty="0" err="1" smtClean="0"/>
-              <a:t>Colle</a:t>
-            </a:r>
-            <a:endParaRPr lang="en-GB" dirty="0"/>
+              <a:t>Choosing candidates points in the writing process and then selecting the right combinations of demarcation points using dynamic programming.</a:t>
+            </a:r>
+          </a:p>
+          <a:p>
+            <a:r>
+              <a:rPr lang="en-US" dirty="0" smtClean="0"/>
+              <a:t>How to select the candidate points:</a:t>
+            </a:r>
+          </a:p>
+          <a:p>
+            <a:pPr marL="731520" lvl="1" indent="-457200">
+              <a:buFont typeface="+mj-lt"/>
+              <a:buAutoNum type="arabicPeriod"/>
+            </a:pPr>
+            <a:r>
+              <a:rPr lang="en-US" dirty="0" smtClean="0"/>
+              <a:t>SVM</a:t>
+            </a:r>
+          </a:p>
+          <a:p>
+            <a:r>
+              <a:rPr lang="en-US" dirty="0" smtClean="0"/>
+              <a:t>There could be several segmentation options.</a:t>
+            </a:r>
+          </a:p>
+          <a:p>
+            <a:r>
+              <a:rPr lang="en-US" dirty="0" smtClean="0"/>
+              <a:t>Then select for each segmentation the candidate letters and then holistically select the word part.  </a:t>
+            </a:r>
+          </a:p>
+          <a:p>
+            <a:r>
+              <a:rPr lang="en-US" dirty="0" smtClean="0"/>
+              <a:t>Improvements:</a:t>
+            </a:r>
+          </a:p>
+          <a:p>
+            <a:pPr marL="731520" lvl="1" indent="-457200">
+              <a:buFont typeface="+mj-lt"/>
+              <a:buAutoNum type="arabicPeriod"/>
+            </a:pPr>
+            <a:r>
+              <a:rPr lang="en-US" dirty="0" smtClean="0"/>
+              <a:t>How to use simplification to better perform the segmentation points?</a:t>
+            </a:r>
           </a:p>
         </p:txBody>
       </p:sp>
     </p:spTree>
     <p:extLst>
       <p:ext uri="{BB962C8B-B14F-4D97-AF65-F5344CB8AC3E}">
-        <p14:creationId xmlns:p14="http://schemas.microsoft.com/office/powerpoint/2010/main" val="887313169"/>
+        <p14:creationId xmlns:p14="http://schemas.microsoft.com/office/powerpoint/2010/main" val="4122302692"/>
       </p:ext>
     </p:extLst>
   </p:cSld>
@@ -5728,7 +7692,7 @@
           <a:p>
             <a:r>
               <a:rPr lang="en-US" dirty="0" smtClean="0"/>
-              <a:t>The Arabic Letters</a:t>
+              <a:t>Machine Learning (Optional)</a:t>
             </a:r>
             <a:endParaRPr lang="en-GB" dirty="0"/>
           </a:p>
@@ -5751,61 +7715,7 @@
           <a:p>
             <a:r>
               <a:rPr lang="en-US" dirty="0" smtClean="0"/>
-              <a:t>Arabic is the Mother tongue of more than 350 Million people.</a:t>
-            </a:r>
-          </a:p>
-          <a:p>
-            <a:r>
-              <a:rPr lang="en-US" dirty="0" smtClean="0"/>
-              <a:t>Other languages that use the </a:t>
-            </a:r>
-            <a:r>
-              <a:rPr lang="en-US" dirty="0"/>
-              <a:t>A</a:t>
-            </a:r>
-            <a:r>
-              <a:rPr lang="en-US" dirty="0" smtClean="0"/>
-              <a:t>rabic letters is </a:t>
-            </a:r>
-            <a:r>
-              <a:rPr lang="en-US" dirty="0" err="1" smtClean="0"/>
-              <a:t>parsian</a:t>
-            </a:r>
-            <a:r>
-              <a:rPr lang="en-US" dirty="0" smtClean="0"/>
-              <a:t> ...</a:t>
-            </a:r>
-          </a:p>
-          <a:p>
-            <a:r>
-              <a:rPr lang="en-US" dirty="0" smtClean="0"/>
-              <a:t>How many manuscripts arte written in Arabic</a:t>
-            </a:r>
-          </a:p>
-          <a:p>
-            <a:r>
-              <a:rPr lang="en-US" dirty="0" smtClean="0"/>
-              <a:t>Arabic is a cursive language</a:t>
-            </a:r>
-          </a:p>
-          <a:p>
-            <a:r>
-              <a:rPr lang="en-US" dirty="0" smtClean="0"/>
-              <a:t>It is composed by word parts.</a:t>
-            </a:r>
-          </a:p>
-          <a:p>
-            <a:r>
-              <a:rPr lang="en-US" dirty="0" smtClean="0"/>
-              <a:t>Show samples of </a:t>
-            </a:r>
-            <a:r>
-              <a:rPr lang="en-US" dirty="0"/>
-              <a:t>A</a:t>
-            </a:r>
-            <a:r>
-              <a:rPr lang="en-US" dirty="0" smtClean="0"/>
-              <a:t>rabic script.</a:t>
+              <a:t>Main model (PAC)</a:t>
             </a:r>
             <a:endParaRPr lang="en-GB" dirty="0"/>
           </a:p>
@@ -5814,7 +7724,7 @@
     </p:spTree>
     <p:extLst>
       <p:ext uri="{BB962C8B-B14F-4D97-AF65-F5344CB8AC3E}">
-        <p14:creationId xmlns:p14="http://schemas.microsoft.com/office/powerpoint/2010/main" val="2134239900"/>
+        <p14:creationId xmlns:p14="http://schemas.microsoft.com/office/powerpoint/2010/main" val="3692036798"/>
       </p:ext>
     </p:extLst>
   </p:cSld>
@@ -5853,14 +7763,12 @@
         </p:nvSpPr>
         <p:spPr/>
         <p:txBody>
-          <a:bodyPr>
-            <a:normAutofit fontScale="90000"/>
-          </a:bodyPr>
+          <a:bodyPr/>
           <a:lstStyle/>
           <a:p>
             <a:r>
               <a:rPr lang="en-US" dirty="0" smtClean="0"/>
-              <a:t>Online Progressive Letters Recognition</a:t>
+              <a:t>Online Segmentation Introduction</a:t>
             </a:r>
             <a:endParaRPr lang="en-GB" dirty="0"/>
           </a:p>
@@ -5885,49 +7793,67 @@
           <a:p>
             <a:r>
               <a:rPr lang="en-US" dirty="0" smtClean="0"/>
-              <a:t>Recognition</a:t>
+              <a:t>Definitions:</a:t>
             </a:r>
           </a:p>
           <a:p>
             <a:pPr lvl="1"/>
             <a:r>
+              <a:rPr lang="en-US" dirty="0"/>
+              <a:t>Candidate point</a:t>
+            </a:r>
+          </a:p>
+          <a:p>
+            <a:pPr lvl="1"/>
+            <a:r>
               <a:rPr lang="en-US" dirty="0" smtClean="0"/>
-              <a:t>Segmentation algorithm</a:t>
-            </a:r>
-          </a:p>
-          <a:p>
-            <a:pPr lvl="2"/>
+              <a:t>Critical point</a:t>
+            </a:r>
+          </a:p>
+          <a:p>
+            <a:pPr lvl="1"/>
             <a:r>
               <a:rPr lang="en-US" dirty="0" smtClean="0"/>
-              <a:t>Candidate Point</a:t>
-            </a:r>
-          </a:p>
-          <a:p>
-            <a:pPr lvl="2"/>
+              <a:t>Segmentation point</a:t>
+            </a:r>
+          </a:p>
+          <a:p>
             <a:r>
               <a:rPr lang="en-US" dirty="0" smtClean="0"/>
-              <a:t>Better Point </a:t>
-            </a:r>
-            <a:r>
-              <a:rPr lang="en-US" smtClean="0"/>
-              <a:t>Segmentation Selection</a:t>
-            </a:r>
-            <a:endParaRPr lang="en-US" dirty="0" smtClean="0"/>
+              <a:t>Learning Technique</a:t>
+            </a:r>
+          </a:p>
+          <a:p>
+            <a:r>
+              <a:rPr lang="en-US" dirty="0" smtClean="0"/>
+              <a:t>Features</a:t>
+            </a:r>
           </a:p>
           <a:p>
             <a:pPr lvl="1"/>
-            <a:endParaRPr lang="en-US" dirty="0" smtClean="0"/>
+            <a:r>
+              <a:rPr lang="en-US" dirty="0" smtClean="0"/>
+              <a:t>Slope</a:t>
+            </a:r>
           </a:p>
           <a:p>
             <a:pPr lvl="1"/>
-            <a:endParaRPr lang="en-US" dirty="0" smtClean="0"/>
-          </a:p>
-          <a:p>
-            <a:pPr lvl="1"/>
-            <a:endParaRPr lang="en-US" dirty="0" smtClean="0"/>
-          </a:p>
-          <a:p>
-            <a:pPr lvl="1"/>
+            <a:r>
+              <a:rPr lang="en-US" dirty="0" smtClean="0"/>
+              <a:t>Forward direction</a:t>
+            </a:r>
+          </a:p>
+          <a:p>
+            <a:r>
+              <a:rPr lang="en-US" dirty="0" smtClean="0"/>
+              <a:t>Classification technique</a:t>
+            </a:r>
+          </a:p>
+          <a:p>
+            <a:r>
+              <a:rPr lang="en-US" dirty="0" smtClean="0"/>
+              <a:t>Find points that are classified </a:t>
+            </a:r>
             <a:endParaRPr lang="en-GB" dirty="0"/>
           </a:p>
         </p:txBody>
@@ -5935,7 +7861,493 @@
     </p:spTree>
     <p:extLst>
       <p:ext uri="{BB962C8B-B14F-4D97-AF65-F5344CB8AC3E}">
-        <p14:creationId xmlns:p14="http://schemas.microsoft.com/office/powerpoint/2010/main" val="2106614807"/>
+        <p14:creationId xmlns:p14="http://schemas.microsoft.com/office/powerpoint/2010/main" val="1379885921"/>
+      </p:ext>
+    </p:extLst>
+  </p:cSld>
+  <p:clrMapOvr>
+    <a:masterClrMapping/>
+  </p:clrMapOvr>
+  <p:timing>
+    <p:tnLst>
+      <p:par>
+        <p:cTn id="1" dur="indefinite" restart="never" nodeType="tmRoot"/>
+      </p:par>
+    </p:tnLst>
+  </p:timing>
+</p:sld>
+</file>
+
+<file path=ppt/slides/slide21.xml><?xml version="1.0" encoding="utf-8"?>
+<p:sld xmlns:a="http://schemas.openxmlformats.org/drawingml/2006/main" xmlns:r="http://schemas.openxmlformats.org/officeDocument/2006/relationships" xmlns:p="http://schemas.openxmlformats.org/presentationml/2006/main">
+  <p:cSld>
+    <p:spTree>
+      <p:nvGrpSpPr>
+        <p:cNvPr id="1" name=""/>
+        <p:cNvGrpSpPr/>
+        <p:nvPr/>
+      </p:nvGrpSpPr>
+      <p:grpSpPr>
+        <a:xfrm>
+          <a:off x="0" y="0"/>
+          <a:ext cx="0" cy="0"/>
+          <a:chOff x="0" y="0"/>
+          <a:chExt cx="0" cy="0"/>
+        </a:xfrm>
+      </p:grpSpPr>
+      <p:sp>
+        <p:nvSpPr>
+          <p:cNvPr id="2" name="Title 1"/>
+          <p:cNvSpPr>
+            <a:spLocks noGrp="1"/>
+          </p:cNvSpPr>
+          <p:nvPr>
+            <p:ph type="title"/>
+          </p:nvPr>
+        </p:nvSpPr>
+        <p:spPr/>
+        <p:txBody>
+          <a:bodyPr/>
+          <a:lstStyle/>
+          <a:p>
+            <a:r>
+              <a:rPr lang="en-US" dirty="0" smtClean="0"/>
+              <a:t>Online Segmentation</a:t>
+            </a:r>
+            <a:endParaRPr lang="en-GB" dirty="0"/>
+          </a:p>
+        </p:txBody>
+      </p:sp>
+      <p:pic>
+        <p:nvPicPr>
+          <p:cNvPr id="6147" name="Picture 3"/>
+          <p:cNvPicPr>
+            <a:picLocks noChangeAspect="1" noChangeArrowheads="1"/>
+          </p:cNvPicPr>
+          <p:nvPr/>
+        </p:nvPicPr>
+        <p:blipFill>
+          <a:blip r:embed="rId2">
+            <a:extLst>
+              <a:ext uri="{28A0092B-C50C-407E-A947-70E740481C1C}">
+                <a14:useLocalDpi xmlns:a14="http://schemas.microsoft.com/office/drawing/2010/main" val="0"/>
+              </a:ext>
+            </a:extLst>
+          </a:blip>
+          <a:srcRect/>
+          <a:stretch>
+            <a:fillRect/>
+          </a:stretch>
+        </p:blipFill>
+        <p:spPr bwMode="auto">
+          <a:xfrm>
+            <a:off x="179512" y="1412776"/>
+            <a:ext cx="8424936" cy="5189694"/>
+          </a:xfrm>
+          <a:prstGeom prst="rect">
+            <a:avLst/>
+          </a:prstGeom>
+          <a:noFill/>
+          <a:ln>
+            <a:noFill/>
+          </a:ln>
+          <a:effectLst/>
+          <a:extLst>
+            <a:ext uri="{909E8E84-426E-40DD-AFC4-6F175D3DCCD1}">
+              <a14:hiddenFill xmlns:a14="http://schemas.microsoft.com/office/drawing/2010/main">
+                <a:solidFill>
+                  <a:schemeClr val="accent1"/>
+                </a:solidFill>
+              </a14:hiddenFill>
+            </a:ext>
+            <a:ext uri="{91240B29-F687-4F45-9708-019B960494DF}">
+              <a14:hiddenLine xmlns:a14="http://schemas.microsoft.com/office/drawing/2010/main" w="9525">
+                <a:solidFill>
+                  <a:schemeClr val="tx1"/>
+                </a:solidFill>
+                <a:miter lim="800000"/>
+                <a:headEnd/>
+                <a:tailEnd/>
+              </a14:hiddenLine>
+            </a:ext>
+            <a:ext uri="{AF507438-7753-43E0-B8FC-AC1667EBCBE1}">
+              <a14:hiddenEffects xmlns:a14="http://schemas.microsoft.com/office/drawing/2010/main">
+                <a:effectLst>
+                  <a:outerShdw dist="35921" dir="2700000" algn="ctr" rotWithShape="0">
+                    <a:schemeClr val="bg2"/>
+                  </a:outerShdw>
+                </a:effectLst>
+              </a14:hiddenEffects>
+            </a:ext>
+          </a:extLst>
+        </p:spPr>
+      </p:pic>
+    </p:spTree>
+    <p:extLst>
+      <p:ext uri="{BB962C8B-B14F-4D97-AF65-F5344CB8AC3E}">
+        <p14:creationId xmlns:p14="http://schemas.microsoft.com/office/powerpoint/2010/main" val="3737255214"/>
+      </p:ext>
+    </p:extLst>
+  </p:cSld>
+  <p:clrMapOvr>
+    <a:masterClrMapping/>
+  </p:clrMapOvr>
+  <p:timing>
+    <p:tnLst>
+      <p:par>
+        <p:cTn id="1" dur="indefinite" restart="never" nodeType="tmRoot"/>
+      </p:par>
+    </p:tnLst>
+  </p:timing>
+</p:sld>
+</file>
+
+<file path=ppt/slides/slide22.xml><?xml version="1.0" encoding="utf-8"?>
+<p:sld xmlns:a="http://schemas.openxmlformats.org/drawingml/2006/main" xmlns:r="http://schemas.openxmlformats.org/officeDocument/2006/relationships" xmlns:p="http://schemas.openxmlformats.org/presentationml/2006/main">
+  <p:cSld>
+    <p:spTree>
+      <p:nvGrpSpPr>
+        <p:cNvPr id="1" name=""/>
+        <p:cNvGrpSpPr/>
+        <p:nvPr/>
+      </p:nvGrpSpPr>
+      <p:grpSpPr>
+        <a:xfrm>
+          <a:off x="0" y="0"/>
+          <a:ext cx="0" cy="0"/>
+          <a:chOff x="0" y="0"/>
+          <a:chExt cx="0" cy="0"/>
+        </a:xfrm>
+      </p:grpSpPr>
+      <p:sp>
+        <p:nvSpPr>
+          <p:cNvPr id="2" name="Title 1"/>
+          <p:cNvSpPr>
+            <a:spLocks noGrp="1"/>
+          </p:cNvSpPr>
+          <p:nvPr>
+            <p:ph type="title"/>
+          </p:nvPr>
+        </p:nvSpPr>
+        <p:spPr/>
+        <p:txBody>
+          <a:bodyPr/>
+          <a:lstStyle/>
+          <a:p>
+            <a:r>
+              <a:rPr lang="en-US" dirty="0"/>
+              <a:t>Letter </a:t>
+            </a:r>
+            <a:r>
+              <a:rPr lang="en-US" dirty="0" smtClean="0"/>
+              <a:t>Samples </a:t>
+            </a:r>
+            <a:r>
+              <a:rPr lang="en-US" dirty="0"/>
+              <a:t>Processing</a:t>
+            </a:r>
+          </a:p>
+        </p:txBody>
+      </p:sp>
+      <p:sp>
+        <p:nvSpPr>
+          <p:cNvPr id="3" name="Content Placeholder 2"/>
+          <p:cNvSpPr>
+            <a:spLocks noGrp="1"/>
+          </p:cNvSpPr>
+          <p:nvPr>
+            <p:ph idx="1"/>
+          </p:nvPr>
+        </p:nvSpPr>
+        <p:spPr/>
+        <p:txBody>
+          <a:bodyPr>
+            <a:normAutofit/>
+          </a:bodyPr>
+          <a:lstStyle/>
+          <a:p>
+            <a:r>
+              <a:rPr lang="en-US" dirty="0" smtClean="0"/>
+              <a:t>Normalization</a:t>
+            </a:r>
+          </a:p>
+          <a:p>
+            <a:r>
+              <a:rPr lang="en-US" dirty="0" smtClean="0"/>
+              <a:t>Line Simplification </a:t>
+            </a:r>
+          </a:p>
+          <a:p>
+            <a:pPr lvl="1"/>
+            <a:r>
+              <a:rPr lang="en-US" dirty="0" smtClean="0"/>
+              <a:t>Using </a:t>
+            </a:r>
+            <a:r>
+              <a:rPr lang="en-US" dirty="0"/>
+              <a:t>Recursive </a:t>
+            </a:r>
+            <a:r>
+              <a:rPr lang="en-US" dirty="0" smtClean="0"/>
+              <a:t>Douglas-</a:t>
+            </a:r>
+            <a:r>
+              <a:rPr lang="en-US" dirty="0" err="1" smtClean="0"/>
+              <a:t>Peucker</a:t>
+            </a:r>
+            <a:r>
+              <a:rPr lang="en-US" dirty="0" smtClean="0"/>
+              <a:t> </a:t>
+            </a:r>
+            <a:r>
+              <a:rPr lang="en-US" dirty="0"/>
+              <a:t>Polyline </a:t>
+            </a:r>
+            <a:r>
+              <a:rPr lang="en-US" dirty="0" smtClean="0"/>
+              <a:t>Simplification</a:t>
+            </a:r>
+            <a:endParaRPr lang="en-US" dirty="0"/>
+          </a:p>
+          <a:p>
+            <a:r>
+              <a:rPr lang="en-US" dirty="0" smtClean="0"/>
+              <a:t>Resampling</a:t>
+            </a:r>
+            <a:endParaRPr lang="en-US" dirty="0"/>
+          </a:p>
+          <a:p>
+            <a:endParaRPr lang="en-GB" dirty="0"/>
+          </a:p>
+        </p:txBody>
+      </p:sp>
+    </p:spTree>
+    <p:extLst>
+      <p:ext uri="{BB962C8B-B14F-4D97-AF65-F5344CB8AC3E}">
+        <p14:creationId xmlns:p14="http://schemas.microsoft.com/office/powerpoint/2010/main" val="391710874"/>
+      </p:ext>
+    </p:extLst>
+  </p:cSld>
+  <p:clrMapOvr>
+    <a:masterClrMapping/>
+  </p:clrMapOvr>
+  <p:timing>
+    <p:tnLst>
+      <p:par>
+        <p:cTn id="1" dur="indefinite" restart="never" nodeType="tmRoot"/>
+      </p:par>
+    </p:tnLst>
+  </p:timing>
+</p:sld>
+</file>
+
+<file path=ppt/slides/slide23.xml><?xml version="1.0" encoding="utf-8"?>
+<p:sld xmlns:a="http://schemas.openxmlformats.org/drawingml/2006/main" xmlns:r="http://schemas.openxmlformats.org/officeDocument/2006/relationships" xmlns:p="http://schemas.openxmlformats.org/presentationml/2006/main">
+  <p:cSld>
+    <p:spTree>
+      <p:nvGrpSpPr>
+        <p:cNvPr id="1" name=""/>
+        <p:cNvGrpSpPr/>
+        <p:nvPr/>
+      </p:nvGrpSpPr>
+      <p:grpSpPr>
+        <a:xfrm>
+          <a:off x="0" y="0"/>
+          <a:ext cx="0" cy="0"/>
+          <a:chOff x="0" y="0"/>
+          <a:chExt cx="0" cy="0"/>
+        </a:xfrm>
+      </p:grpSpPr>
+      <p:sp>
+        <p:nvSpPr>
+          <p:cNvPr id="2" name="Title 1"/>
+          <p:cNvSpPr>
+            <a:spLocks noGrp="1"/>
+          </p:cNvSpPr>
+          <p:nvPr>
+            <p:ph type="title"/>
+          </p:nvPr>
+        </p:nvSpPr>
+        <p:spPr/>
+        <p:txBody>
+          <a:bodyPr/>
+          <a:lstStyle/>
+          <a:p>
+            <a:r>
+              <a:rPr lang="en-US" dirty="0" smtClean="0"/>
+              <a:t>Feature Extraction</a:t>
+            </a:r>
+            <a:endParaRPr lang="en-GB" dirty="0"/>
+          </a:p>
+        </p:txBody>
+      </p:sp>
+      <p:sp>
+        <p:nvSpPr>
+          <p:cNvPr id="3" name="Content Placeholder 2"/>
+          <p:cNvSpPr>
+            <a:spLocks noGrp="1"/>
+          </p:cNvSpPr>
+          <p:nvPr>
+            <p:ph idx="1"/>
+          </p:nvPr>
+        </p:nvSpPr>
+        <p:spPr/>
+        <p:txBody>
+          <a:bodyPr/>
+          <a:lstStyle/>
+          <a:p>
+            <a:endParaRPr lang="en-GB"/>
+          </a:p>
+        </p:txBody>
+      </p:sp>
+    </p:spTree>
+    <p:extLst>
+      <p:ext uri="{BB962C8B-B14F-4D97-AF65-F5344CB8AC3E}">
+        <p14:creationId xmlns:p14="http://schemas.microsoft.com/office/powerpoint/2010/main" val="1381675431"/>
+      </p:ext>
+    </p:extLst>
+  </p:cSld>
+  <p:clrMapOvr>
+    <a:masterClrMapping/>
+  </p:clrMapOvr>
+</p:sld>
+</file>
+
+<file path=ppt/slides/slide24.xml><?xml version="1.0" encoding="utf-8"?>
+<p:sld xmlns:a="http://schemas.openxmlformats.org/drawingml/2006/main" xmlns:r="http://schemas.openxmlformats.org/officeDocument/2006/relationships" xmlns:p="http://schemas.openxmlformats.org/presentationml/2006/main">
+  <p:cSld>
+    <p:spTree>
+      <p:nvGrpSpPr>
+        <p:cNvPr id="1" name=""/>
+        <p:cNvGrpSpPr/>
+        <p:nvPr/>
+      </p:nvGrpSpPr>
+      <p:grpSpPr>
+        <a:xfrm>
+          <a:off x="0" y="0"/>
+          <a:ext cx="0" cy="0"/>
+          <a:chOff x="0" y="0"/>
+          <a:chExt cx="0" cy="0"/>
+        </a:xfrm>
+      </p:grpSpPr>
+      <p:sp>
+        <p:nvSpPr>
+          <p:cNvPr id="2" name="Title 1"/>
+          <p:cNvSpPr>
+            <a:spLocks noGrp="1"/>
+          </p:cNvSpPr>
+          <p:nvPr>
+            <p:ph type="title"/>
+          </p:nvPr>
+        </p:nvSpPr>
+        <p:spPr/>
+        <p:txBody>
+          <a:bodyPr/>
+          <a:lstStyle/>
+          <a:p>
+            <a:r>
+              <a:rPr lang="en-US" dirty="0" smtClean="0"/>
+              <a:t>Embedding</a:t>
+            </a:r>
+            <a:endParaRPr lang="en-GB" dirty="0"/>
+          </a:p>
+        </p:txBody>
+      </p:sp>
+      <p:sp>
+        <p:nvSpPr>
+          <p:cNvPr id="3" name="Content Placeholder 2"/>
+          <p:cNvSpPr>
+            <a:spLocks noGrp="1"/>
+          </p:cNvSpPr>
+          <p:nvPr>
+            <p:ph idx="1"/>
+          </p:nvPr>
+        </p:nvSpPr>
+        <p:spPr/>
+        <p:txBody>
+          <a:bodyPr/>
+          <a:lstStyle/>
+          <a:p>
+            <a:endParaRPr lang="en-GB"/>
+          </a:p>
+        </p:txBody>
+      </p:sp>
+    </p:spTree>
+    <p:extLst>
+      <p:ext uri="{BB962C8B-B14F-4D97-AF65-F5344CB8AC3E}">
+        <p14:creationId xmlns:p14="http://schemas.microsoft.com/office/powerpoint/2010/main" val="2232843974"/>
+      </p:ext>
+    </p:extLst>
+  </p:cSld>
+  <p:clrMapOvr>
+    <a:masterClrMapping/>
+  </p:clrMapOvr>
+</p:sld>
+</file>
+
+<file path=ppt/slides/slide25.xml><?xml version="1.0" encoding="utf-8"?>
+<p:sld xmlns:a="http://schemas.openxmlformats.org/drawingml/2006/main" xmlns:r="http://schemas.openxmlformats.org/officeDocument/2006/relationships" xmlns:p="http://schemas.openxmlformats.org/presentationml/2006/main">
+  <p:cSld>
+    <p:spTree>
+      <p:nvGrpSpPr>
+        <p:cNvPr id="1" name=""/>
+        <p:cNvGrpSpPr/>
+        <p:nvPr/>
+      </p:nvGrpSpPr>
+      <p:grpSpPr>
+        <a:xfrm>
+          <a:off x="0" y="0"/>
+          <a:ext cx="0" cy="0"/>
+          <a:chOff x="0" y="0"/>
+          <a:chExt cx="0" cy="0"/>
+        </a:xfrm>
+      </p:grpSpPr>
+      <p:sp>
+        <p:nvSpPr>
+          <p:cNvPr id="2" name="Title 1"/>
+          <p:cNvSpPr>
+            <a:spLocks noGrp="1"/>
+          </p:cNvSpPr>
+          <p:nvPr>
+            <p:ph type="title"/>
+          </p:nvPr>
+        </p:nvSpPr>
+        <p:spPr/>
+        <p:txBody>
+          <a:bodyPr/>
+          <a:lstStyle/>
+          <a:p>
+            <a:r>
+              <a:rPr lang="en-US" dirty="0" smtClean="0"/>
+              <a:t>Dimensionality Reduction</a:t>
+            </a:r>
+            <a:endParaRPr lang="en-GB" dirty="0"/>
+          </a:p>
+        </p:txBody>
+      </p:sp>
+      <p:sp>
+        <p:nvSpPr>
+          <p:cNvPr id="3" name="Content Placeholder 2"/>
+          <p:cNvSpPr>
+            <a:spLocks noGrp="1"/>
+          </p:cNvSpPr>
+          <p:nvPr>
+            <p:ph idx="1"/>
+          </p:nvPr>
+        </p:nvSpPr>
+        <p:spPr/>
+        <p:txBody>
+          <a:bodyPr/>
+          <a:lstStyle/>
+          <a:p>
+            <a:endParaRPr lang="en-GB"/>
+          </a:p>
+        </p:txBody>
+      </p:sp>
+    </p:spTree>
+    <p:extLst>
+      <p:ext uri="{BB962C8B-B14F-4D97-AF65-F5344CB8AC3E}">
+        <p14:creationId xmlns:p14="http://schemas.microsoft.com/office/powerpoint/2010/main" val="894758061"/>
       </p:ext>
     </p:extLst>
   </p:cSld>
@@ -5979,7 +8391,7 @@
           <a:p>
             <a:r>
               <a:rPr lang="en-US" dirty="0" smtClean="0"/>
-              <a:t>Machine Learning (Optional)</a:t>
+              <a:t>Pattern Recognition(Optional)</a:t>
             </a:r>
             <a:endParaRPr lang="en-GB" dirty="0"/>
           </a:p>
@@ -5997,12 +8409,71 @@
         </p:nvSpPr>
         <p:spPr/>
         <p:txBody>
-          <a:bodyPr/>
+          <a:bodyPr>
+            <a:normAutofit/>
+          </a:bodyPr>
           <a:lstStyle/>
           <a:p>
             <a:r>
               <a:rPr lang="en-US" dirty="0" smtClean="0"/>
-              <a:t>Main model (PAC)</a:t>
+              <a:t>Supervised learning vs. unsupervised learning</a:t>
+            </a:r>
+          </a:p>
+          <a:p>
+            <a:r>
+              <a:rPr lang="en-US" dirty="0" smtClean="0"/>
+              <a:t>Classification techniques</a:t>
+            </a:r>
+          </a:p>
+          <a:p>
+            <a:r>
+              <a:rPr lang="en-US" dirty="0" smtClean="0"/>
+              <a:t>Binary classification vs. multiclass classification</a:t>
+            </a:r>
+          </a:p>
+          <a:p>
+            <a:r>
+              <a:rPr lang="en-US" dirty="0" smtClean="0"/>
+              <a:t>Naïve Bayes</a:t>
+            </a:r>
+          </a:p>
+          <a:p>
+            <a:r>
+              <a:rPr lang="en-US" smtClean="0"/>
+              <a:t>Neural Network</a:t>
+            </a:r>
+            <a:endParaRPr lang="en-US" dirty="0" smtClean="0"/>
+          </a:p>
+          <a:p>
+            <a:r>
+              <a:rPr lang="en-US" dirty="0" smtClean="0"/>
+              <a:t>Tree</a:t>
+            </a:r>
+          </a:p>
+          <a:p>
+            <a:r>
+              <a:rPr lang="en-US" dirty="0" smtClean="0"/>
+              <a:t>Clustering</a:t>
+            </a:r>
+          </a:p>
+          <a:p>
+            <a:r>
+              <a:rPr lang="en-US" dirty="0" smtClean="0"/>
+              <a:t>Supervised techniques</a:t>
+            </a:r>
+          </a:p>
+          <a:p>
+            <a:pPr lvl="1"/>
+            <a:r>
+              <a:rPr lang="en-US" dirty="0" smtClean="0"/>
+              <a:t>SVM</a:t>
+            </a:r>
+          </a:p>
+          <a:p>
+            <a:pPr lvl="1"/>
+            <a:r>
+              <a:rPr lang="en-US" dirty="0" smtClean="0"/>
+              <a:t>K- means</a:t>
             </a:r>
             <a:endParaRPr lang="en-GB" dirty="0"/>
           </a:p>
@@ -6011,7 +8482,7 @@
     </p:spTree>
     <p:extLst>
       <p:ext uri="{BB962C8B-B14F-4D97-AF65-F5344CB8AC3E}">
-        <p14:creationId xmlns:p14="http://schemas.microsoft.com/office/powerpoint/2010/main" val="3692036798"/>
+        <p14:creationId xmlns:p14="http://schemas.microsoft.com/office/powerpoint/2010/main" val="2310591001"/>
       </p:ext>
     </p:extLst>
   </p:cSld>
@@ -6055,7 +8526,7 @@
           <a:p>
             <a:r>
               <a:rPr lang="en-US" dirty="0" smtClean="0"/>
-              <a:t>Pattern Recognition(Optional)</a:t>
+              <a:t>Background</a:t>
             </a:r>
             <a:endParaRPr lang="en-GB" dirty="0"/>
           </a:p>
@@ -6073,80 +8544,38 @@
         </p:nvSpPr>
         <p:spPr/>
         <p:txBody>
-          <a:bodyPr>
-            <a:normAutofit fontScale="92500" lnSpcReduction="20000"/>
-          </a:bodyPr>
+          <a:bodyPr/>
           <a:lstStyle/>
           <a:p>
             <a:r>
               <a:rPr lang="en-US" dirty="0" smtClean="0"/>
-              <a:t>Supervised learning vs. unsupervised learning</a:t>
+              <a:t>Feature</a:t>
             </a:r>
           </a:p>
           <a:p>
             <a:r>
               <a:rPr lang="en-US" dirty="0" smtClean="0"/>
-              <a:t>Classification techniques</a:t>
+              <a:t>Metrics</a:t>
             </a:r>
           </a:p>
           <a:p>
             <a:r>
               <a:rPr lang="en-US" dirty="0" smtClean="0"/>
-              <a:t>Binary classification vs. multiclass classification</a:t>
+              <a:t>Dimensionality Reduction</a:t>
             </a:r>
           </a:p>
           <a:p>
             <a:r>
               <a:rPr lang="en-US" dirty="0" smtClean="0"/>
-              <a:t>Naïve Bayes</a:t>
-            </a:r>
-          </a:p>
-          <a:p>
-            <a:r>
-              <a:rPr lang="en-US" smtClean="0"/>
-              <a:t>Neural Network</a:t>
-            </a:r>
-            <a:endParaRPr lang="en-US" dirty="0" smtClean="0"/>
-          </a:p>
-          <a:p>
-            <a:r>
-              <a:rPr lang="en-US" dirty="0" smtClean="0"/>
-              <a:t>Tree</a:t>
-            </a:r>
-          </a:p>
-          <a:p>
-            <a:r>
-              <a:rPr lang="en-US" dirty="0" smtClean="0"/>
-              <a:t>Clustering</a:t>
-            </a:r>
-          </a:p>
-          <a:p>
-            <a:r>
-              <a:rPr lang="en-US" dirty="0" smtClean="0"/>
-              <a:t>Supervised techniques</a:t>
-            </a:r>
-          </a:p>
-          <a:p>
-            <a:pPr lvl="1"/>
-            <a:r>
-              <a:rPr lang="en-US" dirty="0" smtClean="0"/>
-              <a:t>SVM</a:t>
-            </a:r>
-          </a:p>
-          <a:p>
-            <a:pPr lvl="1"/>
-            <a:r>
-              <a:rPr lang="en-US" dirty="0" smtClean="0"/>
-              <a:t>K- means</a:t>
-            </a:r>
-            <a:endParaRPr lang="en-GB" dirty="0"/>
+              <a:t>Classification</a:t>
+            </a:r>
           </a:p>
         </p:txBody>
       </p:sp>
     </p:spTree>
     <p:extLst>
       <p:ext uri="{BB962C8B-B14F-4D97-AF65-F5344CB8AC3E}">
-        <p14:creationId xmlns:p14="http://schemas.microsoft.com/office/powerpoint/2010/main" val="2310591001"/>
+        <p14:creationId xmlns:p14="http://schemas.microsoft.com/office/powerpoint/2010/main" val="4260792515"/>
       </p:ext>
     </p:extLst>
   </p:cSld>
@@ -6190,6 +8619,136 @@
           <a:p>
             <a:r>
               <a:rPr lang="en-US" dirty="0" smtClean="0"/>
+              <a:t>The Arabic Letters</a:t>
+            </a:r>
+            <a:endParaRPr lang="en-GB" dirty="0"/>
+          </a:p>
+        </p:txBody>
+      </p:sp>
+      <p:sp>
+        <p:nvSpPr>
+          <p:cNvPr id="3" name="Content Placeholder 2"/>
+          <p:cNvSpPr>
+            <a:spLocks noGrp="1"/>
+          </p:cNvSpPr>
+          <p:nvPr>
+            <p:ph idx="1"/>
+          </p:nvPr>
+        </p:nvSpPr>
+        <p:spPr/>
+        <p:txBody>
+          <a:bodyPr/>
+          <a:lstStyle/>
+          <a:p>
+            <a:r>
+              <a:rPr lang="en-US" dirty="0" smtClean="0"/>
+              <a:t>Arabic is the Mother tongue of more than 350 Million people.</a:t>
+            </a:r>
+          </a:p>
+          <a:p>
+            <a:r>
+              <a:rPr lang="en-US" dirty="0" smtClean="0"/>
+              <a:t>Other languages that use the </a:t>
+            </a:r>
+            <a:r>
+              <a:rPr lang="en-US" dirty="0"/>
+              <a:t>A</a:t>
+            </a:r>
+            <a:r>
+              <a:rPr lang="en-US" dirty="0" smtClean="0"/>
+              <a:t>rabic letters is </a:t>
+            </a:r>
+            <a:r>
+              <a:rPr lang="en-US" dirty="0" err="1" smtClean="0"/>
+              <a:t>parsian</a:t>
+            </a:r>
+            <a:r>
+              <a:rPr lang="en-US" dirty="0" smtClean="0"/>
+              <a:t> ...</a:t>
+            </a:r>
+          </a:p>
+          <a:p>
+            <a:r>
+              <a:rPr lang="en-US" dirty="0" smtClean="0"/>
+              <a:t>How many manuscripts arte written in Arabic</a:t>
+            </a:r>
+          </a:p>
+          <a:p>
+            <a:r>
+              <a:rPr lang="en-US" dirty="0" smtClean="0"/>
+              <a:t>Arabic is a cursive language</a:t>
+            </a:r>
+          </a:p>
+          <a:p>
+            <a:r>
+              <a:rPr lang="en-US" dirty="0" smtClean="0"/>
+              <a:t>It is composed by word parts.</a:t>
+            </a:r>
+          </a:p>
+          <a:p>
+            <a:r>
+              <a:rPr lang="en-US" dirty="0" smtClean="0"/>
+              <a:t>Show samples of </a:t>
+            </a:r>
+            <a:r>
+              <a:rPr lang="en-US" dirty="0"/>
+              <a:t>A</a:t>
+            </a:r>
+            <a:r>
+              <a:rPr lang="en-US" dirty="0" smtClean="0"/>
+              <a:t>rabic script.</a:t>
+            </a:r>
+            <a:endParaRPr lang="en-GB" dirty="0"/>
+          </a:p>
+        </p:txBody>
+      </p:sp>
+    </p:spTree>
+    <p:extLst>
+      <p:ext uri="{BB962C8B-B14F-4D97-AF65-F5344CB8AC3E}">
+        <p14:creationId xmlns:p14="http://schemas.microsoft.com/office/powerpoint/2010/main" val="2134239900"/>
+      </p:ext>
+    </p:extLst>
+  </p:cSld>
+  <p:clrMapOvr>
+    <a:masterClrMapping/>
+  </p:clrMapOvr>
+</p:sld>
+</file>
+
+<file path=ppt/slides/slide6.xml><?xml version="1.0" encoding="utf-8"?>
+<p:sld xmlns:a="http://schemas.openxmlformats.org/drawingml/2006/main" xmlns:r="http://schemas.openxmlformats.org/officeDocument/2006/relationships" xmlns:p="http://schemas.openxmlformats.org/presentationml/2006/main">
+  <p:cSld>
+    <p:spTree>
+      <p:nvGrpSpPr>
+        <p:cNvPr id="1" name=""/>
+        <p:cNvGrpSpPr/>
+        <p:nvPr/>
+      </p:nvGrpSpPr>
+      <p:grpSpPr>
+        <a:xfrm>
+          <a:off x="0" y="0"/>
+          <a:ext cx="0" cy="0"/>
+          <a:chOff x="0" y="0"/>
+          <a:chExt cx="0" cy="0"/>
+        </a:xfrm>
+      </p:grpSpPr>
+      <p:sp>
+        <p:nvSpPr>
+          <p:cNvPr id="2" name="Title 1"/>
+          <p:cNvSpPr>
+            <a:spLocks noGrp="1"/>
+          </p:cNvSpPr>
+          <p:nvPr>
+            <p:ph type="title"/>
+          </p:nvPr>
+        </p:nvSpPr>
+        <p:spPr/>
+        <p:txBody>
+          <a:bodyPr/>
+          <a:lstStyle/>
+          <a:p>
+            <a:r>
+              <a:rPr lang="en-US" dirty="0" smtClean="0"/>
               <a:t>Support Vector Machines</a:t>
             </a:r>
             <a:endParaRPr lang="en-GB" dirty="0"/>
@@ -6217,7 +8776,7 @@
         </p:spPr>
         <p:txBody>
           <a:bodyPr vert="horz" lIns="91440" tIns="45720" rIns="91440" bIns="45720" rtlCol="0">
-            <a:normAutofit lnSpcReduction="10000"/>
+            <a:normAutofit fontScale="92500"/>
           </a:bodyPr>
           <a:lstStyle>
             <a:lvl1pPr marL="342900" indent="-342900" algn="l" defTabSz="914400" rtl="0" eaLnBrk="1" latinLnBrk="0" hangingPunct="1">
@@ -7988,7 +10547,7 @@
           <a:graphicData uri="http://schemas.openxmlformats.org/presentationml/2006/ole">
             <mc:AlternateContent xmlns:mc="http://schemas.openxmlformats.org/markup-compatibility/2006">
               <mc:Choice xmlns:v="urn:schemas-microsoft-com:vml" Requires="v">
-                <p:oleObj spid="_x0000_s3082" name="Equation" r:id="rId3" imgW="2197080" imgH="317160" progId="Equation.DSMT4">
+                <p:oleObj spid="_x0000_s3094" name="Equation" r:id="rId3" imgW="2197080" imgH="317160" progId="Equation.DSMT4">
                   <p:embed/>
                 </p:oleObj>
               </mc:Choice>
@@ -8045,7 +10604,7 @@
           <a:graphicData uri="http://schemas.openxmlformats.org/presentationml/2006/ole">
             <mc:AlternateContent xmlns:mc="http://schemas.openxmlformats.org/markup-compatibility/2006">
               <mc:Choice xmlns:v="urn:schemas-microsoft-com:vml" Requires="v">
-                <p:oleObj spid="_x0000_s3083" name="Equation" r:id="rId5" imgW="736560" imgH="177480" progId="Equation.DSMT4">
+                <p:oleObj spid="_x0000_s3095" name="Equation" r:id="rId5" imgW="736560" imgH="177480" progId="Equation.DSMT4">
                   <p:embed/>
                 </p:oleObj>
               </mc:Choice>
@@ -8168,7 +10727,7 @@
 </p:sld>
 </file>
 
-<file path=ppt/slides/slide6.xml><?xml version="1.0" encoding="utf-8"?>
+<file path=ppt/slides/slide7.xml><?xml version="1.0" encoding="utf-8"?>
 <p:sld xmlns:a="http://schemas.openxmlformats.org/drawingml/2006/main" xmlns:r="http://schemas.openxmlformats.org/officeDocument/2006/relationships" xmlns:p="http://schemas.openxmlformats.org/presentationml/2006/main">
   <p:cSld>
     <p:spTree>
@@ -11053,7 +13612,7 @@
           <a:graphicData uri="http://schemas.openxmlformats.org/presentationml/2006/ole">
             <mc:AlternateContent xmlns:mc="http://schemas.openxmlformats.org/markup-compatibility/2006">
               <mc:Choice xmlns:v="urn:schemas-microsoft-com:vml" Requires="v">
-                <p:oleObj spid="_x0000_s4108" name="Equation" r:id="rId4" imgW="266400" imgH="444240" progId="Equation.DSMT4">
+                <p:oleObj spid="_x0000_s4120" name="Equation" r:id="rId4" imgW="266400" imgH="444240" progId="Equation.DSMT4">
                   <p:embed/>
                 </p:oleObj>
               </mc:Choice>
@@ -11110,7 +13669,7 @@
           <a:graphicData uri="http://schemas.openxmlformats.org/presentationml/2006/ole">
             <mc:AlternateContent xmlns:mc="http://schemas.openxmlformats.org/markup-compatibility/2006">
               <mc:Choice xmlns:v="urn:schemas-microsoft-com:vml" Requires="v">
-                <p:oleObj spid="_x0000_s4109" name="Equation" r:id="rId6" imgW="1574640" imgH="253800" progId="Equation.DSMT4">
+                <p:oleObj spid="_x0000_s4121" name="Equation" r:id="rId6" imgW="1574640" imgH="253800" progId="Equation.DSMT4">
                   <p:embed/>
                 </p:oleObj>
               </mc:Choice>
@@ -11507,7 +14066,7 @@
 </p:sld>
 </file>
 
-<file path=ppt/slides/slide7.xml><?xml version="1.0" encoding="utf-8"?>
+<file path=ppt/slides/slide8.xml><?xml version="1.0" encoding="utf-8"?>
 <p:sld xmlns:a="http://schemas.openxmlformats.org/drawingml/2006/main" xmlns:r="http://schemas.openxmlformats.org/officeDocument/2006/relationships" xmlns:p="http://schemas.openxmlformats.org/presentationml/2006/main">
   <p:cSld>
     <p:spTree>
@@ -14826,7 +17385,7 @@
 </p:sld>
 </file>
 
-<file path=ppt/slides/slide8.xml><?xml version="1.0" encoding="utf-8"?>
+<file path=ppt/slides/slide9.xml><?xml version="1.0" encoding="utf-8"?>
 <p:sld xmlns:a="http://schemas.openxmlformats.org/drawingml/2006/main" xmlns:r="http://schemas.openxmlformats.org/officeDocument/2006/relationships" xmlns:p="http://schemas.openxmlformats.org/presentationml/2006/main">
   <p:cSld>
     <p:spTree>
@@ -14997,7 +17556,7 @@
           <a:graphicData uri="http://schemas.openxmlformats.org/presentationml/2006/ole">
             <mc:AlternateContent xmlns:mc="http://schemas.openxmlformats.org/markup-compatibility/2006">
               <mc:Choice xmlns:v="urn:schemas-microsoft-com:vml" Requires="v">
-                <p:oleObj spid="_x0000_s1038" name="Equation" r:id="rId3" imgW="2501640" imgH="342720" progId="Equation.DSMT4">
+                <p:oleObj spid="_x0000_s1050" name="Equation" r:id="rId3" imgW="2501640" imgH="342720" progId="Equation.DSMT4">
                   <p:embed/>
                 </p:oleObj>
               </mc:Choice>
@@ -15324,7 +17883,7 @@
           <a:graphicData uri="http://schemas.openxmlformats.org/presentationml/2006/ole">
             <mc:AlternateContent xmlns:mc="http://schemas.openxmlformats.org/markup-compatibility/2006">
               <mc:Choice xmlns:v="urn:schemas-microsoft-com:vml" Requires="v">
-                <p:oleObj spid="_x0000_s1039" name="Equation" r:id="rId5" imgW="1473120" imgH="253800" progId="Equation.DSMT4">
+                <p:oleObj spid="_x0000_s1051" name="Equation" r:id="rId5" imgW="1473120" imgH="253800" progId="Equation.DSMT4">
                   <p:embed/>
                 </p:oleObj>
               </mc:Choice>
@@ -15593,1862 +18152,39 @@
 </p:sld>
 </file>
 
-<file path=ppt/slides/slide9.xml><?xml version="1.0" encoding="utf-8"?>
-<p:sld xmlns:a="http://schemas.openxmlformats.org/drawingml/2006/main" xmlns:r="http://schemas.openxmlformats.org/officeDocument/2006/relationships" xmlns:p="http://schemas.openxmlformats.org/presentationml/2006/main">
-  <p:cSld>
-    <p:spTree>
-      <p:nvGrpSpPr>
-        <p:cNvPr id="1" name=""/>
-        <p:cNvGrpSpPr/>
-        <p:nvPr/>
-      </p:nvGrpSpPr>
-      <p:grpSpPr>
-        <a:xfrm>
-          <a:off x="0" y="0"/>
-          <a:ext cx="0" cy="0"/>
-          <a:chOff x="0" y="0"/>
-          <a:chExt cx="0" cy="0"/>
-        </a:xfrm>
-      </p:grpSpPr>
-      <p:sp>
-        <p:nvSpPr>
-          <p:cNvPr id="98306" name="Rectangle 2"/>
-          <p:cNvSpPr>
-            <a:spLocks noChangeArrowheads="1"/>
-          </p:cNvSpPr>
-          <p:nvPr/>
-        </p:nvSpPr>
-        <p:spPr bwMode="auto">
-          <a:xfrm>
-            <a:off x="381000" y="228600"/>
-            <a:ext cx="8382000" cy="685800"/>
-          </a:xfrm>
-          <a:prstGeom prst="rect">
-            <a:avLst/>
-          </a:prstGeom>
-          <a:noFill/>
-          <a:ln>
-            <a:noFill/>
-          </a:ln>
-          <a:effectLst/>
-          <a:extLst>
-            <a:ext uri="{909E8E84-426E-40DD-AFC4-6F175D3DCCD1}">
-              <a14:hiddenFill xmlns:a14="http://schemas.microsoft.com/office/drawing/2010/main">
-                <a:solidFill>
-                  <a:schemeClr val="accent1"/>
-                </a:solidFill>
-              </a14:hiddenFill>
-            </a:ext>
-            <a:ext uri="{91240B29-F687-4F45-9708-019B960494DF}">
-              <a14:hiddenLine xmlns:a14="http://schemas.microsoft.com/office/drawing/2010/main" w="9525">
-                <a:solidFill>
-                  <a:schemeClr val="tx1"/>
-                </a:solidFill>
-                <a:miter lim="800000"/>
-                <a:headEnd/>
-                <a:tailEnd/>
-              </a14:hiddenLine>
-            </a:ext>
-            <a:ext uri="{AF507438-7753-43E0-B8FC-AC1667EBCBE1}">
-              <a14:hiddenEffects xmlns:a14="http://schemas.microsoft.com/office/drawing/2010/main">
-                <a:effectLst>
-                  <a:outerShdw dist="35921" dir="2700000" algn="ctr" rotWithShape="0">
-                    <a:schemeClr val="bg2"/>
-                  </a:outerShdw>
-                </a:effectLst>
-              </a14:hiddenEffects>
-            </a:ext>
-          </a:extLst>
-        </p:spPr>
-        <p:txBody>
-          <a:bodyPr anchor="ctr"/>
-          <a:lstStyle/>
-          <a:p>
-            <a:r>
-              <a:rPr lang="en-US" altLang="zh-CN" sz="4200">
-                <a:solidFill>
-                  <a:schemeClr val="tx2"/>
-                </a:solidFill>
-                <a:latin typeface="Garamond" pitchFamily="18" charset="0"/>
-              </a:rPr>
-              <a:t>Nonlinear SVMs: The Kernel Trick</a:t>
-            </a:r>
-          </a:p>
-        </p:txBody>
-      </p:sp>
-      <p:sp>
-        <p:nvSpPr>
-          <p:cNvPr id="98307" name="Rectangle 3"/>
-          <p:cNvSpPr>
-            <a:spLocks noChangeArrowheads="1"/>
-          </p:cNvSpPr>
-          <p:nvPr/>
-        </p:nvSpPr>
-        <p:spPr bwMode="auto">
-          <a:xfrm>
-            <a:off x="228600" y="1752600"/>
-            <a:ext cx="8839200" cy="4191000"/>
-          </a:xfrm>
-          <a:prstGeom prst="rect">
-            <a:avLst/>
-          </a:prstGeom>
-          <a:noFill/>
-          <a:ln>
-            <a:noFill/>
-          </a:ln>
-          <a:effectLst/>
-          <a:extLst>
-            <a:ext uri="{909E8E84-426E-40DD-AFC4-6F175D3DCCD1}">
-              <a14:hiddenFill xmlns:a14="http://schemas.microsoft.com/office/drawing/2010/main">
-                <a:solidFill>
-                  <a:schemeClr val="accent1"/>
-                </a:solidFill>
-              </a14:hiddenFill>
-            </a:ext>
-            <a:ext uri="{91240B29-F687-4F45-9708-019B960494DF}">
-              <a14:hiddenLine xmlns:a14="http://schemas.microsoft.com/office/drawing/2010/main" w="9525">
-                <a:solidFill>
-                  <a:schemeClr val="tx1"/>
-                </a:solidFill>
-                <a:miter lim="800000"/>
-                <a:headEnd/>
-                <a:tailEnd/>
-              </a14:hiddenLine>
-            </a:ext>
-            <a:ext uri="{AF507438-7753-43E0-B8FC-AC1667EBCBE1}">
-              <a14:hiddenEffects xmlns:a14="http://schemas.microsoft.com/office/drawing/2010/main">
-                <a:effectLst>
-                  <a:outerShdw dist="35921" dir="2700000" algn="ctr" rotWithShape="0">
-                    <a:schemeClr val="bg2"/>
-                  </a:outerShdw>
-                </a:effectLst>
-              </a14:hiddenEffects>
-            </a:ext>
-          </a:extLst>
-        </p:spPr>
-        <p:txBody>
-          <a:bodyPr/>
-          <a:lstStyle/>
-          <a:p>
-            <a:pPr marL="342900" indent="-342900">
-              <a:spcBef>
-                <a:spcPct val="20000"/>
-              </a:spcBef>
-              <a:buClr>
-                <a:schemeClr val="accent1"/>
-              </a:buClr>
-              <a:buSzPct val="65000"/>
-              <a:buFont typeface="Wingdings" pitchFamily="2" charset="2"/>
-              <a:buNone/>
-            </a:pPr>
-            <a:r>
-              <a:rPr lang="en-US" altLang="zh-CN" sz="2000" b="1">
-                <a:latin typeface="Times New Roman" pitchFamily="18" charset="0"/>
-              </a:rPr>
-              <a:t>	</a:t>
-            </a:r>
-            <a:r>
-              <a:rPr lang="en-US" altLang="zh-CN" sz="2000"/>
-              <a:t>2-dimensional vectors</a:t>
-            </a:r>
-            <a:r>
-              <a:rPr lang="en-US" altLang="zh-CN" sz="2000" b="1">
-                <a:latin typeface="Times New Roman" pitchFamily="18" charset="0"/>
-              </a:rPr>
-              <a:t> x=[</a:t>
-            </a:r>
-            <a:r>
-              <a:rPr lang="en-US" altLang="zh-CN" sz="2000" b="1" i="1">
-                <a:latin typeface="Times New Roman" pitchFamily="18" charset="0"/>
-              </a:rPr>
-              <a:t>x</a:t>
-            </a:r>
-            <a:r>
-              <a:rPr lang="en-US" altLang="zh-CN" sz="2000" b="1" i="1" baseline="-25000">
-                <a:latin typeface="Times New Roman" pitchFamily="18" charset="0"/>
-              </a:rPr>
-              <a:t>1   </a:t>
-            </a:r>
-            <a:r>
-              <a:rPr lang="en-US" altLang="zh-CN" sz="2000" b="1" i="1">
-                <a:latin typeface="Times New Roman" pitchFamily="18" charset="0"/>
-              </a:rPr>
-              <a:t>x</a:t>
-            </a:r>
-            <a:r>
-              <a:rPr lang="en-US" altLang="zh-CN" sz="2000" b="1" i="1" baseline="-25000">
-                <a:latin typeface="Times New Roman" pitchFamily="18" charset="0"/>
-              </a:rPr>
-              <a:t>2</a:t>
-            </a:r>
-            <a:r>
-              <a:rPr lang="en-US" altLang="zh-CN" sz="2000" b="1">
-                <a:latin typeface="Times New Roman" pitchFamily="18" charset="0"/>
-              </a:rPr>
-              <a:t>];  </a:t>
-            </a:r>
-          </a:p>
-          <a:p>
-            <a:pPr marL="342900" indent="-342900">
-              <a:spcBef>
-                <a:spcPct val="20000"/>
-              </a:spcBef>
-              <a:buClr>
-                <a:schemeClr val="accent1"/>
-              </a:buClr>
-              <a:buSzPct val="65000"/>
-              <a:buFont typeface="Wingdings" pitchFamily="2" charset="2"/>
-              <a:buNone/>
-            </a:pPr>
-            <a:endParaRPr lang="en-US" altLang="zh-CN" sz="2000" b="1">
-              <a:latin typeface="Times New Roman" pitchFamily="18" charset="0"/>
-            </a:endParaRPr>
-          </a:p>
-          <a:p>
-            <a:pPr marL="342900" indent="-342900">
-              <a:spcBef>
-                <a:spcPct val="20000"/>
-              </a:spcBef>
-              <a:buClr>
-                <a:schemeClr val="accent1"/>
-              </a:buClr>
-              <a:buSzPct val="65000"/>
-              <a:buFont typeface="Wingdings" pitchFamily="2" charset="2"/>
-              <a:buNone/>
-            </a:pPr>
-            <a:r>
-              <a:rPr lang="en-US" altLang="zh-CN" sz="2000"/>
-              <a:t>     let</a:t>
-            </a:r>
-            <a:r>
-              <a:rPr lang="en-US" altLang="zh-CN" sz="2000" b="1">
-                <a:latin typeface="Times New Roman" pitchFamily="18" charset="0"/>
-              </a:rPr>
-              <a:t> </a:t>
-            </a:r>
-            <a:r>
-              <a:rPr lang="en-US" altLang="zh-CN" sz="2000" b="1" i="1">
-                <a:latin typeface="Times New Roman" pitchFamily="18" charset="0"/>
-              </a:rPr>
-              <a:t>K</a:t>
-            </a:r>
-            <a:r>
-              <a:rPr lang="en-US" altLang="zh-CN" sz="2000" b="1">
-                <a:latin typeface="Times New Roman" pitchFamily="18" charset="0"/>
-              </a:rPr>
-              <a:t>(x</a:t>
-            </a:r>
-            <a:r>
-              <a:rPr lang="en-US" altLang="zh-CN" sz="2000" b="1" baseline="-25000">
-                <a:latin typeface="Times New Roman" pitchFamily="18" charset="0"/>
-              </a:rPr>
-              <a:t>i</a:t>
-            </a:r>
-            <a:r>
-              <a:rPr lang="en-US" altLang="zh-CN" sz="2000" b="1">
-                <a:latin typeface="Times New Roman" pitchFamily="18" charset="0"/>
-              </a:rPr>
-              <a:t>,x</a:t>
-            </a:r>
-            <a:r>
-              <a:rPr lang="en-US" altLang="zh-CN" sz="2000" b="1" baseline="-25000">
-                <a:latin typeface="Times New Roman" pitchFamily="18" charset="0"/>
-              </a:rPr>
-              <a:t>j</a:t>
-            </a:r>
-            <a:r>
-              <a:rPr lang="en-US" altLang="zh-CN" sz="2000" b="1">
-                <a:latin typeface="Times New Roman" pitchFamily="18" charset="0"/>
-              </a:rPr>
-              <a:t>)=(1 + x</a:t>
-            </a:r>
-            <a:r>
-              <a:rPr lang="en-US" altLang="zh-CN" sz="2000" b="1" baseline="-25000">
-                <a:latin typeface="Times New Roman" pitchFamily="18" charset="0"/>
-              </a:rPr>
-              <a:t>i</a:t>
-            </a:r>
-            <a:r>
-              <a:rPr lang="en-US" altLang="zh-CN" sz="2000" b="1" baseline="30000">
-                <a:latin typeface="Times New Roman" pitchFamily="18" charset="0"/>
-              </a:rPr>
-              <a:t>T</a:t>
-            </a:r>
-            <a:r>
-              <a:rPr lang="en-US" altLang="zh-CN" sz="2000" b="1">
-                <a:latin typeface="Times New Roman" pitchFamily="18" charset="0"/>
-              </a:rPr>
-              <a:t>x</a:t>
-            </a:r>
-            <a:r>
-              <a:rPr lang="en-US" altLang="zh-CN" sz="2000" b="1" baseline="-25000">
-                <a:latin typeface="Times New Roman" pitchFamily="18" charset="0"/>
-              </a:rPr>
-              <a:t>j</a:t>
-            </a:r>
-            <a:r>
-              <a:rPr lang="en-US" altLang="zh-CN" sz="2000" b="1">
-                <a:latin typeface="Times New Roman" pitchFamily="18" charset="0"/>
-              </a:rPr>
-              <a:t>)</a:t>
-            </a:r>
-            <a:r>
-              <a:rPr lang="en-US" altLang="zh-CN" sz="2000" b="1" baseline="30000">
-                <a:latin typeface="Times New Roman" pitchFamily="18" charset="0"/>
-              </a:rPr>
-              <a:t>2</a:t>
-            </a:r>
-            <a:r>
-              <a:rPr lang="en-US" altLang="zh-CN" sz="2000" b="1" baseline="-25000">
-                <a:latin typeface="Times New Roman" pitchFamily="18" charset="0"/>
-              </a:rPr>
-              <a:t>,</a:t>
-            </a:r>
-            <a:endParaRPr lang="en-US" altLang="zh-CN" sz="2000" b="1">
-              <a:latin typeface="Times New Roman" pitchFamily="18" charset="0"/>
-            </a:endParaRPr>
-          </a:p>
-          <a:p>
-            <a:pPr marL="342900" indent="-342900">
-              <a:spcBef>
-                <a:spcPct val="20000"/>
-              </a:spcBef>
-              <a:buClr>
-                <a:schemeClr val="accent1"/>
-              </a:buClr>
-              <a:buSzPct val="65000"/>
-              <a:buFont typeface="Wingdings" pitchFamily="2" charset="2"/>
-              <a:buNone/>
-            </a:pPr>
-            <a:r>
-              <a:rPr lang="en-US" altLang="zh-CN" sz="2000" b="1">
-                <a:latin typeface="Times New Roman" pitchFamily="18" charset="0"/>
-              </a:rPr>
-              <a:t>	</a:t>
-            </a:r>
-          </a:p>
-          <a:p>
-            <a:pPr marL="342900" indent="-342900">
-              <a:spcBef>
-                <a:spcPct val="20000"/>
-              </a:spcBef>
-              <a:buClr>
-                <a:schemeClr val="accent1"/>
-              </a:buClr>
-              <a:buSzPct val="65000"/>
-              <a:buFont typeface="Wingdings" pitchFamily="2" charset="2"/>
-              <a:buNone/>
-            </a:pPr>
-            <a:r>
-              <a:rPr lang="en-US" altLang="zh-CN" sz="2000" b="1">
-                <a:latin typeface="Times New Roman" pitchFamily="18" charset="0"/>
-              </a:rPr>
-              <a:t>     </a:t>
-            </a:r>
-            <a:r>
-              <a:rPr lang="en-US" altLang="zh-CN" sz="2000"/>
-              <a:t>Need to show that</a:t>
-            </a:r>
-            <a:r>
-              <a:rPr lang="en-US" altLang="zh-CN" sz="2000" b="1">
-                <a:latin typeface="Times New Roman" pitchFamily="18" charset="0"/>
-              </a:rPr>
-              <a:t> </a:t>
-            </a:r>
-            <a:r>
-              <a:rPr lang="en-US" altLang="zh-CN" sz="2000" b="1" i="1">
-                <a:latin typeface="Times New Roman" pitchFamily="18" charset="0"/>
-              </a:rPr>
-              <a:t>K</a:t>
-            </a:r>
-            <a:r>
-              <a:rPr lang="en-US" altLang="zh-CN" sz="2000" b="1">
-                <a:latin typeface="Times New Roman" pitchFamily="18" charset="0"/>
-              </a:rPr>
-              <a:t>(x</a:t>
-            </a:r>
-            <a:r>
-              <a:rPr lang="en-US" altLang="zh-CN" sz="2000" b="1" baseline="-25000">
-                <a:latin typeface="Times New Roman" pitchFamily="18" charset="0"/>
-              </a:rPr>
-              <a:t>i</a:t>
-            </a:r>
-            <a:r>
-              <a:rPr lang="en-US" altLang="zh-CN" sz="2000" b="1">
-                <a:latin typeface="Times New Roman" pitchFamily="18" charset="0"/>
-              </a:rPr>
-              <a:t>,x</a:t>
-            </a:r>
-            <a:r>
-              <a:rPr lang="en-US" altLang="zh-CN" sz="2000" b="1" baseline="-25000">
-                <a:latin typeface="Times New Roman" pitchFamily="18" charset="0"/>
-              </a:rPr>
-              <a:t>j</a:t>
-            </a:r>
-            <a:r>
-              <a:rPr lang="en-US" altLang="zh-CN" sz="2000" b="1">
-                <a:latin typeface="Times New Roman" pitchFamily="18" charset="0"/>
-              </a:rPr>
-              <a:t>) = </a:t>
-            </a:r>
-            <a:r>
-              <a:rPr lang="el-GR" sz="2000" b="1">
-                <a:latin typeface="Times New Roman" pitchFamily="18" charset="0"/>
-                <a:cs typeface="Times New Roman" pitchFamily="18" charset="0"/>
-              </a:rPr>
-              <a:t>φ</a:t>
-            </a:r>
-            <a:r>
-              <a:rPr lang="en-US" altLang="zh-CN" sz="2000" b="1">
-                <a:latin typeface="Times New Roman" pitchFamily="18" charset="0"/>
-              </a:rPr>
-              <a:t>(x</a:t>
-            </a:r>
-            <a:r>
-              <a:rPr lang="en-US" altLang="zh-CN" sz="2000" b="1" baseline="-25000">
-                <a:latin typeface="Times New Roman" pitchFamily="18" charset="0"/>
-              </a:rPr>
-              <a:t>i</a:t>
-            </a:r>
-            <a:r>
-              <a:rPr lang="en-US" altLang="zh-CN" sz="2000" b="1">
-                <a:latin typeface="Times New Roman" pitchFamily="18" charset="0"/>
-              </a:rPr>
-              <a:t>)</a:t>
-            </a:r>
-            <a:r>
-              <a:rPr lang="en-US" altLang="zh-CN" sz="2000" b="1" baseline="-25000">
-                <a:latin typeface="Times New Roman" pitchFamily="18" charset="0"/>
-              </a:rPr>
-              <a:t> </a:t>
-            </a:r>
-            <a:r>
-              <a:rPr lang="en-US" altLang="zh-CN" sz="2000" b="1" baseline="30000">
-                <a:latin typeface="Times New Roman" pitchFamily="18" charset="0"/>
-              </a:rPr>
-              <a:t>T</a:t>
-            </a:r>
-            <a:r>
-              <a:rPr lang="el-GR" sz="2000" b="1">
-                <a:latin typeface="Times New Roman" pitchFamily="18" charset="0"/>
-                <a:cs typeface="Times New Roman" pitchFamily="18" charset="0"/>
-              </a:rPr>
-              <a:t>φ</a:t>
-            </a:r>
-            <a:r>
-              <a:rPr lang="en-US" altLang="zh-CN" sz="2000" b="1">
-                <a:latin typeface="Times New Roman" pitchFamily="18" charset="0"/>
-              </a:rPr>
-              <a:t>(x</a:t>
-            </a:r>
-            <a:r>
-              <a:rPr lang="en-US" altLang="zh-CN" sz="2000" b="1" baseline="-25000">
-                <a:latin typeface="Times New Roman" pitchFamily="18" charset="0"/>
-              </a:rPr>
-              <a:t>j</a:t>
-            </a:r>
-            <a:r>
-              <a:rPr lang="en-US" altLang="zh-CN" sz="2000" b="1">
-                <a:latin typeface="Times New Roman" pitchFamily="18" charset="0"/>
-              </a:rPr>
-              <a:t>):</a:t>
-            </a:r>
-          </a:p>
-          <a:p>
-            <a:pPr marL="342900" indent="-342900">
-              <a:spcBef>
-                <a:spcPct val="20000"/>
-              </a:spcBef>
-              <a:buClr>
-                <a:schemeClr val="accent1"/>
-              </a:buClr>
-              <a:buSzPct val="65000"/>
-              <a:buFont typeface="Wingdings" pitchFamily="2" charset="2"/>
-              <a:buNone/>
-            </a:pPr>
-            <a:r>
-              <a:rPr lang="en-US" altLang="zh-CN" sz="2000" b="1">
-                <a:latin typeface="Times New Roman" pitchFamily="18" charset="0"/>
-              </a:rPr>
-              <a:t>	 </a:t>
-            </a:r>
-          </a:p>
-          <a:p>
-            <a:pPr marL="342900" indent="-342900">
-              <a:spcBef>
-                <a:spcPct val="20000"/>
-              </a:spcBef>
-              <a:buClr>
-                <a:schemeClr val="accent1"/>
-              </a:buClr>
-              <a:buSzPct val="65000"/>
-              <a:buFont typeface="Wingdings" pitchFamily="2" charset="2"/>
-              <a:buNone/>
-            </a:pPr>
-            <a:r>
-              <a:rPr lang="en-US" altLang="zh-CN" sz="2000" b="1">
-                <a:latin typeface="Times New Roman" pitchFamily="18" charset="0"/>
-              </a:rPr>
-              <a:t>     </a:t>
-            </a:r>
-            <a:r>
-              <a:rPr lang="en-US" altLang="zh-CN" sz="2000" b="1" i="1">
-                <a:latin typeface="Times New Roman" pitchFamily="18" charset="0"/>
-              </a:rPr>
-              <a:t>K</a:t>
-            </a:r>
-            <a:r>
-              <a:rPr lang="en-US" altLang="zh-CN" sz="2000" b="1">
-                <a:latin typeface="Times New Roman" pitchFamily="18" charset="0"/>
-              </a:rPr>
-              <a:t>(x</a:t>
-            </a:r>
-            <a:r>
-              <a:rPr lang="en-US" altLang="zh-CN" sz="2000" b="1" baseline="-25000">
-                <a:latin typeface="Times New Roman" pitchFamily="18" charset="0"/>
-              </a:rPr>
-              <a:t>i</a:t>
-            </a:r>
-            <a:r>
-              <a:rPr lang="en-US" altLang="zh-CN" sz="2000" b="1">
-                <a:latin typeface="Times New Roman" pitchFamily="18" charset="0"/>
-              </a:rPr>
-              <a:t>,x</a:t>
-            </a:r>
-            <a:r>
-              <a:rPr lang="en-US" altLang="zh-CN" sz="2000" b="1" baseline="-25000">
-                <a:latin typeface="Times New Roman" pitchFamily="18" charset="0"/>
-              </a:rPr>
-              <a:t>j</a:t>
-            </a:r>
-            <a:r>
-              <a:rPr lang="en-US" altLang="zh-CN" sz="2000" b="1">
-                <a:latin typeface="Times New Roman" pitchFamily="18" charset="0"/>
-              </a:rPr>
-              <a:t>)=(1 + x</a:t>
-            </a:r>
-            <a:r>
-              <a:rPr lang="en-US" altLang="zh-CN" sz="2000" b="1" baseline="-25000">
-                <a:latin typeface="Times New Roman" pitchFamily="18" charset="0"/>
-              </a:rPr>
-              <a:t>i</a:t>
-            </a:r>
-            <a:r>
-              <a:rPr lang="en-US" altLang="zh-CN" sz="2000" b="1" baseline="30000">
-                <a:latin typeface="Times New Roman" pitchFamily="18" charset="0"/>
-              </a:rPr>
-              <a:t>T</a:t>
-            </a:r>
-            <a:r>
-              <a:rPr lang="en-US" altLang="zh-CN" sz="2000" b="1">
-                <a:latin typeface="Times New Roman" pitchFamily="18" charset="0"/>
-              </a:rPr>
-              <a:t>x</a:t>
-            </a:r>
-            <a:r>
-              <a:rPr lang="en-US" altLang="zh-CN" sz="2000" b="1" baseline="-25000">
-                <a:latin typeface="Times New Roman" pitchFamily="18" charset="0"/>
-              </a:rPr>
-              <a:t>j</a:t>
-            </a:r>
-            <a:r>
-              <a:rPr lang="en-US" altLang="zh-CN" sz="2000" b="1">
-                <a:latin typeface="Times New Roman" pitchFamily="18" charset="0"/>
-              </a:rPr>
-              <a:t>)</a:t>
-            </a:r>
-            <a:r>
-              <a:rPr lang="en-US" altLang="zh-CN" sz="2000" b="1" baseline="30000">
-                <a:latin typeface="Times New Roman" pitchFamily="18" charset="0"/>
-              </a:rPr>
-              <a:t>2</a:t>
-            </a:r>
-            <a:r>
-              <a:rPr lang="en-US" altLang="zh-CN" sz="2000" b="1" baseline="-25000">
-                <a:latin typeface="Times New Roman" pitchFamily="18" charset="0"/>
-              </a:rPr>
-              <a:t>,</a:t>
-            </a:r>
-          </a:p>
-          <a:p>
-            <a:pPr marL="342900" indent="-342900">
-              <a:spcBef>
-                <a:spcPct val="20000"/>
-              </a:spcBef>
-              <a:buClr>
-                <a:schemeClr val="accent1"/>
-              </a:buClr>
-              <a:buSzPct val="65000"/>
-              <a:buFont typeface="Wingdings" pitchFamily="2" charset="2"/>
-              <a:buNone/>
-            </a:pPr>
-            <a:r>
-              <a:rPr lang="en-US" altLang="zh-CN" sz="2000" b="1" baseline="-25000">
-                <a:latin typeface="Times New Roman" pitchFamily="18" charset="0"/>
-              </a:rPr>
-              <a:t>                           </a:t>
-            </a:r>
-            <a:r>
-              <a:rPr lang="en-US" altLang="zh-CN" sz="2000" b="1">
-                <a:latin typeface="Times New Roman" pitchFamily="18" charset="0"/>
-              </a:rPr>
-              <a:t>= 1+ </a:t>
-            </a:r>
-            <a:r>
-              <a:rPr lang="en-US" altLang="zh-CN" sz="2000" b="1" i="1">
-                <a:latin typeface="Times New Roman" pitchFamily="18" charset="0"/>
-              </a:rPr>
-              <a:t>x</a:t>
-            </a:r>
-            <a:r>
-              <a:rPr lang="en-US" altLang="zh-CN" sz="2000" b="1" i="1" baseline="-25000">
-                <a:latin typeface="Times New Roman" pitchFamily="18" charset="0"/>
-              </a:rPr>
-              <a:t>i1</a:t>
-            </a:r>
-            <a:r>
-              <a:rPr lang="en-US" altLang="zh-CN" sz="2000" b="1" i="1" baseline="30000">
-                <a:latin typeface="Times New Roman" pitchFamily="18" charset="0"/>
-              </a:rPr>
-              <a:t>2</a:t>
-            </a:r>
-            <a:r>
-              <a:rPr lang="en-US" altLang="zh-CN" sz="2000" b="1" i="1">
-                <a:latin typeface="Times New Roman" pitchFamily="18" charset="0"/>
-              </a:rPr>
-              <a:t>x</a:t>
-            </a:r>
-            <a:r>
-              <a:rPr lang="en-US" altLang="zh-CN" sz="2000" b="1" i="1" baseline="-25000">
-                <a:latin typeface="Times New Roman" pitchFamily="18" charset="0"/>
-              </a:rPr>
-              <a:t>j1</a:t>
-            </a:r>
-            <a:r>
-              <a:rPr lang="en-US" altLang="zh-CN" sz="2000" b="1" i="1" baseline="30000">
-                <a:latin typeface="Times New Roman" pitchFamily="18" charset="0"/>
-              </a:rPr>
-              <a:t>2 </a:t>
-            </a:r>
-            <a:r>
-              <a:rPr lang="en-US" altLang="zh-CN" sz="2000" b="1" i="1">
-                <a:latin typeface="Times New Roman" pitchFamily="18" charset="0"/>
-              </a:rPr>
-              <a:t>+ </a:t>
-            </a:r>
-            <a:r>
-              <a:rPr lang="en-US" altLang="zh-CN" sz="2000" b="1">
-                <a:latin typeface="Times New Roman" pitchFamily="18" charset="0"/>
-              </a:rPr>
-              <a:t>2 </a:t>
-            </a:r>
-            <a:r>
-              <a:rPr lang="en-US" altLang="zh-CN" sz="2000" b="1" i="1">
-                <a:latin typeface="Times New Roman" pitchFamily="18" charset="0"/>
-              </a:rPr>
-              <a:t>x</a:t>
-            </a:r>
-            <a:r>
-              <a:rPr lang="en-US" altLang="zh-CN" sz="2000" b="1" i="1" baseline="-25000">
-                <a:latin typeface="Times New Roman" pitchFamily="18" charset="0"/>
-              </a:rPr>
-              <a:t>i1</a:t>
-            </a:r>
-            <a:r>
-              <a:rPr lang="en-US" altLang="zh-CN" sz="2000" b="1" i="1">
-                <a:latin typeface="Times New Roman" pitchFamily="18" charset="0"/>
-              </a:rPr>
-              <a:t>x</a:t>
-            </a:r>
-            <a:r>
-              <a:rPr lang="en-US" altLang="zh-CN" sz="2000" b="1" i="1" baseline="-25000">
-                <a:latin typeface="Times New Roman" pitchFamily="18" charset="0"/>
-              </a:rPr>
-              <a:t>j1</a:t>
-            </a:r>
-            <a:r>
-              <a:rPr lang="en-US" altLang="zh-CN" sz="2000" b="1" i="1" baseline="30000">
-                <a:latin typeface="Times New Roman" pitchFamily="18" charset="0"/>
-              </a:rPr>
-              <a:t> </a:t>
-            </a:r>
-            <a:r>
-              <a:rPr lang="en-US" altLang="zh-CN" sz="2000" b="1" i="1">
-                <a:latin typeface="Times New Roman" pitchFamily="18" charset="0"/>
-              </a:rPr>
-              <a:t>x</a:t>
-            </a:r>
-            <a:r>
-              <a:rPr lang="en-US" altLang="zh-CN" sz="2000" b="1" i="1" baseline="-25000">
-                <a:latin typeface="Times New Roman" pitchFamily="18" charset="0"/>
-              </a:rPr>
-              <a:t>i2</a:t>
-            </a:r>
-            <a:r>
-              <a:rPr lang="en-US" altLang="zh-CN" sz="2000" b="1" i="1">
-                <a:latin typeface="Times New Roman" pitchFamily="18" charset="0"/>
-              </a:rPr>
-              <a:t>x</a:t>
-            </a:r>
-            <a:r>
-              <a:rPr lang="en-US" altLang="zh-CN" sz="2000" b="1" i="1" baseline="-25000">
-                <a:latin typeface="Times New Roman" pitchFamily="18" charset="0"/>
-              </a:rPr>
-              <a:t>j2</a:t>
-            </a:r>
-            <a:r>
-              <a:rPr lang="en-US" altLang="zh-CN" sz="2000" b="1" i="1">
-                <a:latin typeface="Times New Roman" pitchFamily="18" charset="0"/>
-              </a:rPr>
-              <a:t>+ x</a:t>
-            </a:r>
-            <a:r>
-              <a:rPr lang="en-US" altLang="zh-CN" sz="2000" b="1" i="1" baseline="-25000">
-                <a:latin typeface="Times New Roman" pitchFamily="18" charset="0"/>
-              </a:rPr>
-              <a:t>i2</a:t>
-            </a:r>
-            <a:r>
-              <a:rPr lang="en-US" altLang="zh-CN" sz="2000" b="1" i="1" baseline="30000">
-                <a:latin typeface="Times New Roman" pitchFamily="18" charset="0"/>
-              </a:rPr>
-              <a:t>2</a:t>
-            </a:r>
-            <a:r>
-              <a:rPr lang="en-US" altLang="zh-CN" sz="2000" b="1" i="1">
-                <a:latin typeface="Times New Roman" pitchFamily="18" charset="0"/>
-              </a:rPr>
-              <a:t>x</a:t>
-            </a:r>
-            <a:r>
-              <a:rPr lang="en-US" altLang="zh-CN" sz="2000" b="1" i="1" baseline="-25000">
-                <a:latin typeface="Times New Roman" pitchFamily="18" charset="0"/>
-              </a:rPr>
-              <a:t>j2</a:t>
-            </a:r>
-            <a:r>
-              <a:rPr lang="en-US" altLang="zh-CN" sz="2000" b="1" i="1" baseline="30000">
-                <a:latin typeface="Times New Roman" pitchFamily="18" charset="0"/>
-              </a:rPr>
-              <a:t>2 </a:t>
-            </a:r>
-            <a:r>
-              <a:rPr lang="en-US" altLang="zh-CN" sz="2000" b="1">
-                <a:latin typeface="Times New Roman" pitchFamily="18" charset="0"/>
-              </a:rPr>
-              <a:t>+ 2</a:t>
-            </a:r>
-            <a:r>
-              <a:rPr lang="en-US" altLang="zh-CN" sz="2000" b="1" i="1">
-                <a:latin typeface="Times New Roman" pitchFamily="18" charset="0"/>
-              </a:rPr>
-              <a:t>x</a:t>
-            </a:r>
-            <a:r>
-              <a:rPr lang="en-US" altLang="zh-CN" sz="2000" b="1" i="1" baseline="-25000">
-                <a:latin typeface="Times New Roman" pitchFamily="18" charset="0"/>
-              </a:rPr>
-              <a:t>i1</a:t>
-            </a:r>
-            <a:r>
-              <a:rPr lang="en-US" altLang="zh-CN" sz="2000" b="1" i="1">
-                <a:latin typeface="Times New Roman" pitchFamily="18" charset="0"/>
-              </a:rPr>
-              <a:t>x</a:t>
-            </a:r>
-            <a:r>
-              <a:rPr lang="en-US" altLang="zh-CN" sz="2000" b="1" i="1" baseline="-25000">
-                <a:latin typeface="Times New Roman" pitchFamily="18" charset="0"/>
-              </a:rPr>
-              <a:t>j1 </a:t>
-            </a:r>
-            <a:r>
-              <a:rPr lang="en-US" altLang="zh-CN" sz="2000" b="1" i="1">
-                <a:latin typeface="Times New Roman" pitchFamily="18" charset="0"/>
-              </a:rPr>
-              <a:t>+ </a:t>
-            </a:r>
-            <a:r>
-              <a:rPr lang="en-US" altLang="zh-CN" sz="2000" b="1">
-                <a:latin typeface="Times New Roman" pitchFamily="18" charset="0"/>
-              </a:rPr>
-              <a:t>2</a:t>
-            </a:r>
-            <a:r>
-              <a:rPr lang="en-US" altLang="zh-CN" sz="2000" b="1" i="1">
-                <a:latin typeface="Times New Roman" pitchFamily="18" charset="0"/>
-              </a:rPr>
-              <a:t>x</a:t>
-            </a:r>
-            <a:r>
-              <a:rPr lang="en-US" altLang="zh-CN" sz="2000" b="1" i="1" baseline="-25000">
-                <a:latin typeface="Times New Roman" pitchFamily="18" charset="0"/>
-              </a:rPr>
-              <a:t>i2</a:t>
-            </a:r>
-            <a:r>
-              <a:rPr lang="en-US" altLang="zh-CN" sz="2000" b="1" i="1">
-                <a:latin typeface="Times New Roman" pitchFamily="18" charset="0"/>
-              </a:rPr>
-              <a:t>x</a:t>
-            </a:r>
-            <a:r>
-              <a:rPr lang="en-US" altLang="zh-CN" sz="2000" b="1" i="1" baseline="-25000">
-                <a:latin typeface="Times New Roman" pitchFamily="18" charset="0"/>
-              </a:rPr>
-              <a:t>j2</a:t>
-            </a:r>
-            <a:endParaRPr lang="en-US" altLang="zh-CN" sz="2000" b="1" i="1">
-              <a:latin typeface="Times New Roman" pitchFamily="18" charset="0"/>
-            </a:endParaRPr>
-          </a:p>
-          <a:p>
-            <a:pPr marL="342900" indent="-342900">
-              <a:spcBef>
-                <a:spcPct val="20000"/>
-              </a:spcBef>
-              <a:buClr>
-                <a:schemeClr val="accent1"/>
-              </a:buClr>
-              <a:buSzPct val="65000"/>
-              <a:buFont typeface="Wingdings" pitchFamily="2" charset="2"/>
-              <a:buNone/>
-            </a:pPr>
-            <a:r>
-              <a:rPr lang="en-US" altLang="zh-CN" sz="2000" b="1" i="1">
-                <a:latin typeface="Times New Roman" pitchFamily="18" charset="0"/>
-              </a:rPr>
-              <a:t>	      = </a:t>
-            </a:r>
-            <a:r>
-              <a:rPr lang="en-US" altLang="zh-CN" sz="2000" b="1">
-                <a:latin typeface="Times New Roman" pitchFamily="18" charset="0"/>
-              </a:rPr>
-              <a:t>[1  </a:t>
-            </a:r>
-            <a:r>
-              <a:rPr lang="en-US" altLang="zh-CN" sz="2000" b="1" i="1">
-                <a:latin typeface="Times New Roman" pitchFamily="18" charset="0"/>
-              </a:rPr>
-              <a:t>x</a:t>
-            </a:r>
-            <a:r>
-              <a:rPr lang="en-US" altLang="zh-CN" sz="2000" b="1" i="1" baseline="-25000">
-                <a:latin typeface="Times New Roman" pitchFamily="18" charset="0"/>
-              </a:rPr>
-              <a:t>i1</a:t>
-            </a:r>
-            <a:r>
-              <a:rPr lang="en-US" altLang="zh-CN" sz="2000" b="1" i="1" baseline="30000">
-                <a:latin typeface="Times New Roman" pitchFamily="18" charset="0"/>
-              </a:rPr>
-              <a:t>2  </a:t>
-            </a:r>
-            <a:r>
-              <a:rPr lang="en-US" altLang="zh-CN" sz="2000" b="1" i="1">
-                <a:latin typeface="Times New Roman" pitchFamily="18" charset="0"/>
-                <a:cs typeface="Times New Roman" pitchFamily="18" charset="0"/>
-              </a:rPr>
-              <a:t>√</a:t>
-            </a:r>
-            <a:r>
-              <a:rPr lang="en-US" altLang="zh-CN" sz="2000" b="1">
-                <a:latin typeface="Times New Roman" pitchFamily="18" charset="0"/>
-              </a:rPr>
-              <a:t>2 </a:t>
-            </a:r>
-            <a:r>
-              <a:rPr lang="en-US" altLang="zh-CN" sz="2000" b="1" i="1">
-                <a:latin typeface="Times New Roman" pitchFamily="18" charset="0"/>
-              </a:rPr>
-              <a:t>x</a:t>
-            </a:r>
-            <a:r>
-              <a:rPr lang="en-US" altLang="zh-CN" sz="2000" b="1" i="1" baseline="-25000">
-                <a:latin typeface="Times New Roman" pitchFamily="18" charset="0"/>
-              </a:rPr>
-              <a:t>i1</a:t>
-            </a:r>
-            <a:r>
-              <a:rPr lang="en-US" altLang="zh-CN" sz="2000" b="1" i="1">
-                <a:latin typeface="Times New Roman" pitchFamily="18" charset="0"/>
-              </a:rPr>
-              <a:t>x</a:t>
-            </a:r>
-            <a:r>
-              <a:rPr lang="en-US" altLang="zh-CN" sz="2000" b="1" i="1" baseline="-25000">
-                <a:latin typeface="Times New Roman" pitchFamily="18" charset="0"/>
-              </a:rPr>
-              <a:t>i2  </a:t>
-            </a:r>
-            <a:r>
-              <a:rPr lang="en-US" altLang="zh-CN" sz="2000" b="1" i="1">
-                <a:latin typeface="Times New Roman" pitchFamily="18" charset="0"/>
-              </a:rPr>
-              <a:t> x</a:t>
-            </a:r>
-            <a:r>
-              <a:rPr lang="en-US" altLang="zh-CN" sz="2000" b="1" i="1" baseline="-25000">
-                <a:latin typeface="Times New Roman" pitchFamily="18" charset="0"/>
-              </a:rPr>
-              <a:t>i2</a:t>
-            </a:r>
-            <a:r>
-              <a:rPr lang="en-US" altLang="zh-CN" sz="2000" b="1" i="1" baseline="30000">
-                <a:latin typeface="Times New Roman" pitchFamily="18" charset="0"/>
-              </a:rPr>
-              <a:t>2  </a:t>
-            </a:r>
-            <a:r>
-              <a:rPr lang="en-US" altLang="zh-CN" sz="2000" b="1" i="1">
-                <a:latin typeface="Times New Roman" pitchFamily="18" charset="0"/>
-                <a:cs typeface="Times New Roman" pitchFamily="18" charset="0"/>
-              </a:rPr>
-              <a:t>√</a:t>
-            </a:r>
-            <a:r>
-              <a:rPr lang="en-US" altLang="zh-CN" sz="2000" b="1">
-                <a:latin typeface="Times New Roman" pitchFamily="18" charset="0"/>
-              </a:rPr>
-              <a:t>2</a:t>
-            </a:r>
-            <a:r>
-              <a:rPr lang="en-US" altLang="zh-CN" sz="2000" b="1" i="1">
-                <a:latin typeface="Times New Roman" pitchFamily="18" charset="0"/>
-              </a:rPr>
-              <a:t>x</a:t>
-            </a:r>
-            <a:r>
-              <a:rPr lang="en-US" altLang="zh-CN" sz="2000" b="1" i="1" baseline="-25000">
-                <a:latin typeface="Times New Roman" pitchFamily="18" charset="0"/>
-              </a:rPr>
-              <a:t>i1  </a:t>
-            </a:r>
-            <a:r>
-              <a:rPr lang="en-US" altLang="zh-CN" sz="2000" b="1" i="1">
-                <a:latin typeface="Times New Roman" pitchFamily="18" charset="0"/>
-                <a:cs typeface="Times New Roman" pitchFamily="18" charset="0"/>
-              </a:rPr>
-              <a:t>√</a:t>
-            </a:r>
-            <a:r>
-              <a:rPr lang="en-US" altLang="zh-CN" sz="2000" b="1">
-                <a:latin typeface="Times New Roman" pitchFamily="18" charset="0"/>
-              </a:rPr>
-              <a:t>2</a:t>
-            </a:r>
-            <a:r>
-              <a:rPr lang="en-US" altLang="zh-CN" sz="2000" b="1" i="1">
-                <a:latin typeface="Times New Roman" pitchFamily="18" charset="0"/>
-              </a:rPr>
-              <a:t>x</a:t>
-            </a:r>
-            <a:r>
-              <a:rPr lang="en-US" altLang="zh-CN" sz="2000" b="1" i="1" baseline="-25000">
-                <a:latin typeface="Times New Roman" pitchFamily="18" charset="0"/>
-              </a:rPr>
-              <a:t>i2</a:t>
-            </a:r>
-            <a:r>
-              <a:rPr lang="en-US" altLang="zh-CN" sz="2000" b="1">
-                <a:latin typeface="Times New Roman" pitchFamily="18" charset="0"/>
-              </a:rPr>
-              <a:t>]</a:t>
-            </a:r>
-            <a:r>
-              <a:rPr lang="en-US" altLang="zh-CN" sz="2000" b="1" baseline="30000">
-                <a:latin typeface="Times New Roman" pitchFamily="18" charset="0"/>
-              </a:rPr>
-              <a:t>T </a:t>
-            </a:r>
-            <a:r>
-              <a:rPr lang="en-US" altLang="zh-CN" sz="2000" b="1">
-                <a:latin typeface="Times New Roman" pitchFamily="18" charset="0"/>
-              </a:rPr>
-              <a:t>[1  </a:t>
-            </a:r>
-            <a:r>
-              <a:rPr lang="en-US" altLang="zh-CN" sz="2000" b="1" i="1">
-                <a:latin typeface="Times New Roman" pitchFamily="18" charset="0"/>
-              </a:rPr>
-              <a:t>x</a:t>
-            </a:r>
-            <a:r>
-              <a:rPr lang="en-US" altLang="zh-CN" sz="2000" b="1" i="1" baseline="-25000">
-                <a:latin typeface="Times New Roman" pitchFamily="18" charset="0"/>
-              </a:rPr>
-              <a:t>j1</a:t>
-            </a:r>
-            <a:r>
-              <a:rPr lang="en-US" altLang="zh-CN" sz="2000" b="1" i="1" baseline="30000">
-                <a:latin typeface="Times New Roman" pitchFamily="18" charset="0"/>
-              </a:rPr>
-              <a:t>2  </a:t>
-            </a:r>
-            <a:r>
-              <a:rPr lang="en-US" altLang="zh-CN" sz="2000" b="1" i="1">
-                <a:latin typeface="Times New Roman" pitchFamily="18" charset="0"/>
-                <a:cs typeface="Times New Roman" pitchFamily="18" charset="0"/>
-              </a:rPr>
-              <a:t>√</a:t>
-            </a:r>
-            <a:r>
-              <a:rPr lang="en-US" altLang="zh-CN" sz="2000" b="1">
-                <a:latin typeface="Times New Roman" pitchFamily="18" charset="0"/>
-              </a:rPr>
-              <a:t>2 </a:t>
-            </a:r>
-            <a:r>
-              <a:rPr lang="en-US" altLang="zh-CN" sz="2000" b="1" i="1">
-                <a:latin typeface="Times New Roman" pitchFamily="18" charset="0"/>
-              </a:rPr>
-              <a:t>x</a:t>
-            </a:r>
-            <a:r>
-              <a:rPr lang="en-US" altLang="zh-CN" sz="2000" b="1" i="1" baseline="-25000">
-                <a:latin typeface="Times New Roman" pitchFamily="18" charset="0"/>
-              </a:rPr>
-              <a:t>j1</a:t>
-            </a:r>
-            <a:r>
-              <a:rPr lang="en-US" altLang="zh-CN" sz="2000" b="1" i="1">
-                <a:latin typeface="Times New Roman" pitchFamily="18" charset="0"/>
-              </a:rPr>
-              <a:t>x</a:t>
-            </a:r>
-            <a:r>
-              <a:rPr lang="en-US" altLang="zh-CN" sz="2000" b="1" i="1" baseline="-25000">
-                <a:latin typeface="Times New Roman" pitchFamily="18" charset="0"/>
-              </a:rPr>
-              <a:t>j2  </a:t>
-            </a:r>
-            <a:r>
-              <a:rPr lang="en-US" altLang="zh-CN" sz="2000" b="1" i="1">
-                <a:latin typeface="Times New Roman" pitchFamily="18" charset="0"/>
-              </a:rPr>
-              <a:t> x</a:t>
-            </a:r>
-            <a:r>
-              <a:rPr lang="en-US" altLang="zh-CN" sz="2000" b="1" i="1" baseline="-25000">
-                <a:latin typeface="Times New Roman" pitchFamily="18" charset="0"/>
-              </a:rPr>
-              <a:t>j2</a:t>
-            </a:r>
-            <a:r>
-              <a:rPr lang="en-US" altLang="zh-CN" sz="2000" b="1" i="1" baseline="30000">
-                <a:latin typeface="Times New Roman" pitchFamily="18" charset="0"/>
-              </a:rPr>
-              <a:t>2  </a:t>
-            </a:r>
-            <a:r>
-              <a:rPr lang="en-US" altLang="zh-CN" sz="2000" b="1" i="1">
-                <a:latin typeface="Times New Roman" pitchFamily="18" charset="0"/>
-                <a:cs typeface="Times New Roman" pitchFamily="18" charset="0"/>
-              </a:rPr>
-              <a:t>√</a:t>
-            </a:r>
-            <a:r>
-              <a:rPr lang="en-US" altLang="zh-CN" sz="2000" b="1">
-                <a:latin typeface="Times New Roman" pitchFamily="18" charset="0"/>
-              </a:rPr>
-              <a:t>2</a:t>
-            </a:r>
-            <a:r>
-              <a:rPr lang="en-US" altLang="zh-CN" sz="2000" b="1" i="1">
-                <a:latin typeface="Times New Roman" pitchFamily="18" charset="0"/>
-              </a:rPr>
-              <a:t>x</a:t>
-            </a:r>
-            <a:r>
-              <a:rPr lang="en-US" altLang="zh-CN" sz="2000" b="1" i="1" baseline="-25000">
-                <a:latin typeface="Times New Roman" pitchFamily="18" charset="0"/>
-              </a:rPr>
-              <a:t>j1  </a:t>
-            </a:r>
-            <a:r>
-              <a:rPr lang="en-US" altLang="zh-CN" sz="2000" b="1" i="1">
-                <a:latin typeface="Times New Roman" pitchFamily="18" charset="0"/>
-                <a:cs typeface="Times New Roman" pitchFamily="18" charset="0"/>
-              </a:rPr>
-              <a:t>√</a:t>
-            </a:r>
-            <a:r>
-              <a:rPr lang="en-US" altLang="zh-CN" sz="2000" b="1">
-                <a:latin typeface="Times New Roman" pitchFamily="18" charset="0"/>
-              </a:rPr>
-              <a:t>2</a:t>
-            </a:r>
-            <a:r>
-              <a:rPr lang="en-US" altLang="zh-CN" sz="2000" b="1" i="1">
-                <a:latin typeface="Times New Roman" pitchFamily="18" charset="0"/>
-              </a:rPr>
-              <a:t>x</a:t>
-            </a:r>
-            <a:r>
-              <a:rPr lang="en-US" altLang="zh-CN" sz="2000" b="1" i="1" baseline="-25000">
-                <a:latin typeface="Times New Roman" pitchFamily="18" charset="0"/>
-              </a:rPr>
-              <a:t>j2</a:t>
-            </a:r>
-            <a:r>
-              <a:rPr lang="en-US" altLang="zh-CN" sz="2000" b="1">
-                <a:latin typeface="Times New Roman" pitchFamily="18" charset="0"/>
-              </a:rPr>
-              <a:t>] </a:t>
-            </a:r>
-          </a:p>
-          <a:p>
-            <a:pPr marL="342900" indent="-342900">
-              <a:spcBef>
-                <a:spcPct val="20000"/>
-              </a:spcBef>
-              <a:buClr>
-                <a:schemeClr val="accent1"/>
-              </a:buClr>
-              <a:buSzPct val="65000"/>
-              <a:buFont typeface="Wingdings" pitchFamily="2" charset="2"/>
-              <a:buNone/>
-            </a:pPr>
-            <a:r>
-              <a:rPr lang="en-US" altLang="zh-CN" sz="2000" b="1">
-                <a:latin typeface="Times New Roman" pitchFamily="18" charset="0"/>
-              </a:rPr>
-              <a:t>	      = </a:t>
-            </a:r>
-            <a:r>
-              <a:rPr lang="el-GR" sz="2000" b="1">
-                <a:latin typeface="Times New Roman" pitchFamily="18" charset="0"/>
-                <a:cs typeface="Times New Roman" pitchFamily="18" charset="0"/>
-              </a:rPr>
-              <a:t>φ</a:t>
-            </a:r>
-            <a:r>
-              <a:rPr lang="en-US" altLang="zh-CN" sz="2000" b="1">
-                <a:latin typeface="Times New Roman" pitchFamily="18" charset="0"/>
-              </a:rPr>
-              <a:t>(x</a:t>
-            </a:r>
-            <a:r>
-              <a:rPr lang="en-US" altLang="zh-CN" sz="2000" b="1" baseline="-25000">
-                <a:latin typeface="Times New Roman" pitchFamily="18" charset="0"/>
-              </a:rPr>
-              <a:t>i</a:t>
-            </a:r>
-            <a:r>
-              <a:rPr lang="en-US" altLang="zh-CN" sz="2000" b="1">
-                <a:latin typeface="Times New Roman" pitchFamily="18" charset="0"/>
-              </a:rPr>
-              <a:t>)</a:t>
-            </a:r>
-            <a:r>
-              <a:rPr lang="en-US" altLang="zh-CN" sz="2000" b="1" baseline="-25000">
-                <a:latin typeface="Times New Roman" pitchFamily="18" charset="0"/>
-              </a:rPr>
-              <a:t> </a:t>
-            </a:r>
-            <a:r>
-              <a:rPr lang="en-US" altLang="zh-CN" sz="2000" b="1" baseline="30000">
-                <a:latin typeface="Times New Roman" pitchFamily="18" charset="0"/>
-              </a:rPr>
-              <a:t>T</a:t>
-            </a:r>
-            <a:r>
-              <a:rPr lang="el-GR" sz="2000" b="1">
-                <a:latin typeface="Times New Roman" pitchFamily="18" charset="0"/>
-                <a:cs typeface="Times New Roman" pitchFamily="18" charset="0"/>
-              </a:rPr>
-              <a:t>φ</a:t>
-            </a:r>
-            <a:r>
-              <a:rPr lang="en-US" altLang="zh-CN" sz="2000" b="1">
-                <a:latin typeface="Times New Roman" pitchFamily="18" charset="0"/>
-              </a:rPr>
-              <a:t>(x</a:t>
-            </a:r>
-            <a:r>
-              <a:rPr lang="en-US" altLang="zh-CN" sz="2000" b="1" baseline="-25000">
-                <a:latin typeface="Times New Roman" pitchFamily="18" charset="0"/>
-              </a:rPr>
-              <a:t>j</a:t>
-            </a:r>
-            <a:r>
-              <a:rPr lang="en-US" altLang="zh-CN" sz="2000" b="1">
-                <a:latin typeface="Times New Roman" pitchFamily="18" charset="0"/>
-              </a:rPr>
-              <a:t>),    </a:t>
-            </a:r>
-            <a:r>
-              <a:rPr lang="en-US" altLang="zh-CN" sz="2000"/>
-              <a:t>where</a:t>
-            </a:r>
-            <a:r>
-              <a:rPr lang="en-US" altLang="zh-CN" sz="2000" b="1">
-                <a:latin typeface="Times New Roman" pitchFamily="18" charset="0"/>
-              </a:rPr>
-              <a:t> </a:t>
-            </a:r>
-            <a:r>
-              <a:rPr lang="el-GR" sz="2000" b="1">
-                <a:latin typeface="Times New Roman" pitchFamily="18" charset="0"/>
-                <a:cs typeface="Times New Roman" pitchFamily="18" charset="0"/>
-              </a:rPr>
-              <a:t>φ</a:t>
-            </a:r>
-            <a:r>
-              <a:rPr lang="en-US" altLang="zh-CN" sz="2000" b="1">
-                <a:latin typeface="Times New Roman" pitchFamily="18" charset="0"/>
-              </a:rPr>
-              <a:t>(x) = </a:t>
-            </a:r>
-            <a:r>
-              <a:rPr lang="en-US" altLang="zh-CN" sz="2000" b="1" baseline="-25000">
-                <a:latin typeface="Times New Roman" pitchFamily="18" charset="0"/>
-              </a:rPr>
-              <a:t> </a:t>
-            </a:r>
-            <a:r>
-              <a:rPr lang="en-US" altLang="zh-CN" sz="2000" b="1">
-                <a:latin typeface="Times New Roman" pitchFamily="18" charset="0"/>
-              </a:rPr>
-              <a:t>[1  </a:t>
-            </a:r>
-            <a:r>
-              <a:rPr lang="en-US" altLang="zh-CN" sz="2000" b="1" i="1">
-                <a:latin typeface="Times New Roman" pitchFamily="18" charset="0"/>
-              </a:rPr>
-              <a:t>x</a:t>
-            </a:r>
-            <a:r>
-              <a:rPr lang="en-US" altLang="zh-CN" sz="2000" b="1" i="1" baseline="-25000">
-                <a:latin typeface="Times New Roman" pitchFamily="18" charset="0"/>
-              </a:rPr>
-              <a:t>1</a:t>
-            </a:r>
-            <a:r>
-              <a:rPr lang="en-US" altLang="zh-CN" sz="2000" b="1" i="1" baseline="30000">
-                <a:latin typeface="Times New Roman" pitchFamily="18" charset="0"/>
-              </a:rPr>
-              <a:t>2  </a:t>
-            </a:r>
-            <a:r>
-              <a:rPr lang="en-US" altLang="zh-CN" sz="2000" b="1" i="1">
-                <a:latin typeface="Times New Roman" pitchFamily="18" charset="0"/>
-                <a:cs typeface="Times New Roman" pitchFamily="18" charset="0"/>
-              </a:rPr>
-              <a:t>√</a:t>
-            </a:r>
-            <a:r>
-              <a:rPr lang="en-US" altLang="zh-CN" sz="2000" b="1">
-                <a:latin typeface="Times New Roman" pitchFamily="18" charset="0"/>
-              </a:rPr>
-              <a:t>2 </a:t>
-            </a:r>
-            <a:r>
-              <a:rPr lang="en-US" altLang="zh-CN" sz="2000" b="1" i="1">
-                <a:latin typeface="Times New Roman" pitchFamily="18" charset="0"/>
-              </a:rPr>
-              <a:t>x</a:t>
-            </a:r>
-            <a:r>
-              <a:rPr lang="en-US" altLang="zh-CN" sz="2000" b="1" i="1" baseline="-25000">
-                <a:latin typeface="Times New Roman" pitchFamily="18" charset="0"/>
-              </a:rPr>
-              <a:t>1</a:t>
-            </a:r>
-            <a:r>
-              <a:rPr lang="en-US" altLang="zh-CN" sz="2000" b="1" i="1">
-                <a:latin typeface="Times New Roman" pitchFamily="18" charset="0"/>
-              </a:rPr>
-              <a:t>x</a:t>
-            </a:r>
-            <a:r>
-              <a:rPr lang="en-US" altLang="zh-CN" sz="2000" b="1" i="1" baseline="-25000">
-                <a:latin typeface="Times New Roman" pitchFamily="18" charset="0"/>
-              </a:rPr>
-              <a:t>2  </a:t>
-            </a:r>
-            <a:r>
-              <a:rPr lang="en-US" altLang="zh-CN" sz="2000" b="1" i="1">
-                <a:latin typeface="Times New Roman" pitchFamily="18" charset="0"/>
-              </a:rPr>
-              <a:t> x</a:t>
-            </a:r>
-            <a:r>
-              <a:rPr lang="en-US" altLang="zh-CN" sz="2000" b="1" i="1" baseline="-25000">
-                <a:latin typeface="Times New Roman" pitchFamily="18" charset="0"/>
-              </a:rPr>
-              <a:t>2</a:t>
-            </a:r>
-            <a:r>
-              <a:rPr lang="en-US" altLang="zh-CN" sz="2000" b="1" i="1" baseline="30000">
-                <a:latin typeface="Times New Roman" pitchFamily="18" charset="0"/>
-              </a:rPr>
-              <a:t>2   </a:t>
-            </a:r>
-            <a:r>
-              <a:rPr lang="en-US" altLang="zh-CN" sz="2000" b="1" i="1">
-                <a:latin typeface="Times New Roman" pitchFamily="18" charset="0"/>
-                <a:cs typeface="Times New Roman" pitchFamily="18" charset="0"/>
-              </a:rPr>
-              <a:t>√</a:t>
-            </a:r>
-            <a:r>
-              <a:rPr lang="en-US" altLang="zh-CN" sz="2000" b="1">
-                <a:latin typeface="Times New Roman" pitchFamily="18" charset="0"/>
-              </a:rPr>
-              <a:t>2</a:t>
-            </a:r>
-            <a:r>
-              <a:rPr lang="en-US" altLang="zh-CN" sz="2000" b="1" i="1">
-                <a:latin typeface="Times New Roman" pitchFamily="18" charset="0"/>
-              </a:rPr>
-              <a:t>x</a:t>
-            </a:r>
-            <a:r>
-              <a:rPr lang="en-US" altLang="zh-CN" sz="2000" b="1" i="1" baseline="-25000">
-                <a:latin typeface="Times New Roman" pitchFamily="18" charset="0"/>
-              </a:rPr>
-              <a:t>1  </a:t>
-            </a:r>
-            <a:r>
-              <a:rPr lang="en-US" altLang="zh-CN" sz="2000" b="1" i="1">
-                <a:latin typeface="Times New Roman" pitchFamily="18" charset="0"/>
-                <a:cs typeface="Times New Roman" pitchFamily="18" charset="0"/>
-              </a:rPr>
-              <a:t>√</a:t>
-            </a:r>
-            <a:r>
-              <a:rPr lang="en-US" altLang="zh-CN" sz="2000" b="1">
-                <a:latin typeface="Times New Roman" pitchFamily="18" charset="0"/>
-              </a:rPr>
-              <a:t>2</a:t>
-            </a:r>
-            <a:r>
-              <a:rPr lang="en-US" altLang="zh-CN" sz="2000" b="1" i="1">
-                <a:latin typeface="Times New Roman" pitchFamily="18" charset="0"/>
-              </a:rPr>
-              <a:t>x</a:t>
-            </a:r>
-            <a:r>
-              <a:rPr lang="en-US" altLang="zh-CN" sz="2000" b="1" i="1" baseline="-25000">
-                <a:latin typeface="Times New Roman" pitchFamily="18" charset="0"/>
-              </a:rPr>
-              <a:t>2</a:t>
-            </a:r>
-            <a:r>
-              <a:rPr lang="en-US" altLang="zh-CN" sz="2000" b="1">
-                <a:latin typeface="Times New Roman" pitchFamily="18" charset="0"/>
-              </a:rPr>
-              <a:t>]</a:t>
-            </a:r>
-          </a:p>
-          <a:p>
-            <a:pPr marL="342900" indent="-342900">
-              <a:spcBef>
-                <a:spcPct val="20000"/>
-              </a:spcBef>
-              <a:buClr>
-                <a:schemeClr val="accent1"/>
-              </a:buClr>
-              <a:buSzPct val="65000"/>
-              <a:buFont typeface="Wingdings" pitchFamily="2" charset="2"/>
-              <a:buNone/>
-            </a:pPr>
-            <a:endParaRPr lang="el-GR" sz="2000" b="1">
-              <a:latin typeface="Times New Roman" pitchFamily="18" charset="0"/>
-            </a:endParaRPr>
-          </a:p>
-        </p:txBody>
-      </p:sp>
-      <p:sp>
-        <p:nvSpPr>
-          <p:cNvPr id="98308" name="Rectangle 4"/>
-          <p:cNvSpPr>
-            <a:spLocks noChangeArrowheads="1"/>
-          </p:cNvSpPr>
-          <p:nvPr/>
-        </p:nvSpPr>
-        <p:spPr bwMode="auto">
-          <a:xfrm>
-            <a:off x="381000" y="1066800"/>
-            <a:ext cx="8229600" cy="533400"/>
-          </a:xfrm>
-          <a:prstGeom prst="rect">
-            <a:avLst/>
-          </a:prstGeom>
-          <a:noFill/>
-          <a:ln>
-            <a:noFill/>
-          </a:ln>
-          <a:effectLst/>
-          <a:extLst>
-            <a:ext uri="{909E8E84-426E-40DD-AFC4-6F175D3DCCD1}">
-              <a14:hiddenFill xmlns:a14="http://schemas.microsoft.com/office/drawing/2010/main">
-                <a:solidFill>
-                  <a:schemeClr val="accent1"/>
-                </a:solidFill>
-              </a14:hiddenFill>
-            </a:ext>
-            <a:ext uri="{91240B29-F687-4F45-9708-019B960494DF}">
-              <a14:hiddenLine xmlns:a14="http://schemas.microsoft.com/office/drawing/2010/main" w="9525">
-                <a:solidFill>
-                  <a:schemeClr val="tx1"/>
-                </a:solidFill>
-                <a:miter lim="800000"/>
-                <a:headEnd/>
-                <a:tailEnd/>
-              </a14:hiddenLine>
-            </a:ext>
-            <a:ext uri="{AF507438-7753-43E0-B8FC-AC1667EBCBE1}">
-              <a14:hiddenEffects xmlns:a14="http://schemas.microsoft.com/office/drawing/2010/main">
-                <a:effectLst>
-                  <a:outerShdw dist="35921" dir="2700000" algn="ctr" rotWithShape="0">
-                    <a:schemeClr val="bg2"/>
-                  </a:outerShdw>
-                </a:effectLst>
-              </a14:hiddenEffects>
-            </a:ext>
-          </a:extLst>
-        </p:spPr>
-        <p:txBody>
-          <a:bodyPr/>
-          <a:lstStyle/>
-          <a:p>
-            <a:pPr marL="342900" indent="-342900">
-              <a:spcBef>
-                <a:spcPct val="20000"/>
-              </a:spcBef>
-              <a:buClr>
-                <a:schemeClr val="accent1"/>
-              </a:buClr>
-              <a:buSzPct val="65000"/>
-              <a:buFont typeface="Wingdings" pitchFamily="2" charset="2"/>
-              <a:buChar char="n"/>
-            </a:pPr>
-            <a:r>
-              <a:rPr lang="en-US" altLang="zh-CN" sz="2200"/>
-              <a:t>An example:</a:t>
-            </a:r>
-          </a:p>
-        </p:txBody>
-      </p:sp>
-      <p:sp>
-        <p:nvSpPr>
-          <p:cNvPr id="98314" name="Text Box 10"/>
-          <p:cNvSpPr txBox="1">
-            <a:spLocks noChangeArrowheads="1"/>
-          </p:cNvSpPr>
-          <p:nvPr/>
-        </p:nvSpPr>
-        <p:spPr bwMode="auto">
-          <a:xfrm>
-            <a:off x="446088" y="6335713"/>
-            <a:ext cx="7478712" cy="304800"/>
-          </a:xfrm>
-          <a:prstGeom prst="rect">
-            <a:avLst/>
-          </a:prstGeom>
-          <a:noFill/>
-          <a:ln>
-            <a:noFill/>
-          </a:ln>
-          <a:effectLst/>
-          <a:extLst>
-            <a:ext uri="{909E8E84-426E-40DD-AFC4-6F175D3DCCD1}">
-              <a14:hiddenFill xmlns:a14="http://schemas.microsoft.com/office/drawing/2010/main">
-                <a:solidFill>
-                  <a:schemeClr val="accent1"/>
-                </a:solidFill>
-              </a14:hiddenFill>
-            </a:ext>
-            <a:ext uri="{91240B29-F687-4F45-9708-019B960494DF}">
-              <a14:hiddenLine xmlns:a14="http://schemas.microsoft.com/office/drawing/2010/main" w="9525">
-                <a:solidFill>
-                  <a:schemeClr val="tx1"/>
-                </a:solidFill>
-                <a:miter lim="800000"/>
-                <a:headEnd/>
-                <a:tailEnd/>
-              </a14:hiddenLine>
-            </a:ext>
-            <a:ext uri="{AF507438-7753-43E0-B8FC-AC1667EBCBE1}">
-              <a14:hiddenEffects xmlns:a14="http://schemas.microsoft.com/office/drawing/2010/main">
-                <a:effectLst>
-                  <a:outerShdw dist="35921" dir="2700000" algn="ctr" rotWithShape="0">
-                    <a:schemeClr val="bg2"/>
-                  </a:outerShdw>
-                </a:effectLst>
-              </a14:hiddenEffects>
-            </a:ext>
-          </a:extLst>
-        </p:spPr>
-        <p:txBody>
-          <a:bodyPr wrap="none">
-            <a:spAutoFit/>
-          </a:bodyPr>
-          <a:lstStyle/>
-          <a:p>
-            <a:r>
-              <a:rPr lang="en-US" sz="1400"/>
-              <a:t>This slide is courtesy of </a:t>
-            </a:r>
-            <a:r>
-              <a:rPr lang="en-US" sz="1400" i="1"/>
-              <a:t>www.iro.umontreal.ca/~pift6080/documents/papers/</a:t>
-            </a:r>
-            <a:r>
-              <a:rPr lang="en-US" sz="1400" b="1" i="1"/>
-              <a:t>svm</a:t>
-            </a:r>
-            <a:r>
-              <a:rPr lang="en-US" sz="1400" i="1"/>
-              <a:t>_tutorial.</a:t>
-            </a:r>
-            <a:r>
-              <a:rPr lang="en-US" sz="1400" b="1" i="1"/>
-              <a:t>ppt</a:t>
-            </a:r>
-            <a:r>
-              <a:rPr lang="en-US" sz="1400"/>
-              <a:t> </a:t>
-            </a:r>
-          </a:p>
-        </p:txBody>
-      </p:sp>
-    </p:spTree>
-    <p:extLst>
-      <p:ext uri="{BB962C8B-B14F-4D97-AF65-F5344CB8AC3E}">
-        <p14:creationId xmlns:p14="http://schemas.microsoft.com/office/powerpoint/2010/main" val="2173582885"/>
-      </p:ext>
-    </p:extLst>
-  </p:cSld>
-  <p:clrMapOvr>
-    <a:masterClrMapping/>
-  </p:clrMapOvr>
-  <p:timing>
-    <p:tnLst>
-      <p:par>
-        <p:cTn id="1" dur="indefinite" restart="never" nodeType="tmRoot">
-          <p:childTnLst>
-            <p:seq concurrent="1" nextAc="seek">
-              <p:cTn id="2" dur="indefinite" nodeType="mainSeq">
-                <p:childTnLst>
-                  <p:par>
-                    <p:cTn id="3" fill="hold" nodeType="clickPar">
-                      <p:stCondLst>
-                        <p:cond delay="indefinite"/>
-                      </p:stCondLst>
-                      <p:childTnLst>
-                        <p:par>
-                          <p:cTn id="4" fill="hold" nodeType="withGroup">
-                            <p:stCondLst>
-                              <p:cond delay="0"/>
-                            </p:stCondLst>
-                            <p:childTnLst>
-                              <p:par>
-                                <p:cTn id="5" presetID="1" presetClass="entr" presetSubtype="0" fill="hold" nodeType="clickEffect">
-                                  <p:stCondLst>
-                                    <p:cond delay="0"/>
-                                  </p:stCondLst>
-                                  <p:childTnLst>
-                                    <p:set>
-                                      <p:cBhvr>
-                                        <p:cTn id="6" dur="1" fill="hold">
-                                          <p:stCondLst>
-                                            <p:cond delay="0"/>
-                                          </p:stCondLst>
-                                        </p:cTn>
-                                        <p:tgtEl>
-                                          <p:spTgt spid="98307">
-                                            <p:txEl>
-                                              <p:pRg st="2" end="2"/>
-                                            </p:txEl>
-                                          </p:spTgt>
-                                        </p:tgtEl>
-                                        <p:attrNameLst>
-                                          <p:attrName>style.visibility</p:attrName>
-                                        </p:attrNameLst>
-                                      </p:cBhvr>
-                                      <p:to>
-                                        <p:strVal val="visible"/>
-                                      </p:to>
-                                    </p:set>
-                                  </p:childTnLst>
-                                </p:cTn>
-                              </p:par>
-                            </p:childTnLst>
-                          </p:cTn>
-                        </p:par>
-                      </p:childTnLst>
-                    </p:cTn>
-                  </p:par>
-                  <p:par>
-                    <p:cTn id="7" fill="hold" nodeType="clickPar">
-                      <p:stCondLst>
-                        <p:cond delay="indefinite"/>
-                      </p:stCondLst>
-                      <p:childTnLst>
-                        <p:par>
-                          <p:cTn id="8" fill="hold" nodeType="withGroup">
-                            <p:stCondLst>
-                              <p:cond delay="0"/>
-                            </p:stCondLst>
-                            <p:childTnLst>
-                              <p:par>
-                                <p:cTn id="9" presetID="1" presetClass="entr" presetSubtype="0" fill="hold" nodeType="clickEffect">
-                                  <p:stCondLst>
-                                    <p:cond delay="0"/>
-                                  </p:stCondLst>
-                                  <p:childTnLst>
-                                    <p:set>
-                                      <p:cBhvr>
-                                        <p:cTn id="10" dur="1" fill="hold">
-                                          <p:stCondLst>
-                                            <p:cond delay="0"/>
-                                          </p:stCondLst>
-                                        </p:cTn>
-                                        <p:tgtEl>
-                                          <p:spTgt spid="98307">
-                                            <p:txEl>
-                                              <p:pRg st="4" end="4"/>
-                                            </p:txEl>
-                                          </p:spTgt>
-                                        </p:tgtEl>
-                                        <p:attrNameLst>
-                                          <p:attrName>style.visibility</p:attrName>
-                                        </p:attrNameLst>
-                                      </p:cBhvr>
-                                      <p:to>
-                                        <p:strVal val="visible"/>
-                                      </p:to>
-                                    </p:set>
-                                  </p:childTnLst>
-                                </p:cTn>
-                              </p:par>
-                            </p:childTnLst>
-                          </p:cTn>
-                        </p:par>
-                      </p:childTnLst>
-                    </p:cTn>
-                  </p:par>
-                  <p:par>
-                    <p:cTn id="11" fill="hold" nodeType="clickPar">
-                      <p:stCondLst>
-                        <p:cond delay="indefinite"/>
-                      </p:stCondLst>
-                      <p:childTnLst>
-                        <p:par>
-                          <p:cTn id="12" fill="hold" nodeType="withGroup">
-                            <p:stCondLst>
-                              <p:cond delay="0"/>
-                            </p:stCondLst>
-                            <p:childTnLst>
-                              <p:par>
-                                <p:cTn id="13" presetID="1" presetClass="entr" presetSubtype="0" fill="hold" nodeType="clickEffect">
-                                  <p:stCondLst>
-                                    <p:cond delay="0"/>
-                                  </p:stCondLst>
-                                  <p:childTnLst>
-                                    <p:set>
-                                      <p:cBhvr>
-                                        <p:cTn id="14" dur="1" fill="hold">
-                                          <p:stCondLst>
-                                            <p:cond delay="0"/>
-                                          </p:stCondLst>
-                                        </p:cTn>
-                                        <p:tgtEl>
-                                          <p:spTgt spid="98307">
-                                            <p:txEl>
-                                              <p:pRg st="6" end="6"/>
-                                            </p:txEl>
-                                          </p:spTgt>
-                                        </p:tgtEl>
-                                        <p:attrNameLst>
-                                          <p:attrName>style.visibility</p:attrName>
-                                        </p:attrNameLst>
-                                      </p:cBhvr>
-                                      <p:to>
-                                        <p:strVal val="visible"/>
-                                      </p:to>
-                                    </p:set>
-                                  </p:childTnLst>
-                                </p:cTn>
-                              </p:par>
-                              <p:par>
-                                <p:cTn id="15" presetID="1" presetClass="entr" presetSubtype="0" fill="hold" nodeType="withEffect">
-                                  <p:stCondLst>
-                                    <p:cond delay="0"/>
-                                  </p:stCondLst>
-                                  <p:childTnLst>
-                                    <p:set>
-                                      <p:cBhvr>
-                                        <p:cTn id="16" dur="1" fill="hold">
-                                          <p:stCondLst>
-                                            <p:cond delay="0"/>
-                                          </p:stCondLst>
-                                        </p:cTn>
-                                        <p:tgtEl>
-                                          <p:spTgt spid="98307">
-                                            <p:txEl>
-                                              <p:pRg st="7" end="7"/>
-                                            </p:txEl>
-                                          </p:spTgt>
-                                        </p:tgtEl>
-                                        <p:attrNameLst>
-                                          <p:attrName>style.visibility</p:attrName>
-                                        </p:attrNameLst>
-                                      </p:cBhvr>
-                                      <p:to>
-                                        <p:strVal val="visible"/>
-                                      </p:to>
-                                    </p:set>
-                                  </p:childTnLst>
-                                </p:cTn>
-                              </p:par>
-                            </p:childTnLst>
-                          </p:cTn>
-                        </p:par>
-                      </p:childTnLst>
-                    </p:cTn>
-                  </p:par>
-                  <p:par>
-                    <p:cTn id="17" fill="hold" nodeType="clickPar">
-                      <p:stCondLst>
-                        <p:cond delay="indefinite"/>
-                      </p:stCondLst>
-                      <p:childTnLst>
-                        <p:par>
-                          <p:cTn id="18" fill="hold" nodeType="withGroup">
-                            <p:stCondLst>
-                              <p:cond delay="0"/>
-                            </p:stCondLst>
-                            <p:childTnLst>
-                              <p:par>
-                                <p:cTn id="19" presetID="1" presetClass="entr" presetSubtype="0" fill="hold" nodeType="clickEffect">
-                                  <p:stCondLst>
-                                    <p:cond delay="0"/>
-                                  </p:stCondLst>
-                                  <p:childTnLst>
-                                    <p:set>
-                                      <p:cBhvr>
-                                        <p:cTn id="20" dur="1" fill="hold">
-                                          <p:stCondLst>
-                                            <p:cond delay="0"/>
-                                          </p:stCondLst>
-                                        </p:cTn>
-                                        <p:tgtEl>
-                                          <p:spTgt spid="98307">
-                                            <p:txEl>
-                                              <p:pRg st="8" end="8"/>
-                                            </p:txEl>
-                                          </p:spTgt>
-                                        </p:tgtEl>
-                                        <p:attrNameLst>
-                                          <p:attrName>style.visibility</p:attrName>
-                                        </p:attrNameLst>
-                                      </p:cBhvr>
-                                      <p:to>
-                                        <p:strVal val="visible"/>
-                                      </p:to>
-                                    </p:set>
-                                  </p:childTnLst>
-                                </p:cTn>
-                              </p:par>
-                              <p:par>
-                                <p:cTn id="21" presetID="1" presetClass="entr" presetSubtype="0" fill="hold" nodeType="withEffect">
-                                  <p:stCondLst>
-                                    <p:cond delay="0"/>
-                                  </p:stCondLst>
-                                  <p:childTnLst>
-                                    <p:set>
-                                      <p:cBhvr>
-                                        <p:cTn id="22" dur="1" fill="hold">
-                                          <p:stCondLst>
-                                            <p:cond delay="0"/>
-                                          </p:stCondLst>
-                                        </p:cTn>
-                                        <p:tgtEl>
-                                          <p:spTgt spid="98307">
-                                            <p:txEl>
-                                              <p:pRg st="9" end="9"/>
-                                            </p:txEl>
-                                          </p:spTgt>
-                                        </p:tgtEl>
-                                        <p:attrNameLst>
-                                          <p:attrName>style.visibility</p:attrName>
-                                        </p:attrNameLst>
-                                      </p:cBhvr>
-                                      <p:to>
-                                        <p:strVal val="visible"/>
-                                      </p:to>
-                                    </p:set>
-                                  </p:childTnLst>
-                                </p:cTn>
-                              </p:par>
-                            </p:childTnLst>
-                          </p:cTn>
-                        </p:par>
-                      </p:childTnLst>
-                    </p:cTn>
-                  </p:par>
-                </p:childTnLst>
-              </p:cTn>
-              <p:prevCondLst>
-                <p:cond evt="onPrev" delay="0">
-                  <p:tgtEl>
-                    <p:sldTgt/>
-                  </p:tgtEl>
-                </p:cond>
-              </p:prevCondLst>
-              <p:nextCondLst>
-                <p:cond evt="onNext" delay="0">
-                  <p:tgtEl>
-                    <p:sldTgt/>
-                  </p:tgtEl>
-                </p:cond>
-              </p:nextCondLst>
-            </p:seq>
-          </p:childTnLst>
-        </p:cTn>
-      </p:par>
-    </p:tnLst>
-  </p:timing>
-</p:sld>
-</file>
-
 <file path=ppt/theme/theme1.xml><?xml version="1.0" encoding="utf-8"?>
-<a:theme xmlns:a="http://schemas.openxmlformats.org/drawingml/2006/main" name="Office Theme">
+<a:theme xmlns:a="http://schemas.openxmlformats.org/drawingml/2006/main" name="Clarity">
   <a:themeElements>
-    <a:clrScheme name="Office">
+    <a:clrScheme name="Clarity">
       <a:dk1>
-        <a:sysClr val="windowText" lastClr="000000"/>
+        <a:srgbClr val="292934"/>
       </a:dk1>
       <a:lt1>
-        <a:sysClr val="window" lastClr="FFFFFF"/>
+        <a:srgbClr val="FFFFFF"/>
       </a:lt1>
       <a:dk2>
-        <a:srgbClr val="1F497D"/>
+        <a:srgbClr val="D2533C"/>
       </a:dk2>
       <a:lt2>
-        <a:srgbClr val="EEECE1"/>
+        <a:srgbClr val="F3F2DC"/>
       </a:lt2>
       <a:accent1>
-        <a:srgbClr val="4F81BD"/>
+        <a:srgbClr val="93A299"/>
       </a:accent1>
       <a:accent2>
-        <a:srgbClr val="C0504D"/>
+        <a:srgbClr val="AD8F67"/>
       </a:accent2>
       <a:accent3>
-        <a:srgbClr val="9BBB59"/>
+        <a:srgbClr val="726056"/>
       </a:accent3>
       <a:accent4>
-        <a:srgbClr val="8064A2"/>
+        <a:srgbClr val="4C5A6A"/>
       </a:accent4>
       <a:accent5>
-        <a:srgbClr val="4BACC6"/>
+        <a:srgbClr val="808DA0"/>
       </a:accent5>
       <a:accent6>
-        <a:srgbClr val="F79646"/>
+        <a:srgbClr val="79463D"/>
       </a:accent6>
       <a:hlink>
         <a:srgbClr val="0000FF"/>
@@ -17457,22 +18193,22 @@
         <a:srgbClr val="800080"/>
       </a:folHlink>
     </a:clrScheme>
-    <a:fontScheme name="Office">
+    <a:fontScheme name="Office Classic 2">
       <a:majorFont>
-        <a:latin typeface="Calibri"/>
+        <a:latin typeface="Arial"/>
         <a:ea typeface=""/>
         <a:cs typeface=""/>
         <a:font script="Jpan" typeface="ＭＳ Ｐゴシック"/>
-        <a:font script="Hang" typeface="맑은 고딕"/>
-        <a:font script="Hans" typeface="宋体"/>
-        <a:font script="Hant" typeface="新細明體"/>
-        <a:font script="Arab" typeface="Times New Roman"/>
-        <a:font script="Hebr" typeface="Times New Roman"/>
-        <a:font script="Thai" typeface="Angsana New"/>
+        <a:font script="Hang" typeface="돋움"/>
+        <a:font script="Hans" typeface="方正舒体"/>
+        <a:font script="Hant" typeface="微軟正黑體"/>
+        <a:font script="Arab" typeface="Arial"/>
+        <a:font script="Hebr" typeface="Arial"/>
+        <a:font script="Thai" typeface="Cordia New"/>
         <a:font script="Ethi" typeface="Nyala"/>
         <a:font script="Beng" typeface="Vrinda"/>
         <a:font script="Gujr" typeface="Shruti"/>
-        <a:font script="Khmr" typeface="MoolBoran"/>
+        <a:font script="Khmr" typeface="DaunPenh"/>
         <a:font script="Knda" typeface="Tunga"/>
         <a:font script="Guru" typeface="Raavi"/>
         <a:font script="Cans" typeface="Euphemia"/>
@@ -17489,18 +18225,18 @@
         <a:font script="Laoo" typeface="DokChampa"/>
         <a:font script="Sinh" typeface="Iskoola Pota"/>
         <a:font script="Mong" typeface="Mongolian Baiti"/>
-        <a:font script="Viet" typeface="Times New Roman"/>
+        <a:font script="Viet" typeface="Arial"/>
         <a:font script="Uigh" typeface="Microsoft Uighur"/>
         <a:font script="Geor" typeface="Sylfaen"/>
       </a:majorFont>
       <a:minorFont>
-        <a:latin typeface="Calibri"/>
+        <a:latin typeface="Arial"/>
         <a:ea typeface=""/>
         <a:cs typeface=""/>
         <a:font script="Jpan" typeface="ＭＳ Ｐゴシック"/>
-        <a:font script="Hang" typeface="맑은 고딕"/>
-        <a:font script="Hans" typeface="宋体"/>
-        <a:font script="Hant" typeface="新細明體"/>
+        <a:font script="Hang" typeface="돋움"/>
+        <a:font script="Hans" typeface="方正舒体"/>
+        <a:font script="Hant" typeface="微軟正黑體"/>
         <a:font script="Arab" typeface="Arial"/>
         <a:font script="Hebr" typeface="Arial"/>
         <a:font script="Thai" typeface="Cordia New"/>
@@ -17529,7 +18265,7 @@
         <a:font script="Geor" typeface="Sylfaen"/>
       </a:minorFont>
     </a:fontScheme>
-    <a:fmtScheme name="Office">
+    <a:fmtScheme name="Clarity">
       <a:fillStyleLst>
         <a:solidFill>
           <a:schemeClr val="phClr"/>
@@ -17539,65 +18275,75 @@
             <a:gs pos="0">
               <a:schemeClr val="phClr">
                 <a:tint val="50000"/>
-                <a:satMod val="300000"/>
+                <a:shade val="86000"/>
+                <a:satMod val="140000"/>
               </a:schemeClr>
             </a:gs>
-            <a:gs pos="35000">
+            <a:gs pos="45000">
               <a:schemeClr val="phClr">
-                <a:tint val="37000"/>
-                <a:satMod val="300000"/>
+                <a:tint val="48000"/>
+                <a:satMod val="150000"/>
               </a:schemeClr>
             </a:gs>
             <a:gs pos="100000">
               <a:schemeClr val="phClr">
-                <a:tint val="15000"/>
-                <a:satMod val="350000"/>
+                <a:tint val="28000"/>
+                <a:satMod val="160000"/>
               </a:schemeClr>
             </a:gs>
           </a:gsLst>
-          <a:lin ang="16200000" scaled="1"/>
+          <a:path path="circle">
+            <a:fillToRect l="100000" t="100000" r="100000" b="100000"/>
+          </a:path>
         </a:gradFill>
         <a:gradFill rotWithShape="1">
           <a:gsLst>
             <a:gs pos="0">
               <a:schemeClr val="phClr">
-                <a:shade val="51000"/>
-                <a:satMod val="130000"/>
+                <a:shade val="70000"/>
+                <a:satMod val="150000"/>
               </a:schemeClr>
             </a:gs>
-            <a:gs pos="80000">
+            <a:gs pos="34000">
               <a:schemeClr val="phClr">
-                <a:shade val="93000"/>
-                <a:satMod val="130000"/>
+                <a:shade val="70000"/>
+                <a:satMod val="140000"/>
+              </a:schemeClr>
+            </a:gs>
+            <a:gs pos="70000">
+              <a:schemeClr val="phClr">
+                <a:tint val="100000"/>
+                <a:shade val="90000"/>
+                <a:satMod val="140000"/>
               </a:schemeClr>
             </a:gs>
             <a:gs pos="100000">
               <a:schemeClr val="phClr">
-                <a:shade val="94000"/>
-                <a:satMod val="135000"/>
+                <a:tint val="100000"/>
+                <a:shade val="100000"/>
+                <a:satMod val="100000"/>
               </a:schemeClr>
             </a:gs>
           </a:gsLst>
-          <a:lin ang="16200000" scaled="0"/>
+          <a:path path="circle">
+            <a:fillToRect l="100000" t="100000" r="100000" b="100000"/>
+          </a:path>
         </a:gradFill>
       </a:fillStyleLst>
       <a:lnStyleLst>
         <a:ln w="9525" cap="flat" cmpd="sng" algn="ctr">
           <a:solidFill>
-            <a:schemeClr val="phClr">
-              <a:shade val="95000"/>
-              <a:satMod val="105000"/>
-            </a:schemeClr>
+            <a:schemeClr val="phClr"/>
           </a:solidFill>
           <a:prstDash val="solid"/>
         </a:ln>
-        <a:ln w="25400" cap="flat" cmpd="sng" algn="ctr">
+        <a:ln w="26425" cap="flat" cmpd="sng" algn="ctr">
           <a:solidFill>
             <a:schemeClr val="phClr"/>
           </a:solidFill>
           <a:prstDash val="solid"/>
         </a:ln>
-        <a:ln w="38100" cap="flat" cmpd="sng" algn="ctr">
+        <a:ln w="44450" cap="flat" cmpd="sng" algn="ctr">
           <a:solidFill>
             <a:schemeClr val="phClr"/>
           </a:solidFill>
@@ -17606,28 +18352,22 @@
       </a:lnStyleLst>
       <a:effectStyleLst>
         <a:effectStyle>
+          <a:effectLst/>
+        </a:effectStyle>
+        <a:effectStyle>
           <a:effectLst>
-            <a:outerShdw blurRad="40000" dist="20000" dir="5400000" rotWithShape="0">
+            <a:outerShdw blurRad="38100" dist="25400" dir="2700000" algn="br" rotWithShape="0">
               <a:srgbClr val="000000">
-                <a:alpha val="38000"/>
+                <a:alpha val="60000"/>
               </a:srgbClr>
             </a:outerShdw>
           </a:effectLst>
         </a:effectStyle>
         <a:effectStyle>
           <a:effectLst>
-            <a:outerShdw blurRad="40000" dist="23000" dir="5400000" rotWithShape="0">
+            <a:outerShdw blurRad="38100" dist="25400" dir="2700000" algn="br" rotWithShape="0">
               <a:srgbClr val="000000">
-                <a:alpha val="35000"/>
-              </a:srgbClr>
-            </a:outerShdw>
-          </a:effectLst>
-        </a:effectStyle>
-        <a:effectStyle>
-          <a:effectLst>
-            <a:outerShdw blurRad="40000" dist="23000" dir="5400000" rotWithShape="0">
-              <a:srgbClr val="000000">
-                <a:alpha val="35000"/>
+                <a:alpha val="60000"/>
               </a:srgbClr>
             </a:outerShdw>
           </a:effectLst>
@@ -17635,12 +18375,18 @@
             <a:camera prst="orthographicFront">
               <a:rot lat="0" lon="0" rev="0"/>
             </a:camera>
-            <a:lightRig rig="threePt" dir="t">
-              <a:rot lat="0" lon="0" rev="1200000"/>
+            <a:lightRig rig="balanced" dir="t">
+              <a:rot lat="0" lon="0" rev="5100000"/>
             </a:lightRig>
           </a:scene3d>
-          <a:sp3d>
-            <a:bevelT w="63500" h="25400"/>
+          <a:sp3d contourW="6350">
+            <a:bevelT w="29210" h="12700"/>
+            <a:contourClr>
+              <a:schemeClr val="phClr">
+                <a:shade val="30000"/>
+                <a:satMod val="130000"/>
+              </a:schemeClr>
+            </a:contourClr>
           </a:sp3d>
         </a:effectStyle>
       </a:effectStyleLst>
@@ -17652,47 +18398,40 @@
           <a:gsLst>
             <a:gs pos="0">
               <a:schemeClr val="phClr">
-                <a:tint val="40000"/>
-                <a:satMod val="350000"/>
+                <a:tint val="85000"/>
+                <a:satMod val="180000"/>
               </a:schemeClr>
             </a:gs>
             <a:gs pos="40000">
               <a:schemeClr val="phClr">
-                <a:tint val="45000"/>
-                <a:shade val="99000"/>
-                <a:satMod val="350000"/>
+                <a:tint val="95000"/>
+                <a:shade val="85000"/>
+                <a:satMod val="150000"/>
               </a:schemeClr>
             </a:gs>
             <a:gs pos="100000">
               <a:schemeClr val="phClr">
-                <a:shade val="20000"/>
-                <a:satMod val="255000"/>
-              </a:schemeClr>
-            </a:gs>
-          </a:gsLst>
-          <a:path path="circle">
-            <a:fillToRect l="50000" t="-80000" r="50000" b="180000"/>
-          </a:path>
-        </a:gradFill>
-        <a:gradFill rotWithShape="1">
-          <a:gsLst>
-            <a:gs pos="0">
-              <a:schemeClr val="phClr">
-                <a:tint val="80000"/>
-                <a:satMod val="300000"/>
-              </a:schemeClr>
-            </a:gs>
-            <a:gs pos="100000">
-              <a:schemeClr val="phClr">
-                <a:shade val="30000"/>
+                <a:shade val="45000"/>
                 <a:satMod val="200000"/>
               </a:schemeClr>
             </a:gs>
           </a:gsLst>
-          <a:path path="circle">
-            <a:fillToRect l="50000" t="50000" r="50000" b="50000"/>
-          </a:path>
+          <a:lin ang="5400000" scaled="0"/>
         </a:gradFill>
+        <a:blipFill rotWithShape="1">
+          <a:blip xmlns:r="http://schemas.openxmlformats.org/officeDocument/2006/relationships" r:embed="rId1">
+            <a:duotone>
+              <a:schemeClr val="phClr">
+                <a:shade val="55000"/>
+              </a:schemeClr>
+              <a:schemeClr val="phClr">
+                <a:tint val="97000"/>
+                <a:satMod val="95000"/>
+              </a:schemeClr>
+            </a:duotone>
+          </a:blip>
+          <a:tile tx="0" ty="0" sx="70000" sy="70000" flip="none" algn="tl"/>
+        </a:blipFill>
       </a:bgFillStyleLst>
     </a:fmtScheme>
   </a:themeElements>

--- a/Thesis/Just In Time Arabic Handwriting Recognition.pptx
+++ b/Thesis/Just In Time Arabic Handwriting Recognition.pptx
@@ -5501,7 +5501,7 @@
           <a:graphicData uri="http://schemas.openxmlformats.org/presentationml/2006/ole">
             <mc:AlternateContent xmlns:mc="http://schemas.openxmlformats.org/markup-compatibility/2006">
               <mc:Choice xmlns:v="urn:schemas-microsoft-com:vml" Requires="v">
-                <p:oleObj spid="_x0000_s2098" name="Equation" r:id="rId3" imgW="1765080" imgH="482400" progId="Equation.DSMT4">
+                <p:oleObj spid="_x0000_s2106" name="Equation" r:id="rId3" imgW="1765080" imgH="482400" progId="Equation.DSMT4">
                   <p:embed/>
                 </p:oleObj>
               </mc:Choice>
@@ -5594,7 +5594,7 @@
           <a:graphicData uri="http://schemas.openxmlformats.org/presentationml/2006/ole">
             <mc:AlternateContent xmlns:mc="http://schemas.openxmlformats.org/markup-compatibility/2006">
               <mc:Choice xmlns:v="urn:schemas-microsoft-com:vml" Requires="v">
-                <p:oleObj spid="_x0000_s2099" name="Equation" r:id="rId5" imgW="1028520" imgH="253800" progId="Equation.DSMT4">
+                <p:oleObj spid="_x0000_s2107" name="Equation" r:id="rId5" imgW="1028520" imgH="253800" progId="Equation.DSMT4">
                   <p:embed/>
                 </p:oleObj>
               </mc:Choice>
@@ -5687,7 +5687,7 @@
           <a:graphicData uri="http://schemas.openxmlformats.org/presentationml/2006/ole">
             <mc:AlternateContent xmlns:mc="http://schemas.openxmlformats.org/markup-compatibility/2006">
               <mc:Choice xmlns:v="urn:schemas-microsoft-com:vml" Requires="v">
-                <p:oleObj spid="_x0000_s2100" name="Equation" r:id="rId7" imgW="1396800" imgH="253800" progId="Equation.DSMT4">
+                <p:oleObj spid="_x0000_s2108" name="Equation" r:id="rId7" imgW="1396800" imgH="253800" progId="Equation.DSMT4">
                   <p:embed/>
                 </p:oleObj>
               </mc:Choice>
@@ -5780,7 +5780,7 @@
           <a:graphicData uri="http://schemas.openxmlformats.org/presentationml/2006/ole">
             <mc:AlternateContent xmlns:mc="http://schemas.openxmlformats.org/markup-compatibility/2006">
               <mc:Choice xmlns:v="urn:schemas-microsoft-com:vml" Requires="v">
-                <p:oleObj spid="_x0000_s2101" name="Equation" r:id="rId9" imgW="1828800" imgH="253800" progId="Equation.DSMT4">
+                <p:oleObj spid="_x0000_s2109" name="Equation" r:id="rId9" imgW="1828800" imgH="253800" progId="Equation.DSMT4">
                   <p:embed/>
                 </p:oleObj>
               </mc:Choice>
@@ -7584,7 +7584,9 @@
         </p:nvSpPr>
         <p:spPr/>
         <p:txBody>
-          <a:bodyPr/>
+          <a:bodyPr>
+            <a:normAutofit fontScale="92500"/>
+          </a:bodyPr>
           <a:lstStyle/>
           <a:p>
             <a:r>
@@ -7617,8 +7619,45 @@
           <a:p>
             <a:r>
               <a:rPr lang="en-US" dirty="0" smtClean="0"/>
-              <a:t>Then select for each segmentation the candidate letters and then holistically select the word part.  </a:t>
-            </a:r>
+              <a:t>Then select for each segmentation the candidate letters and then holistically select the word part</a:t>
+            </a:r>
+            <a:r>
+              <a:rPr lang="en-US" dirty="0" smtClean="0"/>
+              <a:t>.</a:t>
+            </a:r>
+          </a:p>
+          <a:p>
+            <a:r>
+              <a:rPr lang="en-US" dirty="0" smtClean="0"/>
+              <a:t>Important properties:</a:t>
+            </a:r>
+          </a:p>
+          <a:p>
+            <a:pPr lvl="1"/>
+            <a:r>
+              <a:rPr lang="en-US" dirty="0" smtClean="0"/>
+              <a:t>Min Over Segmentation</a:t>
+            </a:r>
+          </a:p>
+          <a:p>
+            <a:pPr lvl="1"/>
+            <a:r>
+              <a:rPr lang="en-US" dirty="0" smtClean="0"/>
+              <a:t>No </a:t>
+            </a:r>
+            <a:r>
+              <a:rPr lang="en-US" dirty="0" smtClean="0"/>
+              <a:t>U</a:t>
+            </a:r>
+            <a:r>
+              <a:rPr lang="en-US" dirty="0" smtClean="0"/>
+              <a:t>nder Segmentation(*) – </a:t>
+            </a:r>
+            <a:r>
+              <a:rPr lang="en-US" smtClean="0"/>
+              <a:t>Complex Letters</a:t>
+            </a:r>
+            <a:endParaRPr lang="en-US" dirty="0" smtClean="0"/>
           </a:p>
           <a:p>
             <a:r>
@@ -10547,7 +10586,7 @@
           <a:graphicData uri="http://schemas.openxmlformats.org/presentationml/2006/ole">
             <mc:AlternateContent xmlns:mc="http://schemas.openxmlformats.org/markup-compatibility/2006">
               <mc:Choice xmlns:v="urn:schemas-microsoft-com:vml" Requires="v">
-                <p:oleObj spid="_x0000_s3094" name="Equation" r:id="rId3" imgW="2197080" imgH="317160" progId="Equation.DSMT4">
+                <p:oleObj spid="_x0000_s3098" name="Equation" r:id="rId3" imgW="2197080" imgH="317160" progId="Equation.DSMT4">
                   <p:embed/>
                 </p:oleObj>
               </mc:Choice>
@@ -10604,7 +10643,7 @@
           <a:graphicData uri="http://schemas.openxmlformats.org/presentationml/2006/ole">
             <mc:AlternateContent xmlns:mc="http://schemas.openxmlformats.org/markup-compatibility/2006">
               <mc:Choice xmlns:v="urn:schemas-microsoft-com:vml" Requires="v">
-                <p:oleObj spid="_x0000_s3095" name="Equation" r:id="rId5" imgW="736560" imgH="177480" progId="Equation.DSMT4">
+                <p:oleObj spid="_x0000_s3099" name="Equation" r:id="rId5" imgW="736560" imgH="177480" progId="Equation.DSMT4">
                   <p:embed/>
                 </p:oleObj>
               </mc:Choice>
@@ -13612,7 +13651,7 @@
           <a:graphicData uri="http://schemas.openxmlformats.org/presentationml/2006/ole">
             <mc:AlternateContent xmlns:mc="http://schemas.openxmlformats.org/markup-compatibility/2006">
               <mc:Choice xmlns:v="urn:schemas-microsoft-com:vml" Requires="v">
-                <p:oleObj spid="_x0000_s4120" name="Equation" r:id="rId4" imgW="266400" imgH="444240" progId="Equation.DSMT4">
+                <p:oleObj spid="_x0000_s4124" name="Equation" r:id="rId4" imgW="266400" imgH="444240" progId="Equation.DSMT4">
                   <p:embed/>
                 </p:oleObj>
               </mc:Choice>
@@ -13669,7 +13708,7 @@
           <a:graphicData uri="http://schemas.openxmlformats.org/presentationml/2006/ole">
             <mc:AlternateContent xmlns:mc="http://schemas.openxmlformats.org/markup-compatibility/2006">
               <mc:Choice xmlns:v="urn:schemas-microsoft-com:vml" Requires="v">
-                <p:oleObj spid="_x0000_s4121" name="Equation" r:id="rId6" imgW="1574640" imgH="253800" progId="Equation.DSMT4">
+                <p:oleObj spid="_x0000_s4125" name="Equation" r:id="rId6" imgW="1574640" imgH="253800" progId="Equation.DSMT4">
                   <p:embed/>
                 </p:oleObj>
               </mc:Choice>
@@ -17556,7 +17595,7 @@
           <a:graphicData uri="http://schemas.openxmlformats.org/presentationml/2006/ole">
             <mc:AlternateContent xmlns:mc="http://schemas.openxmlformats.org/markup-compatibility/2006">
               <mc:Choice xmlns:v="urn:schemas-microsoft-com:vml" Requires="v">
-                <p:oleObj spid="_x0000_s1050" name="Equation" r:id="rId3" imgW="2501640" imgH="342720" progId="Equation.DSMT4">
+                <p:oleObj spid="_x0000_s1054" name="Equation" r:id="rId3" imgW="2501640" imgH="342720" progId="Equation.DSMT4">
                   <p:embed/>
                 </p:oleObj>
               </mc:Choice>
@@ -17883,7 +17922,7 @@
           <a:graphicData uri="http://schemas.openxmlformats.org/presentationml/2006/ole">
             <mc:AlternateContent xmlns:mc="http://schemas.openxmlformats.org/markup-compatibility/2006">
               <mc:Choice xmlns:v="urn:schemas-microsoft-com:vml" Requires="v">
-                <p:oleObj spid="_x0000_s1051" name="Equation" r:id="rId5" imgW="1473120" imgH="253800" progId="Equation.DSMT4">
+                <p:oleObj spid="_x0000_s1055" name="Equation" r:id="rId5" imgW="1473120" imgH="253800" progId="Equation.DSMT4">
                   <p:embed/>
                 </p:oleObj>
               </mc:Choice>
